--- a/Proposal/Options_Proposal.pptx
+++ b/Proposal/Options_Proposal.pptx
@@ -13,10 +13,10 @@
     <p:sldMasterId id="2147483761" r:id="rId9"/>
   </p:sldMasterIdLst>
   <p:notesMasterIdLst>
-    <p:notesMasterId r:id="rId21"/>
+    <p:notesMasterId r:id="rId20"/>
   </p:notesMasterIdLst>
   <p:handoutMasterIdLst>
-    <p:handoutMasterId r:id="rId22"/>
+    <p:handoutMasterId r:id="rId21"/>
   </p:handoutMasterIdLst>
   <p:sldIdLst>
     <p:sldId id="256" r:id="rId10"/>
@@ -29,7 +29,6 @@
     <p:sldId id="264" r:id="rId17"/>
     <p:sldId id="265" r:id="rId18"/>
     <p:sldId id="266" r:id="rId19"/>
-    <p:sldId id="258" r:id="rId20"/>
   </p:sldIdLst>
   <p:sldSz cx="9144000" cy="6858000" type="screen4x3"/>
   <p:notesSz cx="6858000" cy="9144000"/>
@@ -176,8 +175,10 @@
   <p1510:revLst>
     <p1510:client id="{6FEA6AB9-D5DE-422D-BF0B-67294411FBC2}" v="152" dt="2020-09-28T00:07:04.721"/>
     <p1510:client id="{AE6E144E-B557-4BDC-9BA4-D20E57C626E2}" v="3" dt="2020-09-27T23:41:37.338"/>
-    <p1510:client id="{C3F20AED-6586-458B-8D39-250B27C9D058}" v="2566" dt="2020-09-28T00:26:01.018"/>
-    <p1510:client id="{FF3514A3-E8E7-4C0A-8594-62E27E6A3E25}" v="2627" dt="2020-09-28T00:23:25.686"/>
+    <p1510:client id="{C3F20AED-6586-458B-8D39-250B27C9D058}" v="2674" dt="2020-09-28T00:26:34.369"/>
+    <p1510:client id="{CF33CF63-EF0E-4B55-863F-1A54E5C1B03D}" v="26" dt="2020-09-28T14:47:05.751"/>
+    <p1510:client id="{CF49BD4F-61A5-4FFC-94BE-F30F3B561A3C}" v="804" dt="2020-09-28T07:33:05"/>
+    <p1510:client id="{FF3514A3-E8E7-4C0A-8594-62E27E6A3E25}" v="2751" dt="2020-09-28T14:38:24.529"/>
   </p1510:revLst>
 </p1510:revInfo>
 </file>
@@ -185,135 +186,9 @@
 <file path=ppt/changesInfos/changesInfo1.xml><?xml version="1.0" encoding="utf-8"?>
 <pc:chgInfo xmlns:a="http://schemas.openxmlformats.org/drawingml/2006/main" xmlns:r="http://schemas.openxmlformats.org/officeDocument/2006/relationships" xmlns:ac="http://schemas.microsoft.com/office/drawing/2013/main/command" xmlns:pc="http://schemas.microsoft.com/office/powerpoint/2013/main/command">
   <pc:docChgLst>
-    <pc:chgData name="Guest User" providerId="Windows Live" clId="Web-{AE6E144E-B557-4BDC-9BA4-D20E57C626E2}"/>
-    <pc:docChg chg="modSld">
-      <pc:chgData name="Guest User" userId="" providerId="Windows Live" clId="Web-{AE6E144E-B557-4BDC-9BA4-D20E57C626E2}" dt="2020-09-27T23:41:37.338" v="2" actId="20577"/>
-      <pc:docMkLst>
-        <pc:docMk/>
-      </pc:docMkLst>
-      <pc:sldChg chg="modSp">
-        <pc:chgData name="Guest User" userId="" providerId="Windows Live" clId="Web-{AE6E144E-B557-4BDC-9BA4-D20E57C626E2}" dt="2020-09-27T23:41:37.338" v="2" actId="20577"/>
-        <pc:sldMkLst>
-          <pc:docMk/>
-          <pc:sldMk cId="469812545" sldId="259"/>
-        </pc:sldMkLst>
-        <pc:spChg chg="mod">
-          <ac:chgData name="Guest User" userId="" providerId="Windows Live" clId="Web-{AE6E144E-B557-4BDC-9BA4-D20E57C626E2}" dt="2020-09-27T23:41:37.338" v="2" actId="20577"/>
-          <ac:spMkLst>
-            <pc:docMk/>
-            <pc:sldMk cId="469812545" sldId="259"/>
-            <ac:spMk id="3" creationId="{A49CCEAA-3160-4BE6-B3C0-80BF10430FA3}"/>
-          </ac:spMkLst>
-        </pc:spChg>
-      </pc:sldChg>
-    </pc:docChg>
-  </pc:docChgLst>
-  <pc:docChgLst>
-    <pc:chgData name="John Tartaglia" userId="7dd1c6642597324d" providerId="Windows Live" clId="Web-{6FEA6AB9-D5DE-422D-BF0B-67294411FBC2}"/>
-    <pc:docChg chg="modSld">
-      <pc:chgData name="John Tartaglia" userId="7dd1c6642597324d" providerId="Windows Live" clId="Web-{6FEA6AB9-D5DE-422D-BF0B-67294411FBC2}" dt="2020-09-28T00:07:04.721" v="151" actId="20577"/>
-      <pc:docMkLst>
-        <pc:docMk/>
-      </pc:docMkLst>
-      <pc:sldChg chg="modSp">
-        <pc:chgData name="John Tartaglia" userId="7dd1c6642597324d" providerId="Windows Live" clId="Web-{6FEA6AB9-D5DE-422D-BF0B-67294411FBC2}" dt="2020-09-28T00:07:04.721" v="151" actId="20577"/>
-        <pc:sldMkLst>
-          <pc:docMk/>
-          <pc:sldMk cId="3440423750" sldId="265"/>
-        </pc:sldMkLst>
-        <pc:spChg chg="mod">
-          <ac:chgData name="John Tartaglia" userId="7dd1c6642597324d" providerId="Windows Live" clId="Web-{6FEA6AB9-D5DE-422D-BF0B-67294411FBC2}" dt="2020-09-28T00:07:04.721" v="151" actId="20577"/>
-          <ac:spMkLst>
-            <pc:docMk/>
-            <pc:sldMk cId="3440423750" sldId="265"/>
-            <ac:spMk id="3" creationId="{94135906-FE03-4457-BFCE-0FEFC51673C8}"/>
-          </ac:spMkLst>
-        </pc:spChg>
-      </pc:sldChg>
-    </pc:docChg>
-  </pc:docChgLst>
-  <pc:docChgLst>
-    <pc:chgData name="Vincent Cortese" userId="4bd9b49d11943418" providerId="LiveId" clId="{C3F20AED-6586-458B-8D39-250B27C9D058}"/>
-    <pc:docChg chg="undo custSel modSld">
-      <pc:chgData name="Vincent Cortese" userId="4bd9b49d11943418" providerId="LiveId" clId="{C3F20AED-6586-458B-8D39-250B27C9D058}" dt="2020-09-28T00:26:01.019" v="2567" actId="20577"/>
-      <pc:docMkLst>
-        <pc:docMk/>
-      </pc:docMkLst>
-      <pc:sldChg chg="modSp mod">
-        <pc:chgData name="Vincent Cortese" userId="4bd9b49d11943418" providerId="LiveId" clId="{C3F20AED-6586-458B-8D39-250B27C9D058}" dt="2020-09-27T21:48:50.020" v="1" actId="14100"/>
-        <pc:sldMkLst>
-          <pc:docMk/>
-          <pc:sldMk cId="912756519" sldId="256"/>
-        </pc:sldMkLst>
-        <pc:spChg chg="mod">
-          <ac:chgData name="Vincent Cortese" userId="4bd9b49d11943418" providerId="LiveId" clId="{C3F20AED-6586-458B-8D39-250B27C9D058}" dt="2020-09-27T21:48:50.020" v="1" actId="14100"/>
-          <ac:spMkLst>
-            <pc:docMk/>
-            <pc:sldMk cId="912756519" sldId="256"/>
-            <ac:spMk id="4" creationId="{00000000-0000-0000-0000-000000000000}"/>
-          </ac:spMkLst>
-        </pc:spChg>
-      </pc:sldChg>
-      <pc:sldChg chg="modSp mod">
-        <pc:chgData name="Vincent Cortese" userId="4bd9b49d11943418" providerId="LiveId" clId="{C3F20AED-6586-458B-8D39-250B27C9D058}" dt="2020-09-28T00:14:23.550" v="1189" actId="20577"/>
-        <pc:sldMkLst>
-          <pc:docMk/>
-          <pc:sldMk cId="3145204428" sldId="264"/>
-        </pc:sldMkLst>
-        <pc:spChg chg="mod">
-          <ac:chgData name="Vincent Cortese" userId="4bd9b49d11943418" providerId="LiveId" clId="{C3F20AED-6586-458B-8D39-250B27C9D058}" dt="2020-09-28T00:05:47.652" v="760" actId="20577"/>
-          <ac:spMkLst>
-            <pc:docMk/>
-            <pc:sldMk cId="3145204428" sldId="264"/>
-            <ac:spMk id="3" creationId="{BD46D1C8-1CFA-4EFA-8E84-DF485E10E31F}"/>
-          </ac:spMkLst>
-        </pc:spChg>
-        <pc:spChg chg="mod">
-          <ac:chgData name="Vincent Cortese" userId="4bd9b49d11943418" providerId="LiveId" clId="{C3F20AED-6586-458B-8D39-250B27C9D058}" dt="2020-09-27T23:55:48.109" v="14" actId="20577"/>
-          <ac:spMkLst>
-            <pc:docMk/>
-            <pc:sldMk cId="3145204428" sldId="264"/>
-            <ac:spMk id="5" creationId="{75CF6801-205E-4070-B019-000C731EC81A}"/>
-          </ac:spMkLst>
-        </pc:spChg>
-        <pc:spChg chg="mod">
-          <ac:chgData name="Vincent Cortese" userId="4bd9b49d11943418" providerId="LiveId" clId="{C3F20AED-6586-458B-8D39-250B27C9D058}" dt="2020-09-28T00:14:23.550" v="1189" actId="20577"/>
-          <ac:spMkLst>
-            <pc:docMk/>
-            <pc:sldMk cId="3145204428" sldId="264"/>
-            <ac:spMk id="6" creationId="{1AB3CA1D-0664-4CC0-8806-4BB46197C6BD}"/>
-          </ac:spMkLst>
-        </pc:spChg>
-      </pc:sldChg>
-      <pc:sldChg chg="modSp mod">
-        <pc:chgData name="Vincent Cortese" userId="4bd9b49d11943418" providerId="LiveId" clId="{C3F20AED-6586-458B-8D39-250B27C9D058}" dt="2020-09-28T00:26:01.019" v="2567" actId="20577"/>
-        <pc:sldMkLst>
-          <pc:docMk/>
-          <pc:sldMk cId="133738774" sldId="266"/>
-        </pc:sldMkLst>
-        <pc:spChg chg="mod">
-          <ac:chgData name="Vincent Cortese" userId="4bd9b49d11943418" providerId="LiveId" clId="{C3F20AED-6586-458B-8D39-250B27C9D058}" dt="2020-09-28T00:26:01.019" v="2567" actId="20577"/>
-          <ac:spMkLst>
-            <pc:docMk/>
-            <pc:sldMk cId="133738774" sldId="266"/>
-            <ac:spMk id="3" creationId="{98AE6BBF-9056-4D97-B49F-68763442D7B1}"/>
-          </ac:spMkLst>
-        </pc:spChg>
-        <pc:spChg chg="mod">
-          <ac:chgData name="Vincent Cortese" userId="4bd9b49d11943418" providerId="LiveId" clId="{C3F20AED-6586-458B-8D39-250B27C9D058}" dt="2020-09-28T00:20:59.880" v="1958" actId="20577"/>
-          <ac:spMkLst>
-            <pc:docMk/>
-            <pc:sldMk cId="133738774" sldId="266"/>
-            <ac:spMk id="6" creationId="{18EDB671-55D9-4901-9F53-D24305700040}"/>
-          </ac:spMkLst>
-        </pc:spChg>
-      </pc:sldChg>
-    </pc:docChg>
-  </pc:docChgLst>
-  <pc:docChgLst>
     <pc:chgData name="Gregory Giordano" userId="04d301a8f02dee62" providerId="LiveId" clId="{FF3514A3-E8E7-4C0A-8594-62E27E6A3E25}"/>
-    <pc:docChg chg="undo custSel addSld modSld">
-      <pc:chgData name="Gregory Giordano" userId="04d301a8f02dee62" providerId="LiveId" clId="{FF3514A3-E8E7-4C0A-8594-62E27E6A3E25}" dt="2020-09-28T00:23:25.686" v="3763" actId="20577"/>
+    <pc:docChg chg="undo custSel addSld delSld modSld">
+      <pc:chgData name="Gregory Giordano" userId="04d301a8f02dee62" providerId="LiveId" clId="{FF3514A3-E8E7-4C0A-8594-62E27E6A3E25}" dt="2020-09-28T14:38:24.529" v="3887" actId="47"/>
       <pc:docMkLst>
         <pc:docMk/>
       </pc:docMkLst>
@@ -370,6 +245,13 @@
             <ac:spMk id="4" creationId="{00000000-0000-0000-0000-000000000000}"/>
           </ac:spMkLst>
         </pc:spChg>
+      </pc:sldChg>
+      <pc:sldChg chg="del">
+        <pc:chgData name="Gregory Giordano" userId="04d301a8f02dee62" providerId="LiveId" clId="{FF3514A3-E8E7-4C0A-8594-62E27E6A3E25}" dt="2020-09-28T14:38:24.529" v="3887" actId="47"/>
+        <pc:sldMkLst>
+          <pc:docMk/>
+          <pc:sldMk cId="2029764053" sldId="258"/>
+        </pc:sldMkLst>
       </pc:sldChg>
       <pc:sldChg chg="delSp modSp new mod">
         <pc:chgData name="Gregory Giordano" userId="04d301a8f02dee62" providerId="LiveId" clId="{FF3514A3-E8E7-4C0A-8594-62E27E6A3E25}" dt="2020-09-27T22:33:34.380" v="1933" actId="20577"/>
@@ -434,13 +316,13 @@
         </pc:spChg>
       </pc:sldChg>
       <pc:sldChg chg="delSp modSp new mod">
-        <pc:chgData name="Gregory Giordano" userId="04d301a8f02dee62" providerId="LiveId" clId="{FF3514A3-E8E7-4C0A-8594-62E27E6A3E25}" dt="2020-09-28T00:21:54.855" v="3593" actId="20577"/>
+        <pc:chgData name="Gregory Giordano" userId="04d301a8f02dee62" providerId="LiveId" clId="{FF3514A3-E8E7-4C0A-8594-62E27E6A3E25}" dt="2020-09-28T14:35:38.303" v="3886" actId="20577"/>
         <pc:sldMkLst>
           <pc:docMk/>
           <pc:sldMk cId="3152875112" sldId="261"/>
         </pc:sldMkLst>
         <pc:spChg chg="mod">
-          <ac:chgData name="Gregory Giordano" userId="04d301a8f02dee62" providerId="LiveId" clId="{FF3514A3-E8E7-4C0A-8594-62E27E6A3E25}" dt="2020-09-28T00:21:54.855" v="3593" actId="20577"/>
+          <ac:chgData name="Gregory Giordano" userId="04d301a8f02dee62" providerId="LiveId" clId="{FF3514A3-E8E7-4C0A-8594-62E27E6A3E25}" dt="2020-09-28T14:35:38.303" v="3886" actId="20577"/>
           <ac:spMkLst>
             <pc:docMk/>
             <pc:sldMk cId="3152875112" sldId="261"/>
@@ -573,6 +455,1605 @@
       </pc:sldChg>
     </pc:docChg>
   </pc:docChgLst>
+  <pc:docChgLst>
+    <pc:chgData name="Guest User" providerId="Windows Live" clId="Web-{AE6E144E-B557-4BDC-9BA4-D20E57C626E2}"/>
+    <pc:docChg chg="modSld">
+      <pc:chgData name="Guest User" userId="" providerId="Windows Live" clId="Web-{AE6E144E-B557-4BDC-9BA4-D20E57C626E2}" dt="2020-09-27T23:41:37.338" v="2" actId="20577"/>
+      <pc:docMkLst>
+        <pc:docMk/>
+      </pc:docMkLst>
+      <pc:sldChg chg="modSp">
+        <pc:chgData name="Guest User" userId="" providerId="Windows Live" clId="Web-{AE6E144E-B557-4BDC-9BA4-D20E57C626E2}" dt="2020-09-27T23:41:37.338" v="2" actId="20577"/>
+        <pc:sldMkLst>
+          <pc:docMk/>
+          <pc:sldMk cId="469812545" sldId="259"/>
+        </pc:sldMkLst>
+        <pc:spChg chg="mod">
+          <ac:chgData name="Guest User" userId="" providerId="Windows Live" clId="Web-{AE6E144E-B557-4BDC-9BA4-D20E57C626E2}" dt="2020-09-27T23:41:37.338" v="2" actId="20577"/>
+          <ac:spMkLst>
+            <pc:docMk/>
+            <pc:sldMk cId="469812545" sldId="259"/>
+            <ac:spMk id="3" creationId="{A49CCEAA-3160-4BE6-B3C0-80BF10430FA3}"/>
+          </ac:spMkLst>
+        </pc:spChg>
+      </pc:sldChg>
+    </pc:docChg>
+  </pc:docChgLst>
+  <pc:docChgLst>
+    <pc:chgData name="Vincent Cortese" userId="4bd9b49d11943418" providerId="LiveId" clId="{C3F20AED-6586-458B-8D39-250B27C9D058}"/>
+    <pc:docChg chg="undo custSel modSld">
+      <pc:chgData name="Vincent Cortese" userId="4bd9b49d11943418" providerId="LiveId" clId="{C3F20AED-6586-458B-8D39-250B27C9D058}" dt="2020-09-28T14:07:53.081" v="2685" actId="5793"/>
+      <pc:docMkLst>
+        <pc:docMk/>
+      </pc:docMkLst>
+      <pc:sldChg chg="modSp mod">
+        <pc:chgData name="Vincent Cortese" userId="4bd9b49d11943418" providerId="LiveId" clId="{C3F20AED-6586-458B-8D39-250B27C9D058}" dt="2020-09-27T21:48:50.020" v="1" actId="14100"/>
+        <pc:sldMkLst>
+          <pc:docMk/>
+          <pc:sldMk cId="912756519" sldId="256"/>
+        </pc:sldMkLst>
+        <pc:spChg chg="mod">
+          <ac:chgData name="Vincent Cortese" userId="4bd9b49d11943418" providerId="LiveId" clId="{C3F20AED-6586-458B-8D39-250B27C9D058}" dt="2020-09-27T21:48:50.020" v="1" actId="14100"/>
+          <ac:spMkLst>
+            <pc:docMk/>
+            <pc:sldMk cId="912756519" sldId="256"/>
+            <ac:spMk id="4" creationId="{00000000-0000-0000-0000-000000000000}"/>
+          </ac:spMkLst>
+        </pc:spChg>
+      </pc:sldChg>
+      <pc:sldChg chg="modSp mod">
+        <pc:chgData name="Vincent Cortese" userId="4bd9b49d11943418" providerId="LiveId" clId="{C3F20AED-6586-458B-8D39-250B27C9D058}" dt="2020-09-28T14:07:53.081" v="2685" actId="5793"/>
+        <pc:sldMkLst>
+          <pc:docMk/>
+          <pc:sldMk cId="3145204428" sldId="264"/>
+        </pc:sldMkLst>
+        <pc:spChg chg="mod">
+          <ac:chgData name="Vincent Cortese" userId="4bd9b49d11943418" providerId="LiveId" clId="{C3F20AED-6586-458B-8D39-250B27C9D058}" dt="2020-09-28T14:07:53.081" v="2685" actId="5793"/>
+          <ac:spMkLst>
+            <pc:docMk/>
+            <pc:sldMk cId="3145204428" sldId="264"/>
+            <ac:spMk id="3" creationId="{BD46D1C8-1CFA-4EFA-8E84-DF485E10E31F}"/>
+          </ac:spMkLst>
+        </pc:spChg>
+        <pc:spChg chg="mod">
+          <ac:chgData name="Vincent Cortese" userId="4bd9b49d11943418" providerId="LiveId" clId="{C3F20AED-6586-458B-8D39-250B27C9D058}" dt="2020-09-27T23:55:48.109" v="14" actId="20577"/>
+          <ac:spMkLst>
+            <pc:docMk/>
+            <pc:sldMk cId="3145204428" sldId="264"/>
+            <ac:spMk id="5" creationId="{75CF6801-205E-4070-B019-000C731EC81A}"/>
+          </ac:spMkLst>
+        </pc:spChg>
+        <pc:spChg chg="mod">
+          <ac:chgData name="Vincent Cortese" userId="4bd9b49d11943418" providerId="LiveId" clId="{C3F20AED-6586-458B-8D39-250B27C9D058}" dt="2020-09-28T00:14:23.550" v="1189" actId="20577"/>
+          <ac:spMkLst>
+            <pc:docMk/>
+            <pc:sldMk cId="3145204428" sldId="264"/>
+            <ac:spMk id="6" creationId="{1AB3CA1D-0664-4CC0-8806-4BB46197C6BD}"/>
+          </ac:spMkLst>
+        </pc:spChg>
+      </pc:sldChg>
+      <pc:sldChg chg="modSp mod">
+        <pc:chgData name="Vincent Cortese" userId="4bd9b49d11943418" providerId="LiveId" clId="{C3F20AED-6586-458B-8D39-250B27C9D058}" dt="2020-09-28T00:26:34.369" v="2675" actId="20577"/>
+        <pc:sldMkLst>
+          <pc:docMk/>
+          <pc:sldMk cId="133738774" sldId="266"/>
+        </pc:sldMkLst>
+        <pc:spChg chg="mod">
+          <ac:chgData name="Vincent Cortese" userId="4bd9b49d11943418" providerId="LiveId" clId="{C3F20AED-6586-458B-8D39-250B27C9D058}" dt="2020-09-28T00:26:34.369" v="2675" actId="20577"/>
+          <ac:spMkLst>
+            <pc:docMk/>
+            <pc:sldMk cId="133738774" sldId="266"/>
+            <ac:spMk id="3" creationId="{98AE6BBF-9056-4D97-B49F-68763442D7B1}"/>
+          </ac:spMkLst>
+        </pc:spChg>
+        <pc:spChg chg="mod">
+          <ac:chgData name="Vincent Cortese" userId="4bd9b49d11943418" providerId="LiveId" clId="{C3F20AED-6586-458B-8D39-250B27C9D058}" dt="2020-09-28T00:20:59.880" v="1958" actId="20577"/>
+          <ac:spMkLst>
+            <pc:docMk/>
+            <pc:sldMk cId="133738774" sldId="266"/>
+            <ac:spMk id="6" creationId="{18EDB671-55D9-4901-9F53-D24305700040}"/>
+          </ac:spMkLst>
+        </pc:spChg>
+      </pc:sldChg>
+    </pc:docChg>
+  </pc:docChgLst>
+  <pc:docChgLst>
+    <pc:chgData name="John Tartaglia" userId="7dd1c6642597324d" providerId="Windows Live" clId="Web-{CF49BD4F-61A5-4FFC-94BE-F30F3B561A3C}"/>
+    <pc:docChg chg="modSld addMainMaster delMainMaster">
+      <pc:chgData name="John Tartaglia" userId="7dd1c6642597324d" providerId="Windows Live" clId="Web-{CF49BD4F-61A5-4FFC-94BE-F30F3B561A3C}" dt="2020-09-28T07:33:04.188" v="749" actId="20577"/>
+      <pc:docMkLst>
+        <pc:docMk/>
+      </pc:docMkLst>
+      <pc:sldChg chg="modSp mod modClrScheme chgLayout">
+        <pc:chgData name="John Tartaglia" userId="7dd1c6642597324d" providerId="Windows Live" clId="Web-{CF49BD4F-61A5-4FFC-94BE-F30F3B561A3C}" dt="2020-09-28T07:29:11.964" v="737"/>
+        <pc:sldMkLst>
+          <pc:docMk/>
+          <pc:sldMk cId="912756519" sldId="256"/>
+        </pc:sldMkLst>
+        <pc:spChg chg="mod ord">
+          <ac:chgData name="John Tartaglia" userId="7dd1c6642597324d" providerId="Windows Live" clId="Web-{CF49BD4F-61A5-4FFC-94BE-F30F3B561A3C}" dt="2020-09-28T07:29:11.964" v="737"/>
+          <ac:spMkLst>
+            <pc:docMk/>
+            <pc:sldMk cId="912756519" sldId="256"/>
+            <ac:spMk id="2" creationId="{00000000-0000-0000-0000-000000000000}"/>
+          </ac:spMkLst>
+        </pc:spChg>
+        <pc:spChg chg="mod ord">
+          <ac:chgData name="John Tartaglia" userId="7dd1c6642597324d" providerId="Windows Live" clId="Web-{CF49BD4F-61A5-4FFC-94BE-F30F3B561A3C}" dt="2020-09-28T07:29:11.964" v="737"/>
+          <ac:spMkLst>
+            <pc:docMk/>
+            <pc:sldMk cId="912756519" sldId="256"/>
+            <ac:spMk id="3" creationId="{00000000-0000-0000-0000-000000000000}"/>
+          </ac:spMkLst>
+        </pc:spChg>
+        <pc:spChg chg="mod ord">
+          <ac:chgData name="John Tartaglia" userId="7dd1c6642597324d" providerId="Windows Live" clId="Web-{CF49BD4F-61A5-4FFC-94BE-F30F3B561A3C}" dt="2020-09-28T07:29:11.964" v="737"/>
+          <ac:spMkLst>
+            <pc:docMk/>
+            <pc:sldMk cId="912756519" sldId="256"/>
+            <ac:spMk id="4" creationId="{00000000-0000-0000-0000-000000000000}"/>
+          </ac:spMkLst>
+        </pc:spChg>
+      </pc:sldChg>
+      <pc:sldChg chg="delSp modSp mod modClrScheme chgLayout">
+        <pc:chgData name="John Tartaglia" userId="7dd1c6642597324d" providerId="Windows Live" clId="Web-{CF49BD4F-61A5-4FFC-94BE-F30F3B561A3C}" dt="2020-09-28T07:31:07.701" v="744" actId="1076"/>
+        <pc:sldMkLst>
+          <pc:docMk/>
+          <pc:sldMk cId="1815519956" sldId="257"/>
+        </pc:sldMkLst>
+        <pc:spChg chg="mod ord">
+          <ac:chgData name="John Tartaglia" userId="7dd1c6642597324d" providerId="Windows Live" clId="Web-{CF49BD4F-61A5-4FFC-94BE-F30F3B561A3C}" dt="2020-09-28T07:29:11.964" v="737"/>
+          <ac:spMkLst>
+            <pc:docMk/>
+            <pc:sldMk cId="1815519956" sldId="257"/>
+            <ac:spMk id="2" creationId="{00000000-0000-0000-0000-000000000000}"/>
+          </ac:spMkLst>
+        </pc:spChg>
+        <pc:spChg chg="mod ord">
+          <ac:chgData name="John Tartaglia" userId="7dd1c6642597324d" providerId="Windows Live" clId="Web-{CF49BD4F-61A5-4FFC-94BE-F30F3B561A3C}" dt="2020-09-28T07:29:11.964" v="737"/>
+          <ac:spMkLst>
+            <pc:docMk/>
+            <pc:sldMk cId="1815519956" sldId="257"/>
+            <ac:spMk id="3" creationId="{00000000-0000-0000-0000-000000000000}"/>
+          </ac:spMkLst>
+        </pc:spChg>
+        <pc:spChg chg="mod ord">
+          <ac:chgData name="John Tartaglia" userId="7dd1c6642597324d" providerId="Windows Live" clId="Web-{CF49BD4F-61A5-4FFC-94BE-F30F3B561A3C}" dt="2020-09-28T07:31:07.701" v="744" actId="1076"/>
+          <ac:spMkLst>
+            <pc:docMk/>
+            <pc:sldMk cId="1815519956" sldId="257"/>
+            <ac:spMk id="4" creationId="{00000000-0000-0000-0000-000000000000}"/>
+          </ac:spMkLst>
+        </pc:spChg>
+        <pc:spChg chg="del mod ord">
+          <ac:chgData name="John Tartaglia" userId="7dd1c6642597324d" providerId="Windows Live" clId="Web-{CF49BD4F-61A5-4FFC-94BE-F30F3B561A3C}" dt="2020-09-28T07:31:03.232" v="743"/>
+          <ac:spMkLst>
+            <pc:docMk/>
+            <pc:sldMk cId="1815519956" sldId="257"/>
+            <ac:spMk id="5" creationId="{00000000-0000-0000-0000-000000000000}"/>
+          </ac:spMkLst>
+        </pc:spChg>
+      </pc:sldChg>
+      <pc:sldChg chg="modSp mod modClrScheme chgLayout">
+        <pc:chgData name="John Tartaglia" userId="7dd1c6642597324d" providerId="Windows Live" clId="Web-{CF49BD4F-61A5-4FFC-94BE-F30F3B561A3C}" dt="2020-09-28T07:29:11.964" v="737"/>
+        <pc:sldMkLst>
+          <pc:docMk/>
+          <pc:sldMk cId="2029764053" sldId="258"/>
+        </pc:sldMkLst>
+        <pc:spChg chg="mod ord">
+          <ac:chgData name="John Tartaglia" userId="7dd1c6642597324d" providerId="Windows Live" clId="Web-{CF49BD4F-61A5-4FFC-94BE-F30F3B561A3C}" dt="2020-09-28T07:29:11.964" v="737"/>
+          <ac:spMkLst>
+            <pc:docMk/>
+            <pc:sldMk cId="2029764053" sldId="258"/>
+            <ac:spMk id="2" creationId="{00000000-0000-0000-0000-000000000000}"/>
+          </ac:spMkLst>
+        </pc:spChg>
+      </pc:sldChg>
+      <pc:sldChg chg="modSp mod modClrScheme chgLayout">
+        <pc:chgData name="John Tartaglia" userId="7dd1c6642597324d" providerId="Windows Live" clId="Web-{CF49BD4F-61A5-4FFC-94BE-F30F3B561A3C}" dt="2020-09-28T07:29:11.964" v="737"/>
+        <pc:sldMkLst>
+          <pc:docMk/>
+          <pc:sldMk cId="469812545" sldId="259"/>
+        </pc:sldMkLst>
+        <pc:spChg chg="mod ord">
+          <ac:chgData name="John Tartaglia" userId="7dd1c6642597324d" providerId="Windows Live" clId="Web-{CF49BD4F-61A5-4FFC-94BE-F30F3B561A3C}" dt="2020-09-28T07:29:11.964" v="737"/>
+          <ac:spMkLst>
+            <pc:docMk/>
+            <pc:sldMk cId="469812545" sldId="259"/>
+            <ac:spMk id="2" creationId="{277B3C29-CFC1-44E8-8A7E-71BDBCC65EA3}"/>
+          </ac:spMkLst>
+        </pc:spChg>
+        <pc:spChg chg="mod ord">
+          <ac:chgData name="John Tartaglia" userId="7dd1c6642597324d" providerId="Windows Live" clId="Web-{CF49BD4F-61A5-4FFC-94BE-F30F3B561A3C}" dt="2020-09-28T07:29:11.964" v="737"/>
+          <ac:spMkLst>
+            <pc:docMk/>
+            <pc:sldMk cId="469812545" sldId="259"/>
+            <ac:spMk id="3" creationId="{A49CCEAA-3160-4BE6-B3C0-80BF10430FA3}"/>
+          </ac:spMkLst>
+        </pc:spChg>
+        <pc:spChg chg="mod ord">
+          <ac:chgData name="John Tartaglia" userId="7dd1c6642597324d" providerId="Windows Live" clId="Web-{CF49BD4F-61A5-4FFC-94BE-F30F3B561A3C}" dt="2020-09-28T07:29:11.964" v="737"/>
+          <ac:spMkLst>
+            <pc:docMk/>
+            <pc:sldMk cId="469812545" sldId="259"/>
+            <ac:spMk id="4" creationId="{16A62D07-DB66-441F-A91C-BC9407A507E6}"/>
+          </ac:spMkLst>
+        </pc:spChg>
+        <pc:spChg chg="mod ord">
+          <ac:chgData name="John Tartaglia" userId="7dd1c6642597324d" providerId="Windows Live" clId="Web-{CF49BD4F-61A5-4FFC-94BE-F30F3B561A3C}" dt="2020-09-28T07:29:11.964" v="737"/>
+          <ac:spMkLst>
+            <pc:docMk/>
+            <pc:sldMk cId="469812545" sldId="259"/>
+            <ac:spMk id="5" creationId="{1225B915-8AB8-4E35-B35C-046E225BBCA2}"/>
+          </ac:spMkLst>
+        </pc:spChg>
+      </pc:sldChg>
+      <pc:sldChg chg="modSp mod modClrScheme chgLayout">
+        <pc:chgData name="John Tartaglia" userId="7dd1c6642597324d" providerId="Windows Live" clId="Web-{CF49BD4F-61A5-4FFC-94BE-F30F3B561A3C}" dt="2020-09-28T07:30:32.481" v="742" actId="20577"/>
+        <pc:sldMkLst>
+          <pc:docMk/>
+          <pc:sldMk cId="279851604" sldId="260"/>
+        </pc:sldMkLst>
+        <pc:spChg chg="mod ord">
+          <ac:chgData name="John Tartaglia" userId="7dd1c6642597324d" providerId="Windows Live" clId="Web-{CF49BD4F-61A5-4FFC-94BE-F30F3B561A3C}" dt="2020-09-28T07:29:11.964" v="737"/>
+          <ac:spMkLst>
+            <pc:docMk/>
+            <pc:sldMk cId="279851604" sldId="260"/>
+            <ac:spMk id="2" creationId="{6EE729B2-20C0-404F-8B0A-0B99FC390D25}"/>
+          </ac:spMkLst>
+        </pc:spChg>
+        <pc:spChg chg="mod ord">
+          <ac:chgData name="John Tartaglia" userId="7dd1c6642597324d" providerId="Windows Live" clId="Web-{CF49BD4F-61A5-4FFC-94BE-F30F3B561A3C}" dt="2020-09-28T07:29:11.964" v="737"/>
+          <ac:spMkLst>
+            <pc:docMk/>
+            <pc:sldMk cId="279851604" sldId="260"/>
+            <ac:spMk id="3" creationId="{8918F7B3-D169-4904-9CA1-9FF46F3F54F9}"/>
+          </ac:spMkLst>
+        </pc:spChg>
+        <pc:spChg chg="mod ord">
+          <ac:chgData name="John Tartaglia" userId="7dd1c6642597324d" providerId="Windows Live" clId="Web-{CF49BD4F-61A5-4FFC-94BE-F30F3B561A3C}" dt="2020-09-28T07:29:11.964" v="737"/>
+          <ac:spMkLst>
+            <pc:docMk/>
+            <pc:sldMk cId="279851604" sldId="260"/>
+            <ac:spMk id="4" creationId="{61FC2083-25C6-4F0E-A0CD-D1050F957ACA}"/>
+          </ac:spMkLst>
+        </pc:spChg>
+        <pc:spChg chg="mod ord">
+          <ac:chgData name="John Tartaglia" userId="7dd1c6642597324d" providerId="Windows Live" clId="Web-{CF49BD4F-61A5-4FFC-94BE-F30F3B561A3C}" dt="2020-09-28T07:30:32.481" v="742" actId="20577"/>
+          <ac:spMkLst>
+            <pc:docMk/>
+            <pc:sldMk cId="279851604" sldId="260"/>
+            <ac:spMk id="5" creationId="{041CDB50-5EF9-4D87-AE27-2158ABB4C9E1}"/>
+          </ac:spMkLst>
+        </pc:spChg>
+      </pc:sldChg>
+      <pc:sldChg chg="modSp mod modClrScheme chgLayout">
+        <pc:chgData name="John Tartaglia" userId="7dd1c6642597324d" providerId="Windows Live" clId="Web-{CF49BD4F-61A5-4FFC-94BE-F30F3B561A3C}" dt="2020-09-28T07:29:11.964" v="737"/>
+        <pc:sldMkLst>
+          <pc:docMk/>
+          <pc:sldMk cId="3152875112" sldId="261"/>
+        </pc:sldMkLst>
+        <pc:spChg chg="mod ord">
+          <ac:chgData name="John Tartaglia" userId="7dd1c6642597324d" providerId="Windows Live" clId="Web-{CF49BD4F-61A5-4FFC-94BE-F30F3B561A3C}" dt="2020-09-28T07:29:11.964" v="737"/>
+          <ac:spMkLst>
+            <pc:docMk/>
+            <pc:sldMk cId="3152875112" sldId="261"/>
+            <ac:spMk id="2" creationId="{51D0ADD9-DA1A-41D5-8DAF-6EE22C2687B6}"/>
+          </ac:spMkLst>
+        </pc:spChg>
+        <pc:spChg chg="mod ord">
+          <ac:chgData name="John Tartaglia" userId="7dd1c6642597324d" providerId="Windows Live" clId="Web-{CF49BD4F-61A5-4FFC-94BE-F30F3B561A3C}" dt="2020-09-28T07:29:11.964" v="737"/>
+          <ac:spMkLst>
+            <pc:docMk/>
+            <pc:sldMk cId="3152875112" sldId="261"/>
+            <ac:spMk id="3" creationId="{D84084E9-9275-4F55-837B-E55B5E7F372D}"/>
+          </ac:spMkLst>
+        </pc:spChg>
+        <pc:spChg chg="mod ord">
+          <ac:chgData name="John Tartaglia" userId="7dd1c6642597324d" providerId="Windows Live" clId="Web-{CF49BD4F-61A5-4FFC-94BE-F30F3B561A3C}" dt="2020-09-28T07:29:11.964" v="737"/>
+          <ac:spMkLst>
+            <pc:docMk/>
+            <pc:sldMk cId="3152875112" sldId="261"/>
+            <ac:spMk id="4" creationId="{57CB2A25-BFC8-4CD0-A0F1-D946C5A2AC94}"/>
+          </ac:spMkLst>
+        </pc:spChg>
+        <pc:spChg chg="mod ord">
+          <ac:chgData name="John Tartaglia" userId="7dd1c6642597324d" providerId="Windows Live" clId="Web-{CF49BD4F-61A5-4FFC-94BE-F30F3B561A3C}" dt="2020-09-28T07:29:11.964" v="737"/>
+          <ac:spMkLst>
+            <pc:docMk/>
+            <pc:sldMk cId="3152875112" sldId="261"/>
+            <ac:spMk id="5" creationId="{D1F4FE7C-CF92-4557-B860-3F114C2209FF}"/>
+          </ac:spMkLst>
+        </pc:spChg>
+      </pc:sldChg>
+      <pc:sldChg chg="delSp modSp mod modClrScheme chgLayout">
+        <pc:chgData name="John Tartaglia" userId="7dd1c6642597324d" providerId="Windows Live" clId="Web-{CF49BD4F-61A5-4FFC-94BE-F30F3B561A3C}" dt="2020-09-28T07:31:25.092" v="747" actId="1076"/>
+        <pc:sldMkLst>
+          <pc:docMk/>
+          <pc:sldMk cId="1221622362" sldId="262"/>
+        </pc:sldMkLst>
+        <pc:spChg chg="mod ord">
+          <ac:chgData name="John Tartaglia" userId="7dd1c6642597324d" providerId="Windows Live" clId="Web-{CF49BD4F-61A5-4FFC-94BE-F30F3B561A3C}" dt="2020-09-28T07:29:11.964" v="737"/>
+          <ac:spMkLst>
+            <pc:docMk/>
+            <pc:sldMk cId="1221622362" sldId="262"/>
+            <ac:spMk id="2" creationId="{EA1004FD-2ADB-45F6-A578-4816CB3C98CF}"/>
+          </ac:spMkLst>
+        </pc:spChg>
+        <pc:spChg chg="mod ord">
+          <ac:chgData name="John Tartaglia" userId="7dd1c6642597324d" providerId="Windows Live" clId="Web-{CF49BD4F-61A5-4FFC-94BE-F30F3B561A3C}" dt="2020-09-28T07:31:20.342" v="745" actId="1076"/>
+          <ac:spMkLst>
+            <pc:docMk/>
+            <pc:sldMk cId="1221622362" sldId="262"/>
+            <ac:spMk id="3" creationId="{88557AE5-20EE-4E51-B450-56FCB8E4D2D7}"/>
+          </ac:spMkLst>
+        </pc:spChg>
+        <pc:spChg chg="mod ord">
+          <ac:chgData name="John Tartaglia" userId="7dd1c6642597324d" providerId="Windows Live" clId="Web-{CF49BD4F-61A5-4FFC-94BE-F30F3B561A3C}" dt="2020-09-28T07:29:11.964" v="737"/>
+          <ac:spMkLst>
+            <pc:docMk/>
+            <pc:sldMk cId="1221622362" sldId="262"/>
+            <ac:spMk id="4" creationId="{777F263E-6F8B-461C-B38B-5D6524A58B72}"/>
+          </ac:spMkLst>
+        </pc:spChg>
+        <pc:spChg chg="del mod">
+          <ac:chgData name="John Tartaglia" userId="7dd1c6642597324d" providerId="Windows Live" clId="Web-{CF49BD4F-61A5-4FFC-94BE-F30F3B561A3C}" dt="2020-09-28T07:22:41.955" v="690"/>
+          <ac:spMkLst>
+            <pc:docMk/>
+            <pc:sldMk cId="1221622362" sldId="262"/>
+            <ac:spMk id="5" creationId="{532F56CE-359B-4712-A234-3640BA0BEFC1}"/>
+          </ac:spMkLst>
+        </pc:spChg>
+        <pc:spChg chg="mod ord">
+          <ac:chgData name="John Tartaglia" userId="7dd1c6642597324d" providerId="Windows Live" clId="Web-{CF49BD4F-61A5-4FFC-94BE-F30F3B561A3C}" dt="2020-09-28T07:31:22.092" v="746" actId="1076"/>
+          <ac:spMkLst>
+            <pc:docMk/>
+            <pc:sldMk cId="1221622362" sldId="262"/>
+            <ac:spMk id="6" creationId="{247A5AA1-BB24-41F2-8443-14755CDA521B}"/>
+          </ac:spMkLst>
+        </pc:spChg>
+        <pc:picChg chg="mod">
+          <ac:chgData name="John Tartaglia" userId="7dd1c6642597324d" providerId="Windows Live" clId="Web-{CF49BD4F-61A5-4FFC-94BE-F30F3B561A3C}" dt="2020-09-28T07:31:25.092" v="747" actId="1076"/>
+          <ac:picMkLst>
+            <pc:docMk/>
+            <pc:sldMk cId="1221622362" sldId="262"/>
+            <ac:picMk id="10" creationId="{1CE8D69A-E97F-4865-BD5C-F5D252232A42}"/>
+          </ac:picMkLst>
+        </pc:picChg>
+      </pc:sldChg>
+      <pc:sldChg chg="delSp modSp mod modClrScheme chgLayout">
+        <pc:chgData name="John Tartaglia" userId="7dd1c6642597324d" providerId="Windows Live" clId="Web-{CF49BD4F-61A5-4FFC-94BE-F30F3B561A3C}" dt="2020-09-28T07:33:04.188" v="749" actId="20577"/>
+        <pc:sldMkLst>
+          <pc:docMk/>
+          <pc:sldMk cId="1191925711" sldId="263"/>
+        </pc:sldMkLst>
+        <pc:spChg chg="mod ord">
+          <ac:chgData name="John Tartaglia" userId="7dd1c6642597324d" providerId="Windows Live" clId="Web-{CF49BD4F-61A5-4FFC-94BE-F30F3B561A3C}" dt="2020-09-28T07:29:11.964" v="737"/>
+          <ac:spMkLst>
+            <pc:docMk/>
+            <pc:sldMk cId="1191925711" sldId="263"/>
+            <ac:spMk id="2" creationId="{47972B20-C97D-4602-B0E6-795EEE263252}"/>
+          </ac:spMkLst>
+        </pc:spChg>
+        <pc:spChg chg="mod ord">
+          <ac:chgData name="John Tartaglia" userId="7dd1c6642597324d" providerId="Windows Live" clId="Web-{CF49BD4F-61A5-4FFC-94BE-F30F3B561A3C}" dt="2020-09-28T07:31:29.795" v="748" actId="20577"/>
+          <ac:spMkLst>
+            <pc:docMk/>
+            <pc:sldMk cId="1191925711" sldId="263"/>
+            <ac:spMk id="3" creationId="{5B3D9F29-29D3-4618-92BB-75CBBD496DE2}"/>
+          </ac:spMkLst>
+        </pc:spChg>
+        <pc:spChg chg="mod ord">
+          <ac:chgData name="John Tartaglia" userId="7dd1c6642597324d" providerId="Windows Live" clId="Web-{CF49BD4F-61A5-4FFC-94BE-F30F3B561A3C}" dt="2020-09-28T07:33:04.188" v="749" actId="20577"/>
+          <ac:spMkLst>
+            <pc:docMk/>
+            <pc:sldMk cId="1191925711" sldId="263"/>
+            <ac:spMk id="4" creationId="{215D41F0-CE32-4A79-8F2E-C09450113417}"/>
+          </ac:spMkLst>
+        </pc:spChg>
+        <pc:spChg chg="mod ord">
+          <ac:chgData name="John Tartaglia" userId="7dd1c6642597324d" providerId="Windows Live" clId="Web-{CF49BD4F-61A5-4FFC-94BE-F30F3B561A3C}" dt="2020-09-28T07:29:11.964" v="737"/>
+          <ac:spMkLst>
+            <pc:docMk/>
+            <pc:sldMk cId="1191925711" sldId="263"/>
+            <ac:spMk id="5" creationId="{5C170BCE-2656-431D-A097-7F5403695B32}"/>
+          </ac:spMkLst>
+        </pc:spChg>
+        <pc:spChg chg="del">
+          <ac:chgData name="John Tartaglia" userId="7dd1c6642597324d" providerId="Windows Live" clId="Web-{CF49BD4F-61A5-4FFC-94BE-F30F3B561A3C}" dt="2020-09-28T06:55:04.732" v="480"/>
+          <ac:spMkLst>
+            <pc:docMk/>
+            <pc:sldMk cId="1191925711" sldId="263"/>
+            <ac:spMk id="6" creationId="{BEB7D9D2-5367-4A13-8106-730EDF44ECFD}"/>
+          </ac:spMkLst>
+        </pc:spChg>
+      </pc:sldChg>
+      <pc:sldChg chg="modSp mod modClrScheme chgLayout">
+        <pc:chgData name="John Tartaglia" userId="7dd1c6642597324d" providerId="Windows Live" clId="Web-{CF49BD4F-61A5-4FFC-94BE-F30F3B561A3C}" dt="2020-09-28T07:29:11.964" v="737"/>
+        <pc:sldMkLst>
+          <pc:docMk/>
+          <pc:sldMk cId="3145204428" sldId="264"/>
+        </pc:sldMkLst>
+        <pc:spChg chg="mod ord">
+          <ac:chgData name="John Tartaglia" userId="7dd1c6642597324d" providerId="Windows Live" clId="Web-{CF49BD4F-61A5-4FFC-94BE-F30F3B561A3C}" dt="2020-09-28T07:29:11.964" v="737"/>
+          <ac:spMkLst>
+            <pc:docMk/>
+            <pc:sldMk cId="3145204428" sldId="264"/>
+            <ac:spMk id="2" creationId="{FD3558A5-460A-4B3C-AD4F-D9F67DDA542E}"/>
+          </ac:spMkLst>
+        </pc:spChg>
+        <pc:spChg chg="mod ord">
+          <ac:chgData name="John Tartaglia" userId="7dd1c6642597324d" providerId="Windows Live" clId="Web-{CF49BD4F-61A5-4FFC-94BE-F30F3B561A3C}" dt="2020-09-28T07:29:11.964" v="737"/>
+          <ac:spMkLst>
+            <pc:docMk/>
+            <pc:sldMk cId="3145204428" sldId="264"/>
+            <ac:spMk id="3" creationId="{BD46D1C8-1CFA-4EFA-8E84-DF485E10E31F}"/>
+          </ac:spMkLst>
+        </pc:spChg>
+        <pc:spChg chg="mod ord">
+          <ac:chgData name="John Tartaglia" userId="7dd1c6642597324d" providerId="Windows Live" clId="Web-{CF49BD4F-61A5-4FFC-94BE-F30F3B561A3C}" dt="2020-09-28T07:29:11.964" v="737"/>
+          <ac:spMkLst>
+            <pc:docMk/>
+            <pc:sldMk cId="3145204428" sldId="264"/>
+            <ac:spMk id="4" creationId="{8C2A5240-178B-48B1-B970-E27F63188D1D}"/>
+          </ac:spMkLst>
+        </pc:spChg>
+        <pc:spChg chg="mod ord">
+          <ac:chgData name="John Tartaglia" userId="7dd1c6642597324d" providerId="Windows Live" clId="Web-{CF49BD4F-61A5-4FFC-94BE-F30F3B561A3C}" dt="2020-09-28T07:29:11.964" v="737"/>
+          <ac:spMkLst>
+            <pc:docMk/>
+            <pc:sldMk cId="3145204428" sldId="264"/>
+            <ac:spMk id="5" creationId="{75CF6801-205E-4070-B019-000C731EC81A}"/>
+          </ac:spMkLst>
+        </pc:spChg>
+        <pc:spChg chg="mod ord">
+          <ac:chgData name="John Tartaglia" userId="7dd1c6642597324d" providerId="Windows Live" clId="Web-{CF49BD4F-61A5-4FFC-94BE-F30F3B561A3C}" dt="2020-09-28T07:29:11.964" v="737"/>
+          <ac:spMkLst>
+            <pc:docMk/>
+            <pc:sldMk cId="3145204428" sldId="264"/>
+            <ac:spMk id="6" creationId="{1AB3CA1D-0664-4CC0-8806-4BB46197C6BD}"/>
+          </ac:spMkLst>
+        </pc:spChg>
+      </pc:sldChg>
+      <pc:sldChg chg="addSp delSp modSp mod modClrScheme chgLayout">
+        <pc:chgData name="John Tartaglia" userId="7dd1c6642597324d" providerId="Windows Live" clId="Web-{CF49BD4F-61A5-4FFC-94BE-F30F3B561A3C}" dt="2020-09-28T07:29:11.964" v="737"/>
+        <pc:sldMkLst>
+          <pc:docMk/>
+          <pc:sldMk cId="3440423750" sldId="265"/>
+        </pc:sldMkLst>
+        <pc:spChg chg="mod ord">
+          <ac:chgData name="John Tartaglia" userId="7dd1c6642597324d" providerId="Windows Live" clId="Web-{CF49BD4F-61A5-4FFC-94BE-F30F3B561A3C}" dt="2020-09-28T07:29:11.964" v="737"/>
+          <ac:spMkLst>
+            <pc:docMk/>
+            <pc:sldMk cId="3440423750" sldId="265"/>
+            <ac:spMk id="2" creationId="{510F4CCB-2BC5-49B7-9E69-12CB1A453C0D}"/>
+          </ac:spMkLst>
+        </pc:spChg>
+        <pc:spChg chg="mod ord">
+          <ac:chgData name="John Tartaglia" userId="7dd1c6642597324d" providerId="Windows Live" clId="Web-{CF49BD4F-61A5-4FFC-94BE-F30F3B561A3C}" dt="2020-09-28T07:29:11.964" v="737"/>
+          <ac:spMkLst>
+            <pc:docMk/>
+            <pc:sldMk cId="3440423750" sldId="265"/>
+            <ac:spMk id="3" creationId="{94135906-FE03-4457-BFCE-0FEFC51673C8}"/>
+          </ac:spMkLst>
+        </pc:spChg>
+        <pc:spChg chg="mod ord">
+          <ac:chgData name="John Tartaglia" userId="7dd1c6642597324d" providerId="Windows Live" clId="Web-{CF49BD4F-61A5-4FFC-94BE-F30F3B561A3C}" dt="2020-09-28T07:29:11.964" v="737"/>
+          <ac:spMkLst>
+            <pc:docMk/>
+            <pc:sldMk cId="3440423750" sldId="265"/>
+            <ac:spMk id="4" creationId="{73CC0759-164E-4494-B00F-F325C964C025}"/>
+          </ac:spMkLst>
+        </pc:spChg>
+        <pc:spChg chg="mod ord">
+          <ac:chgData name="John Tartaglia" userId="7dd1c6642597324d" providerId="Windows Live" clId="Web-{CF49BD4F-61A5-4FFC-94BE-F30F3B561A3C}" dt="2020-09-28T07:29:11.964" v="737"/>
+          <ac:spMkLst>
+            <pc:docMk/>
+            <pc:sldMk cId="3440423750" sldId="265"/>
+            <ac:spMk id="5" creationId="{18AEF5FA-285C-4050-958F-25BC8446D1FA}"/>
+          </ac:spMkLst>
+        </pc:spChg>
+        <pc:spChg chg="mod ord">
+          <ac:chgData name="John Tartaglia" userId="7dd1c6642597324d" providerId="Windows Live" clId="Web-{CF49BD4F-61A5-4FFC-94BE-F30F3B561A3C}" dt="2020-09-28T07:29:11.964" v="737"/>
+          <ac:spMkLst>
+            <pc:docMk/>
+            <pc:sldMk cId="3440423750" sldId="265"/>
+            <ac:spMk id="6" creationId="{3547E6B6-9F90-421F-86A2-43A6DBE4D0BE}"/>
+          </ac:spMkLst>
+        </pc:spChg>
+        <pc:spChg chg="add del">
+          <ac:chgData name="John Tartaglia" userId="7dd1c6642597324d" providerId="Windows Live" clId="Web-{CF49BD4F-61A5-4FFC-94BE-F30F3B561A3C}" dt="2020-09-28T06:29:53.424" v="19"/>
+          <ac:spMkLst>
+            <pc:docMk/>
+            <pc:sldMk cId="3440423750" sldId="265"/>
+            <ac:spMk id="7" creationId="{2D5EF532-EE0C-4A4A-BE72-ABB12B6F7BBC}"/>
+          </ac:spMkLst>
+        </pc:spChg>
+        <pc:spChg chg="add del">
+          <ac:chgData name="John Tartaglia" userId="7dd1c6642597324d" providerId="Windows Live" clId="Web-{CF49BD4F-61A5-4FFC-94BE-F30F3B561A3C}" dt="2020-09-28T06:29:50.564" v="18"/>
+          <ac:spMkLst>
+            <pc:docMk/>
+            <pc:sldMk cId="3440423750" sldId="265"/>
+            <ac:spMk id="8" creationId="{08B3B763-5C47-41A3-A6E6-35C4B8A4AFBC}"/>
+          </ac:spMkLst>
+        </pc:spChg>
+      </pc:sldChg>
+      <pc:sldChg chg="modSp mod modClrScheme chgLayout">
+        <pc:chgData name="John Tartaglia" userId="7dd1c6642597324d" providerId="Windows Live" clId="Web-{CF49BD4F-61A5-4FFC-94BE-F30F3B561A3C}" dt="2020-09-28T07:29:11.964" v="737"/>
+        <pc:sldMkLst>
+          <pc:docMk/>
+          <pc:sldMk cId="133738774" sldId="266"/>
+        </pc:sldMkLst>
+        <pc:spChg chg="mod ord">
+          <ac:chgData name="John Tartaglia" userId="7dd1c6642597324d" providerId="Windows Live" clId="Web-{CF49BD4F-61A5-4FFC-94BE-F30F3B561A3C}" dt="2020-09-28T07:29:11.964" v="737"/>
+          <ac:spMkLst>
+            <pc:docMk/>
+            <pc:sldMk cId="133738774" sldId="266"/>
+            <ac:spMk id="2" creationId="{7488677B-7E28-4E3D-8016-75D0C2E5021F}"/>
+          </ac:spMkLst>
+        </pc:spChg>
+        <pc:spChg chg="mod ord">
+          <ac:chgData name="John Tartaglia" userId="7dd1c6642597324d" providerId="Windows Live" clId="Web-{CF49BD4F-61A5-4FFC-94BE-F30F3B561A3C}" dt="2020-09-28T07:29:11.964" v="737"/>
+          <ac:spMkLst>
+            <pc:docMk/>
+            <pc:sldMk cId="133738774" sldId="266"/>
+            <ac:spMk id="3" creationId="{98AE6BBF-9056-4D97-B49F-68763442D7B1}"/>
+          </ac:spMkLst>
+        </pc:spChg>
+        <pc:spChg chg="mod ord">
+          <ac:chgData name="John Tartaglia" userId="7dd1c6642597324d" providerId="Windows Live" clId="Web-{CF49BD4F-61A5-4FFC-94BE-F30F3B561A3C}" dt="2020-09-28T07:29:11.964" v="737"/>
+          <ac:spMkLst>
+            <pc:docMk/>
+            <pc:sldMk cId="133738774" sldId="266"/>
+            <ac:spMk id="4" creationId="{9C1A510D-4D65-4B19-AF5C-4506D21BA641}"/>
+          </ac:spMkLst>
+        </pc:spChg>
+        <pc:spChg chg="mod ord">
+          <ac:chgData name="John Tartaglia" userId="7dd1c6642597324d" providerId="Windows Live" clId="Web-{CF49BD4F-61A5-4FFC-94BE-F30F3B561A3C}" dt="2020-09-28T07:29:11.964" v="737"/>
+          <ac:spMkLst>
+            <pc:docMk/>
+            <pc:sldMk cId="133738774" sldId="266"/>
+            <ac:spMk id="5" creationId="{F874C169-E09C-4B35-8CCA-EC2137340EF5}"/>
+          </ac:spMkLst>
+        </pc:spChg>
+        <pc:spChg chg="mod ord">
+          <ac:chgData name="John Tartaglia" userId="7dd1c6642597324d" providerId="Windows Live" clId="Web-{CF49BD4F-61A5-4FFC-94BE-F30F3B561A3C}" dt="2020-09-28T07:29:11.964" v="737"/>
+          <ac:spMkLst>
+            <pc:docMk/>
+            <pc:sldMk cId="133738774" sldId="266"/>
+            <ac:spMk id="6" creationId="{18EDB671-55D9-4901-9F53-D24305700040}"/>
+          </ac:spMkLst>
+        </pc:spChg>
+      </pc:sldChg>
+      <pc:sldMasterChg chg="add del addSldLayout delSldLayout modSldLayout">
+        <pc:chgData name="John Tartaglia" userId="7dd1c6642597324d" providerId="Windows Live" clId="Web-{CF49BD4F-61A5-4FFC-94BE-F30F3B561A3C}" dt="2020-09-28T07:28:38.291" v="735"/>
+        <pc:sldMasterMkLst>
+          <pc:docMk/>
+          <pc:sldMasterMk cId="344856970" sldId="2147483806"/>
+        </pc:sldMasterMkLst>
+        <pc:sldLayoutChg chg="add del mod replId">
+          <pc:chgData name="John Tartaglia" userId="7dd1c6642597324d" providerId="Windows Live" clId="Web-{CF49BD4F-61A5-4FFC-94BE-F30F3B561A3C}" dt="2020-09-28T07:28:38.291" v="735"/>
+          <pc:sldLayoutMkLst>
+            <pc:docMk/>
+            <pc:sldMasterMk cId="344856970" sldId="2147483806"/>
+            <pc:sldLayoutMk cId="2107875654" sldId="2147483807"/>
+          </pc:sldLayoutMkLst>
+        </pc:sldLayoutChg>
+        <pc:sldLayoutChg chg="add del mod replId">
+          <pc:chgData name="John Tartaglia" userId="7dd1c6642597324d" providerId="Windows Live" clId="Web-{CF49BD4F-61A5-4FFC-94BE-F30F3B561A3C}" dt="2020-09-28T07:28:38.291" v="735"/>
+          <pc:sldLayoutMkLst>
+            <pc:docMk/>
+            <pc:sldMasterMk cId="344856970" sldId="2147483806"/>
+            <pc:sldLayoutMk cId="3484805581" sldId="2147483808"/>
+          </pc:sldLayoutMkLst>
+        </pc:sldLayoutChg>
+        <pc:sldLayoutChg chg="add del mod replId">
+          <pc:chgData name="John Tartaglia" userId="7dd1c6642597324d" providerId="Windows Live" clId="Web-{CF49BD4F-61A5-4FFC-94BE-F30F3B561A3C}" dt="2020-09-28T07:28:38.291" v="735"/>
+          <pc:sldLayoutMkLst>
+            <pc:docMk/>
+            <pc:sldMasterMk cId="344856970" sldId="2147483806"/>
+            <pc:sldLayoutMk cId="1435852588" sldId="2147483809"/>
+          </pc:sldLayoutMkLst>
+        </pc:sldLayoutChg>
+        <pc:sldLayoutChg chg="add del mod replId">
+          <pc:chgData name="John Tartaglia" userId="7dd1c6642597324d" providerId="Windows Live" clId="Web-{CF49BD4F-61A5-4FFC-94BE-F30F3B561A3C}" dt="2020-09-28T07:28:38.291" v="735"/>
+          <pc:sldLayoutMkLst>
+            <pc:docMk/>
+            <pc:sldMasterMk cId="344856970" sldId="2147483806"/>
+            <pc:sldLayoutMk cId="3449742143" sldId="2147483810"/>
+          </pc:sldLayoutMkLst>
+        </pc:sldLayoutChg>
+        <pc:sldLayoutChg chg="add del mod replId">
+          <pc:chgData name="John Tartaglia" userId="7dd1c6642597324d" providerId="Windows Live" clId="Web-{CF49BD4F-61A5-4FFC-94BE-F30F3B561A3C}" dt="2020-09-28T07:28:38.291" v="735"/>
+          <pc:sldLayoutMkLst>
+            <pc:docMk/>
+            <pc:sldMasterMk cId="344856970" sldId="2147483806"/>
+            <pc:sldLayoutMk cId="1930492839" sldId="2147483811"/>
+          </pc:sldLayoutMkLst>
+        </pc:sldLayoutChg>
+        <pc:sldLayoutChg chg="add del mod replId">
+          <pc:chgData name="John Tartaglia" userId="7dd1c6642597324d" providerId="Windows Live" clId="Web-{CF49BD4F-61A5-4FFC-94BE-F30F3B561A3C}" dt="2020-09-28T07:28:38.291" v="735"/>
+          <pc:sldLayoutMkLst>
+            <pc:docMk/>
+            <pc:sldMasterMk cId="344856970" sldId="2147483806"/>
+            <pc:sldLayoutMk cId="2207511922" sldId="2147483812"/>
+          </pc:sldLayoutMkLst>
+        </pc:sldLayoutChg>
+        <pc:sldLayoutChg chg="add del mod replId">
+          <pc:chgData name="John Tartaglia" userId="7dd1c6642597324d" providerId="Windows Live" clId="Web-{CF49BD4F-61A5-4FFC-94BE-F30F3B561A3C}" dt="2020-09-28T07:28:38.291" v="735"/>
+          <pc:sldLayoutMkLst>
+            <pc:docMk/>
+            <pc:sldMasterMk cId="344856970" sldId="2147483806"/>
+            <pc:sldLayoutMk cId="3951805267" sldId="2147483813"/>
+          </pc:sldLayoutMkLst>
+        </pc:sldLayoutChg>
+        <pc:sldLayoutChg chg="add del mod replId">
+          <pc:chgData name="John Tartaglia" userId="7dd1c6642597324d" providerId="Windows Live" clId="Web-{CF49BD4F-61A5-4FFC-94BE-F30F3B561A3C}" dt="2020-09-28T07:28:38.291" v="735"/>
+          <pc:sldLayoutMkLst>
+            <pc:docMk/>
+            <pc:sldMasterMk cId="344856970" sldId="2147483806"/>
+            <pc:sldLayoutMk cId="141952650" sldId="2147483814"/>
+          </pc:sldLayoutMkLst>
+        </pc:sldLayoutChg>
+        <pc:sldLayoutChg chg="add del mod replId">
+          <pc:chgData name="John Tartaglia" userId="7dd1c6642597324d" providerId="Windows Live" clId="Web-{CF49BD4F-61A5-4FFC-94BE-F30F3B561A3C}" dt="2020-09-28T07:28:38.291" v="735"/>
+          <pc:sldLayoutMkLst>
+            <pc:docMk/>
+            <pc:sldMasterMk cId="344856970" sldId="2147483806"/>
+            <pc:sldLayoutMk cId="4062345695" sldId="2147483815"/>
+          </pc:sldLayoutMkLst>
+        </pc:sldLayoutChg>
+        <pc:sldLayoutChg chg="add del mod replId">
+          <pc:chgData name="John Tartaglia" userId="7dd1c6642597324d" providerId="Windows Live" clId="Web-{CF49BD4F-61A5-4FFC-94BE-F30F3B561A3C}" dt="2020-09-28T07:28:38.291" v="735"/>
+          <pc:sldLayoutMkLst>
+            <pc:docMk/>
+            <pc:sldMasterMk cId="344856970" sldId="2147483806"/>
+            <pc:sldLayoutMk cId="3983507393" sldId="2147483816"/>
+          </pc:sldLayoutMkLst>
+        </pc:sldLayoutChg>
+        <pc:sldLayoutChg chg="add del mod replId">
+          <pc:chgData name="John Tartaglia" userId="7dd1c6642597324d" providerId="Windows Live" clId="Web-{CF49BD4F-61A5-4FFC-94BE-F30F3B561A3C}" dt="2020-09-28T07:28:38.291" v="735"/>
+          <pc:sldLayoutMkLst>
+            <pc:docMk/>
+            <pc:sldMasterMk cId="344856970" sldId="2147483806"/>
+            <pc:sldLayoutMk cId="1554679861" sldId="2147483817"/>
+          </pc:sldLayoutMkLst>
+        </pc:sldLayoutChg>
+        <pc:sldLayoutChg chg="add del mod replId">
+          <pc:chgData name="John Tartaglia" userId="7dd1c6642597324d" providerId="Windows Live" clId="Web-{CF49BD4F-61A5-4FFC-94BE-F30F3B561A3C}" dt="2020-09-28T07:28:38.291" v="735"/>
+          <pc:sldLayoutMkLst>
+            <pc:docMk/>
+            <pc:sldMasterMk cId="344856970" sldId="2147483806"/>
+            <pc:sldLayoutMk cId="1308443008" sldId="2147483818"/>
+          </pc:sldLayoutMkLst>
+        </pc:sldLayoutChg>
+        <pc:sldLayoutChg chg="add del mod replId">
+          <pc:chgData name="John Tartaglia" userId="7dd1c6642597324d" providerId="Windows Live" clId="Web-{CF49BD4F-61A5-4FFC-94BE-F30F3B561A3C}" dt="2020-09-28T07:28:38.291" v="735"/>
+          <pc:sldLayoutMkLst>
+            <pc:docMk/>
+            <pc:sldMasterMk cId="344856970" sldId="2147483806"/>
+            <pc:sldLayoutMk cId="712198016" sldId="2147483819"/>
+          </pc:sldLayoutMkLst>
+        </pc:sldLayoutChg>
+        <pc:sldLayoutChg chg="add del mod replId">
+          <pc:chgData name="John Tartaglia" userId="7dd1c6642597324d" providerId="Windows Live" clId="Web-{CF49BD4F-61A5-4FFC-94BE-F30F3B561A3C}" dt="2020-09-28T07:28:38.291" v="735"/>
+          <pc:sldLayoutMkLst>
+            <pc:docMk/>
+            <pc:sldMasterMk cId="344856970" sldId="2147483806"/>
+            <pc:sldLayoutMk cId="1896597239" sldId="2147483820"/>
+          </pc:sldLayoutMkLst>
+        </pc:sldLayoutChg>
+        <pc:sldLayoutChg chg="add del mod replId">
+          <pc:chgData name="John Tartaglia" userId="7dd1c6642597324d" providerId="Windows Live" clId="Web-{CF49BD4F-61A5-4FFC-94BE-F30F3B561A3C}" dt="2020-09-28T07:28:38.291" v="735"/>
+          <pc:sldLayoutMkLst>
+            <pc:docMk/>
+            <pc:sldMasterMk cId="344856970" sldId="2147483806"/>
+            <pc:sldLayoutMk cId="1227976546" sldId="2147483821"/>
+          </pc:sldLayoutMkLst>
+        </pc:sldLayoutChg>
+        <pc:sldLayoutChg chg="add del mod replId">
+          <pc:chgData name="John Tartaglia" userId="7dd1c6642597324d" providerId="Windows Live" clId="Web-{CF49BD4F-61A5-4FFC-94BE-F30F3B561A3C}" dt="2020-09-28T07:28:38.291" v="735"/>
+          <pc:sldLayoutMkLst>
+            <pc:docMk/>
+            <pc:sldMasterMk cId="344856970" sldId="2147483806"/>
+            <pc:sldLayoutMk cId="226513755" sldId="2147483822"/>
+          </pc:sldLayoutMkLst>
+        </pc:sldLayoutChg>
+        <pc:sldLayoutChg chg="add del mod replId">
+          <pc:chgData name="John Tartaglia" userId="7dd1c6642597324d" providerId="Windows Live" clId="Web-{CF49BD4F-61A5-4FFC-94BE-F30F3B561A3C}" dt="2020-09-28T07:28:38.291" v="735"/>
+          <pc:sldLayoutMkLst>
+            <pc:docMk/>
+            <pc:sldMasterMk cId="344856970" sldId="2147483806"/>
+            <pc:sldLayoutMk cId="1023595960" sldId="2147483823"/>
+          </pc:sldLayoutMkLst>
+        </pc:sldLayoutChg>
+        <pc:sldLayoutChg chg="add del mod replId">
+          <pc:chgData name="John Tartaglia" userId="7dd1c6642597324d" providerId="Windows Live" clId="Web-{CF49BD4F-61A5-4FFC-94BE-F30F3B561A3C}" dt="2020-09-28T07:28:38.291" v="735"/>
+          <pc:sldLayoutMkLst>
+            <pc:docMk/>
+            <pc:sldMasterMk cId="344856970" sldId="2147483806"/>
+            <pc:sldLayoutMk cId="3187810904" sldId="2147483824"/>
+          </pc:sldLayoutMkLst>
+        </pc:sldLayoutChg>
+        <pc:sldLayoutChg chg="add del mod replId">
+          <pc:chgData name="John Tartaglia" userId="7dd1c6642597324d" providerId="Windows Live" clId="Web-{CF49BD4F-61A5-4FFC-94BE-F30F3B561A3C}" dt="2020-09-28T07:28:38.291" v="735"/>
+          <pc:sldLayoutMkLst>
+            <pc:docMk/>
+            <pc:sldMasterMk cId="344856970" sldId="2147483806"/>
+            <pc:sldLayoutMk cId="2235509856" sldId="2147483825"/>
+          </pc:sldLayoutMkLst>
+        </pc:sldLayoutChg>
+        <pc:sldLayoutChg chg="add del mod replId">
+          <pc:chgData name="John Tartaglia" userId="7dd1c6642597324d" providerId="Windows Live" clId="Web-{CF49BD4F-61A5-4FFC-94BE-F30F3B561A3C}" dt="2020-09-28T07:28:38.291" v="735"/>
+          <pc:sldLayoutMkLst>
+            <pc:docMk/>
+            <pc:sldMasterMk cId="344856970" sldId="2147483806"/>
+            <pc:sldLayoutMk cId="4123118521" sldId="2147483826"/>
+          </pc:sldLayoutMkLst>
+        </pc:sldLayoutChg>
+        <pc:sldLayoutChg chg="add del mod replId">
+          <pc:chgData name="John Tartaglia" userId="7dd1c6642597324d" providerId="Windows Live" clId="Web-{CF49BD4F-61A5-4FFC-94BE-F30F3B561A3C}" dt="2020-09-28T07:28:38.291" v="735"/>
+          <pc:sldLayoutMkLst>
+            <pc:docMk/>
+            <pc:sldMasterMk cId="344856970" sldId="2147483806"/>
+            <pc:sldLayoutMk cId="540112500" sldId="2147483827"/>
+          </pc:sldLayoutMkLst>
+        </pc:sldLayoutChg>
+      </pc:sldMasterChg>
+      <pc:sldMasterChg chg="add del addSldLayout delSldLayout modSldLayout">
+        <pc:chgData name="John Tartaglia" userId="7dd1c6642597324d" providerId="Windows Live" clId="Web-{CF49BD4F-61A5-4FFC-94BE-F30F3B561A3C}" dt="2020-09-28T07:29:11.964" v="737"/>
+        <pc:sldMasterMkLst>
+          <pc:docMk/>
+          <pc:sldMasterMk cId="1138457195" sldId="2147483806"/>
+        </pc:sldMasterMkLst>
+        <pc:sldLayoutChg chg="add del mod replId">
+          <pc:chgData name="John Tartaglia" userId="7dd1c6642597324d" providerId="Windows Live" clId="Web-{CF49BD4F-61A5-4FFC-94BE-F30F3B561A3C}" dt="2020-09-28T07:29:11.964" v="737"/>
+          <pc:sldLayoutMkLst>
+            <pc:docMk/>
+            <pc:sldMasterMk cId="1138457195" sldId="2147483806"/>
+            <pc:sldLayoutMk cId="3890876980" sldId="2147483807"/>
+          </pc:sldLayoutMkLst>
+        </pc:sldLayoutChg>
+        <pc:sldLayoutChg chg="add del mod replId">
+          <pc:chgData name="John Tartaglia" userId="7dd1c6642597324d" providerId="Windows Live" clId="Web-{CF49BD4F-61A5-4FFC-94BE-F30F3B561A3C}" dt="2020-09-28T07:29:11.964" v="737"/>
+          <pc:sldLayoutMkLst>
+            <pc:docMk/>
+            <pc:sldMasterMk cId="1138457195" sldId="2147483806"/>
+            <pc:sldLayoutMk cId="2457780177" sldId="2147483808"/>
+          </pc:sldLayoutMkLst>
+        </pc:sldLayoutChg>
+        <pc:sldLayoutChg chg="add del mod replId">
+          <pc:chgData name="John Tartaglia" userId="7dd1c6642597324d" providerId="Windows Live" clId="Web-{CF49BD4F-61A5-4FFC-94BE-F30F3B561A3C}" dt="2020-09-28T07:29:11.964" v="737"/>
+          <pc:sldLayoutMkLst>
+            <pc:docMk/>
+            <pc:sldMasterMk cId="1138457195" sldId="2147483806"/>
+            <pc:sldLayoutMk cId="1119538492" sldId="2147483809"/>
+          </pc:sldLayoutMkLst>
+        </pc:sldLayoutChg>
+        <pc:sldLayoutChg chg="add del mod replId">
+          <pc:chgData name="John Tartaglia" userId="7dd1c6642597324d" providerId="Windows Live" clId="Web-{CF49BD4F-61A5-4FFC-94BE-F30F3B561A3C}" dt="2020-09-28T07:29:11.964" v="737"/>
+          <pc:sldLayoutMkLst>
+            <pc:docMk/>
+            <pc:sldMasterMk cId="1138457195" sldId="2147483806"/>
+            <pc:sldLayoutMk cId="1642623506" sldId="2147483810"/>
+          </pc:sldLayoutMkLst>
+        </pc:sldLayoutChg>
+        <pc:sldLayoutChg chg="add del mod replId">
+          <pc:chgData name="John Tartaglia" userId="7dd1c6642597324d" providerId="Windows Live" clId="Web-{CF49BD4F-61A5-4FFC-94BE-F30F3B561A3C}" dt="2020-09-28T07:29:11.964" v="737"/>
+          <pc:sldLayoutMkLst>
+            <pc:docMk/>
+            <pc:sldMasterMk cId="1138457195" sldId="2147483806"/>
+            <pc:sldLayoutMk cId="2966388270" sldId="2147483811"/>
+          </pc:sldLayoutMkLst>
+        </pc:sldLayoutChg>
+        <pc:sldLayoutChg chg="add del mod replId">
+          <pc:chgData name="John Tartaglia" userId="7dd1c6642597324d" providerId="Windows Live" clId="Web-{CF49BD4F-61A5-4FFC-94BE-F30F3B561A3C}" dt="2020-09-28T07:29:11.964" v="737"/>
+          <pc:sldLayoutMkLst>
+            <pc:docMk/>
+            <pc:sldMasterMk cId="1138457195" sldId="2147483806"/>
+            <pc:sldLayoutMk cId="1275131815" sldId="2147483812"/>
+          </pc:sldLayoutMkLst>
+        </pc:sldLayoutChg>
+        <pc:sldLayoutChg chg="add del mod replId">
+          <pc:chgData name="John Tartaglia" userId="7dd1c6642597324d" providerId="Windows Live" clId="Web-{CF49BD4F-61A5-4FFC-94BE-F30F3B561A3C}" dt="2020-09-28T07:29:11.964" v="737"/>
+          <pc:sldLayoutMkLst>
+            <pc:docMk/>
+            <pc:sldMasterMk cId="1138457195" sldId="2147483806"/>
+            <pc:sldLayoutMk cId="4104412161" sldId="2147483813"/>
+          </pc:sldLayoutMkLst>
+        </pc:sldLayoutChg>
+        <pc:sldLayoutChg chg="add del mod replId">
+          <pc:chgData name="John Tartaglia" userId="7dd1c6642597324d" providerId="Windows Live" clId="Web-{CF49BD4F-61A5-4FFC-94BE-F30F3B561A3C}" dt="2020-09-28T07:29:11.964" v="737"/>
+          <pc:sldLayoutMkLst>
+            <pc:docMk/>
+            <pc:sldMasterMk cId="1138457195" sldId="2147483806"/>
+            <pc:sldLayoutMk cId="2527182941" sldId="2147483814"/>
+          </pc:sldLayoutMkLst>
+        </pc:sldLayoutChg>
+        <pc:sldLayoutChg chg="add del mod replId">
+          <pc:chgData name="John Tartaglia" userId="7dd1c6642597324d" providerId="Windows Live" clId="Web-{CF49BD4F-61A5-4FFC-94BE-F30F3B561A3C}" dt="2020-09-28T07:29:11.964" v="737"/>
+          <pc:sldLayoutMkLst>
+            <pc:docMk/>
+            <pc:sldMasterMk cId="1138457195" sldId="2147483806"/>
+            <pc:sldLayoutMk cId="3901640070" sldId="2147483815"/>
+          </pc:sldLayoutMkLst>
+        </pc:sldLayoutChg>
+        <pc:sldLayoutChg chg="add del mod replId">
+          <pc:chgData name="John Tartaglia" userId="7dd1c6642597324d" providerId="Windows Live" clId="Web-{CF49BD4F-61A5-4FFC-94BE-F30F3B561A3C}" dt="2020-09-28T07:29:11.964" v="737"/>
+          <pc:sldLayoutMkLst>
+            <pc:docMk/>
+            <pc:sldMasterMk cId="1138457195" sldId="2147483806"/>
+            <pc:sldLayoutMk cId="1630298439" sldId="2147483816"/>
+          </pc:sldLayoutMkLst>
+        </pc:sldLayoutChg>
+        <pc:sldLayoutChg chg="add del mod replId">
+          <pc:chgData name="John Tartaglia" userId="7dd1c6642597324d" providerId="Windows Live" clId="Web-{CF49BD4F-61A5-4FFC-94BE-F30F3B561A3C}" dt="2020-09-28T07:29:11.964" v="737"/>
+          <pc:sldLayoutMkLst>
+            <pc:docMk/>
+            <pc:sldMasterMk cId="1138457195" sldId="2147483806"/>
+            <pc:sldLayoutMk cId="302285110" sldId="2147483817"/>
+          </pc:sldLayoutMkLst>
+        </pc:sldLayoutChg>
+        <pc:sldLayoutChg chg="add del mod replId">
+          <pc:chgData name="John Tartaglia" userId="7dd1c6642597324d" providerId="Windows Live" clId="Web-{CF49BD4F-61A5-4FFC-94BE-F30F3B561A3C}" dt="2020-09-28T07:29:11.964" v="737"/>
+          <pc:sldLayoutMkLst>
+            <pc:docMk/>
+            <pc:sldMasterMk cId="1138457195" sldId="2147483806"/>
+            <pc:sldLayoutMk cId="3461838379" sldId="2147483818"/>
+          </pc:sldLayoutMkLst>
+        </pc:sldLayoutChg>
+        <pc:sldLayoutChg chg="add del mod replId">
+          <pc:chgData name="John Tartaglia" userId="7dd1c6642597324d" providerId="Windows Live" clId="Web-{CF49BD4F-61A5-4FFC-94BE-F30F3B561A3C}" dt="2020-09-28T07:29:11.964" v="737"/>
+          <pc:sldLayoutMkLst>
+            <pc:docMk/>
+            <pc:sldMasterMk cId="1138457195" sldId="2147483806"/>
+            <pc:sldLayoutMk cId="1438214330" sldId="2147483819"/>
+          </pc:sldLayoutMkLst>
+        </pc:sldLayoutChg>
+        <pc:sldLayoutChg chg="add del mod replId">
+          <pc:chgData name="John Tartaglia" userId="7dd1c6642597324d" providerId="Windows Live" clId="Web-{CF49BD4F-61A5-4FFC-94BE-F30F3B561A3C}" dt="2020-09-28T07:29:11.964" v="737"/>
+          <pc:sldLayoutMkLst>
+            <pc:docMk/>
+            <pc:sldMasterMk cId="1138457195" sldId="2147483806"/>
+            <pc:sldLayoutMk cId="1271835320" sldId="2147483820"/>
+          </pc:sldLayoutMkLst>
+        </pc:sldLayoutChg>
+        <pc:sldLayoutChg chg="add del mod replId">
+          <pc:chgData name="John Tartaglia" userId="7dd1c6642597324d" providerId="Windows Live" clId="Web-{CF49BD4F-61A5-4FFC-94BE-F30F3B561A3C}" dt="2020-09-28T07:29:11.964" v="737"/>
+          <pc:sldLayoutMkLst>
+            <pc:docMk/>
+            <pc:sldMasterMk cId="1138457195" sldId="2147483806"/>
+            <pc:sldLayoutMk cId="3815545906" sldId="2147483821"/>
+          </pc:sldLayoutMkLst>
+        </pc:sldLayoutChg>
+      </pc:sldMasterChg>
+      <pc:sldMasterChg chg="add del addSldLayout delSldLayout modSldLayout">
+        <pc:chgData name="John Tartaglia" userId="7dd1c6642597324d" providerId="Windows Live" clId="Web-{CF49BD4F-61A5-4FFC-94BE-F30F3B561A3C}" dt="2020-09-28T07:28:13.337" v="733"/>
+        <pc:sldMasterMkLst>
+          <pc:docMk/>
+          <pc:sldMasterMk cId="3523849118" sldId="2147483806"/>
+        </pc:sldMasterMkLst>
+        <pc:sldLayoutChg chg="add del mod replId">
+          <pc:chgData name="John Tartaglia" userId="7dd1c6642597324d" providerId="Windows Live" clId="Web-{CF49BD4F-61A5-4FFC-94BE-F30F3B561A3C}" dt="2020-09-28T07:28:13.337" v="733"/>
+          <pc:sldLayoutMkLst>
+            <pc:docMk/>
+            <pc:sldMasterMk cId="3523849118" sldId="2147483806"/>
+            <pc:sldLayoutMk cId="1001711664" sldId="2147483807"/>
+          </pc:sldLayoutMkLst>
+        </pc:sldLayoutChg>
+        <pc:sldLayoutChg chg="add del mod replId">
+          <pc:chgData name="John Tartaglia" userId="7dd1c6642597324d" providerId="Windows Live" clId="Web-{CF49BD4F-61A5-4FFC-94BE-F30F3B561A3C}" dt="2020-09-28T07:28:13.337" v="733"/>
+          <pc:sldLayoutMkLst>
+            <pc:docMk/>
+            <pc:sldMasterMk cId="3523849118" sldId="2147483806"/>
+            <pc:sldLayoutMk cId="409212964" sldId="2147483808"/>
+          </pc:sldLayoutMkLst>
+        </pc:sldLayoutChg>
+        <pc:sldLayoutChg chg="add del mod replId">
+          <pc:chgData name="John Tartaglia" userId="7dd1c6642597324d" providerId="Windows Live" clId="Web-{CF49BD4F-61A5-4FFC-94BE-F30F3B561A3C}" dt="2020-09-28T07:28:13.337" v="733"/>
+          <pc:sldLayoutMkLst>
+            <pc:docMk/>
+            <pc:sldMasterMk cId="3523849118" sldId="2147483806"/>
+            <pc:sldLayoutMk cId="3924198087" sldId="2147483809"/>
+          </pc:sldLayoutMkLst>
+        </pc:sldLayoutChg>
+        <pc:sldLayoutChg chg="add del mod replId">
+          <pc:chgData name="John Tartaglia" userId="7dd1c6642597324d" providerId="Windows Live" clId="Web-{CF49BD4F-61A5-4FFC-94BE-F30F3B561A3C}" dt="2020-09-28T07:28:13.337" v="733"/>
+          <pc:sldLayoutMkLst>
+            <pc:docMk/>
+            <pc:sldMasterMk cId="3523849118" sldId="2147483806"/>
+            <pc:sldLayoutMk cId="869701248" sldId="2147483810"/>
+          </pc:sldLayoutMkLst>
+        </pc:sldLayoutChg>
+        <pc:sldLayoutChg chg="add del mod replId">
+          <pc:chgData name="John Tartaglia" userId="7dd1c6642597324d" providerId="Windows Live" clId="Web-{CF49BD4F-61A5-4FFC-94BE-F30F3B561A3C}" dt="2020-09-28T07:28:13.337" v="733"/>
+          <pc:sldLayoutMkLst>
+            <pc:docMk/>
+            <pc:sldMasterMk cId="3523849118" sldId="2147483806"/>
+            <pc:sldLayoutMk cId="421387038" sldId="2147483811"/>
+          </pc:sldLayoutMkLst>
+        </pc:sldLayoutChg>
+        <pc:sldLayoutChg chg="add del mod replId">
+          <pc:chgData name="John Tartaglia" userId="7dd1c6642597324d" providerId="Windows Live" clId="Web-{CF49BD4F-61A5-4FFC-94BE-F30F3B561A3C}" dt="2020-09-28T07:28:13.337" v="733"/>
+          <pc:sldLayoutMkLst>
+            <pc:docMk/>
+            <pc:sldMasterMk cId="3523849118" sldId="2147483806"/>
+            <pc:sldLayoutMk cId="2978145247" sldId="2147483812"/>
+          </pc:sldLayoutMkLst>
+        </pc:sldLayoutChg>
+        <pc:sldLayoutChg chg="add del mod replId">
+          <pc:chgData name="John Tartaglia" userId="7dd1c6642597324d" providerId="Windows Live" clId="Web-{CF49BD4F-61A5-4FFC-94BE-F30F3B561A3C}" dt="2020-09-28T07:28:13.337" v="733"/>
+          <pc:sldLayoutMkLst>
+            <pc:docMk/>
+            <pc:sldMasterMk cId="3523849118" sldId="2147483806"/>
+            <pc:sldLayoutMk cId="1880946392" sldId="2147483813"/>
+          </pc:sldLayoutMkLst>
+        </pc:sldLayoutChg>
+        <pc:sldLayoutChg chg="add del mod replId">
+          <pc:chgData name="John Tartaglia" userId="7dd1c6642597324d" providerId="Windows Live" clId="Web-{CF49BD4F-61A5-4FFC-94BE-F30F3B561A3C}" dt="2020-09-28T07:28:13.337" v="733"/>
+          <pc:sldLayoutMkLst>
+            <pc:docMk/>
+            <pc:sldMasterMk cId="3523849118" sldId="2147483806"/>
+            <pc:sldLayoutMk cId="3076671989" sldId="2147483814"/>
+          </pc:sldLayoutMkLst>
+        </pc:sldLayoutChg>
+        <pc:sldLayoutChg chg="add del mod replId">
+          <pc:chgData name="John Tartaglia" userId="7dd1c6642597324d" providerId="Windows Live" clId="Web-{CF49BD4F-61A5-4FFC-94BE-F30F3B561A3C}" dt="2020-09-28T07:28:13.337" v="733"/>
+          <pc:sldLayoutMkLst>
+            <pc:docMk/>
+            <pc:sldMasterMk cId="3523849118" sldId="2147483806"/>
+            <pc:sldLayoutMk cId="2019691345" sldId="2147483815"/>
+          </pc:sldLayoutMkLst>
+        </pc:sldLayoutChg>
+        <pc:sldLayoutChg chg="add del mod replId">
+          <pc:chgData name="John Tartaglia" userId="7dd1c6642597324d" providerId="Windows Live" clId="Web-{CF49BD4F-61A5-4FFC-94BE-F30F3B561A3C}" dt="2020-09-28T07:28:13.337" v="733"/>
+          <pc:sldLayoutMkLst>
+            <pc:docMk/>
+            <pc:sldMasterMk cId="3523849118" sldId="2147483806"/>
+            <pc:sldLayoutMk cId="585455945" sldId="2147483816"/>
+          </pc:sldLayoutMkLst>
+        </pc:sldLayoutChg>
+        <pc:sldLayoutChg chg="add del mod replId">
+          <pc:chgData name="John Tartaglia" userId="7dd1c6642597324d" providerId="Windows Live" clId="Web-{CF49BD4F-61A5-4FFC-94BE-F30F3B561A3C}" dt="2020-09-28T07:28:13.337" v="733"/>
+          <pc:sldLayoutMkLst>
+            <pc:docMk/>
+            <pc:sldMasterMk cId="3523849118" sldId="2147483806"/>
+            <pc:sldLayoutMk cId="4273914540" sldId="2147483817"/>
+          </pc:sldLayoutMkLst>
+        </pc:sldLayoutChg>
+        <pc:sldLayoutChg chg="add del mod replId">
+          <pc:chgData name="John Tartaglia" userId="7dd1c6642597324d" providerId="Windows Live" clId="Web-{CF49BD4F-61A5-4FFC-94BE-F30F3B561A3C}" dt="2020-09-28T07:28:13.337" v="733"/>
+          <pc:sldLayoutMkLst>
+            <pc:docMk/>
+            <pc:sldMasterMk cId="3523849118" sldId="2147483806"/>
+            <pc:sldLayoutMk cId="1845217603" sldId="2147483818"/>
+          </pc:sldLayoutMkLst>
+        </pc:sldLayoutChg>
+        <pc:sldLayoutChg chg="add del mod replId">
+          <pc:chgData name="John Tartaglia" userId="7dd1c6642597324d" providerId="Windows Live" clId="Web-{CF49BD4F-61A5-4FFC-94BE-F30F3B561A3C}" dt="2020-09-28T07:28:13.337" v="733"/>
+          <pc:sldLayoutMkLst>
+            <pc:docMk/>
+            <pc:sldMasterMk cId="3523849118" sldId="2147483806"/>
+            <pc:sldLayoutMk cId="1274128327" sldId="2147483819"/>
+          </pc:sldLayoutMkLst>
+        </pc:sldLayoutChg>
+        <pc:sldLayoutChg chg="add del mod replId">
+          <pc:chgData name="John Tartaglia" userId="7dd1c6642597324d" providerId="Windows Live" clId="Web-{CF49BD4F-61A5-4FFC-94BE-F30F3B561A3C}" dt="2020-09-28T07:28:13.337" v="733"/>
+          <pc:sldLayoutMkLst>
+            <pc:docMk/>
+            <pc:sldMasterMk cId="3523849118" sldId="2147483806"/>
+            <pc:sldLayoutMk cId="832358661" sldId="2147483820"/>
+          </pc:sldLayoutMkLst>
+        </pc:sldLayoutChg>
+        <pc:sldLayoutChg chg="add del mod replId">
+          <pc:chgData name="John Tartaglia" userId="7dd1c6642597324d" providerId="Windows Live" clId="Web-{CF49BD4F-61A5-4FFC-94BE-F30F3B561A3C}" dt="2020-09-28T07:28:13.337" v="733"/>
+          <pc:sldLayoutMkLst>
+            <pc:docMk/>
+            <pc:sldMasterMk cId="3523849118" sldId="2147483806"/>
+            <pc:sldLayoutMk cId="1197717829" sldId="2147483821"/>
+          </pc:sldLayoutMkLst>
+        </pc:sldLayoutChg>
+        <pc:sldLayoutChg chg="add del mod replId">
+          <pc:chgData name="John Tartaglia" userId="7dd1c6642597324d" providerId="Windows Live" clId="Web-{CF49BD4F-61A5-4FFC-94BE-F30F3B561A3C}" dt="2020-09-28T07:28:13.337" v="733"/>
+          <pc:sldLayoutMkLst>
+            <pc:docMk/>
+            <pc:sldMasterMk cId="3523849118" sldId="2147483806"/>
+            <pc:sldLayoutMk cId="2225119355" sldId="2147483822"/>
+          </pc:sldLayoutMkLst>
+        </pc:sldLayoutChg>
+        <pc:sldLayoutChg chg="add del mod replId">
+          <pc:chgData name="John Tartaglia" userId="7dd1c6642597324d" providerId="Windows Live" clId="Web-{CF49BD4F-61A5-4FFC-94BE-F30F3B561A3C}" dt="2020-09-28T07:28:13.337" v="733"/>
+          <pc:sldLayoutMkLst>
+            <pc:docMk/>
+            <pc:sldMasterMk cId="3523849118" sldId="2147483806"/>
+            <pc:sldLayoutMk cId="1393293723" sldId="2147483823"/>
+          </pc:sldLayoutMkLst>
+        </pc:sldLayoutChg>
+        <pc:sldLayoutChg chg="add del mod replId">
+          <pc:chgData name="John Tartaglia" userId="7dd1c6642597324d" providerId="Windows Live" clId="Web-{CF49BD4F-61A5-4FFC-94BE-F30F3B561A3C}" dt="2020-09-28T07:28:13.337" v="733"/>
+          <pc:sldLayoutMkLst>
+            <pc:docMk/>
+            <pc:sldMasterMk cId="3523849118" sldId="2147483806"/>
+            <pc:sldLayoutMk cId="4014759700" sldId="2147483824"/>
+          </pc:sldLayoutMkLst>
+        </pc:sldLayoutChg>
+        <pc:sldLayoutChg chg="add del mod replId">
+          <pc:chgData name="John Tartaglia" userId="7dd1c6642597324d" providerId="Windows Live" clId="Web-{CF49BD4F-61A5-4FFC-94BE-F30F3B561A3C}" dt="2020-09-28T07:28:13.337" v="733"/>
+          <pc:sldLayoutMkLst>
+            <pc:docMk/>
+            <pc:sldMasterMk cId="3523849118" sldId="2147483806"/>
+            <pc:sldLayoutMk cId="236608210" sldId="2147483825"/>
+          </pc:sldLayoutMkLst>
+        </pc:sldLayoutChg>
+        <pc:sldLayoutChg chg="add del mod replId">
+          <pc:chgData name="John Tartaglia" userId="7dd1c6642597324d" providerId="Windows Live" clId="Web-{CF49BD4F-61A5-4FFC-94BE-F30F3B561A3C}" dt="2020-09-28T07:28:13.337" v="733"/>
+          <pc:sldLayoutMkLst>
+            <pc:docMk/>
+            <pc:sldMasterMk cId="3523849118" sldId="2147483806"/>
+            <pc:sldLayoutMk cId="3338316156" sldId="2147483826"/>
+          </pc:sldLayoutMkLst>
+        </pc:sldLayoutChg>
+        <pc:sldLayoutChg chg="add del mod replId">
+          <pc:chgData name="John Tartaglia" userId="7dd1c6642597324d" providerId="Windows Live" clId="Web-{CF49BD4F-61A5-4FFC-94BE-F30F3B561A3C}" dt="2020-09-28T07:28:13.337" v="733"/>
+          <pc:sldLayoutMkLst>
+            <pc:docMk/>
+            <pc:sldMasterMk cId="3523849118" sldId="2147483806"/>
+            <pc:sldLayoutMk cId="3106792821" sldId="2147483827"/>
+          </pc:sldLayoutMkLst>
+        </pc:sldLayoutChg>
+      </pc:sldMasterChg>
+    </pc:docChg>
+  </pc:docChgLst>
+  <pc:docChgLst>
+    <pc:chgData name="John Tartaglia" userId="7dd1c6642597324d" providerId="Windows Live" clId="Web-{6FEA6AB9-D5DE-422D-BF0B-67294411FBC2}"/>
+    <pc:docChg chg="modSld">
+      <pc:chgData name="John Tartaglia" userId="7dd1c6642597324d" providerId="Windows Live" clId="Web-{6FEA6AB9-D5DE-422D-BF0B-67294411FBC2}" dt="2020-09-28T00:07:04.721" v="151" actId="20577"/>
+      <pc:docMkLst>
+        <pc:docMk/>
+      </pc:docMkLst>
+      <pc:sldChg chg="modSp">
+        <pc:chgData name="John Tartaglia" userId="7dd1c6642597324d" providerId="Windows Live" clId="Web-{6FEA6AB9-D5DE-422D-BF0B-67294411FBC2}" dt="2020-09-28T00:07:04.721" v="151" actId="20577"/>
+        <pc:sldMkLst>
+          <pc:docMk/>
+          <pc:sldMk cId="3440423750" sldId="265"/>
+        </pc:sldMkLst>
+        <pc:spChg chg="mod">
+          <ac:chgData name="John Tartaglia" userId="7dd1c6642597324d" providerId="Windows Live" clId="Web-{6FEA6AB9-D5DE-422D-BF0B-67294411FBC2}" dt="2020-09-28T00:07:04.721" v="151" actId="20577"/>
+          <ac:spMkLst>
+            <pc:docMk/>
+            <pc:sldMk cId="3440423750" sldId="265"/>
+            <ac:spMk id="3" creationId="{94135906-FE03-4457-BFCE-0FEFC51673C8}"/>
+          </ac:spMkLst>
+        </pc:spChg>
+      </pc:sldChg>
+    </pc:docChg>
+  </pc:docChgLst>
+  <pc:docChgLst>
+    <pc:chgData name="John Tartaglia" userId="7dd1c6642597324d" providerId="Windows Live" clId="Web-{CF33CF63-EF0E-4B55-863F-1A54E5C1B03D}"/>
+    <pc:docChg chg="modSld addMainMaster delMainMaster">
+      <pc:chgData name="John Tartaglia" userId="7dd1c6642597324d" providerId="Windows Live" clId="Web-{CF33CF63-EF0E-4B55-863F-1A54E5C1B03D}" dt="2020-09-28T14:47:05.751" v="9" actId="20577"/>
+      <pc:docMkLst>
+        <pc:docMk/>
+      </pc:docMkLst>
+      <pc:sldChg chg="modSp mod modClrScheme chgLayout">
+        <pc:chgData name="John Tartaglia" userId="7dd1c6642597324d" providerId="Windows Live" clId="Web-{CF33CF63-EF0E-4B55-863F-1A54E5C1B03D}" dt="2020-09-28T14:44:48.211" v="1"/>
+        <pc:sldMkLst>
+          <pc:docMk/>
+          <pc:sldMk cId="912756519" sldId="256"/>
+        </pc:sldMkLst>
+        <pc:spChg chg="mod ord">
+          <ac:chgData name="John Tartaglia" userId="7dd1c6642597324d" providerId="Windows Live" clId="Web-{CF33CF63-EF0E-4B55-863F-1A54E5C1B03D}" dt="2020-09-28T14:44:48.211" v="1"/>
+          <ac:spMkLst>
+            <pc:docMk/>
+            <pc:sldMk cId="912756519" sldId="256"/>
+            <ac:spMk id="2" creationId="{00000000-0000-0000-0000-000000000000}"/>
+          </ac:spMkLst>
+        </pc:spChg>
+        <pc:spChg chg="mod ord">
+          <ac:chgData name="John Tartaglia" userId="7dd1c6642597324d" providerId="Windows Live" clId="Web-{CF33CF63-EF0E-4B55-863F-1A54E5C1B03D}" dt="2020-09-28T14:44:48.211" v="1"/>
+          <ac:spMkLst>
+            <pc:docMk/>
+            <pc:sldMk cId="912756519" sldId="256"/>
+            <ac:spMk id="3" creationId="{00000000-0000-0000-0000-000000000000}"/>
+          </ac:spMkLst>
+        </pc:spChg>
+        <pc:spChg chg="mod ord">
+          <ac:chgData name="John Tartaglia" userId="7dd1c6642597324d" providerId="Windows Live" clId="Web-{CF33CF63-EF0E-4B55-863F-1A54E5C1B03D}" dt="2020-09-28T14:44:48.211" v="1"/>
+          <ac:spMkLst>
+            <pc:docMk/>
+            <pc:sldMk cId="912756519" sldId="256"/>
+            <ac:spMk id="4" creationId="{00000000-0000-0000-0000-000000000000}"/>
+          </ac:spMkLst>
+        </pc:spChg>
+      </pc:sldChg>
+      <pc:sldChg chg="modSp mod modClrScheme chgLayout">
+        <pc:chgData name="John Tartaglia" userId="7dd1c6642597324d" providerId="Windows Live" clId="Web-{CF33CF63-EF0E-4B55-863F-1A54E5C1B03D}" dt="2020-09-28T14:44:48.211" v="1"/>
+        <pc:sldMkLst>
+          <pc:docMk/>
+          <pc:sldMk cId="1815519956" sldId="257"/>
+        </pc:sldMkLst>
+        <pc:spChg chg="mod ord">
+          <ac:chgData name="John Tartaglia" userId="7dd1c6642597324d" providerId="Windows Live" clId="Web-{CF33CF63-EF0E-4B55-863F-1A54E5C1B03D}" dt="2020-09-28T14:44:48.211" v="1"/>
+          <ac:spMkLst>
+            <pc:docMk/>
+            <pc:sldMk cId="1815519956" sldId="257"/>
+            <ac:spMk id="2" creationId="{00000000-0000-0000-0000-000000000000}"/>
+          </ac:spMkLst>
+        </pc:spChg>
+        <pc:spChg chg="mod ord">
+          <ac:chgData name="John Tartaglia" userId="7dd1c6642597324d" providerId="Windows Live" clId="Web-{CF33CF63-EF0E-4B55-863F-1A54E5C1B03D}" dt="2020-09-28T14:44:48.211" v="1"/>
+          <ac:spMkLst>
+            <pc:docMk/>
+            <pc:sldMk cId="1815519956" sldId="257"/>
+            <ac:spMk id="3" creationId="{00000000-0000-0000-0000-000000000000}"/>
+          </ac:spMkLst>
+        </pc:spChg>
+        <pc:spChg chg="mod ord">
+          <ac:chgData name="John Tartaglia" userId="7dd1c6642597324d" providerId="Windows Live" clId="Web-{CF33CF63-EF0E-4B55-863F-1A54E5C1B03D}" dt="2020-09-28T14:44:48.211" v="1"/>
+          <ac:spMkLst>
+            <pc:docMk/>
+            <pc:sldMk cId="1815519956" sldId="257"/>
+            <ac:spMk id="4" creationId="{00000000-0000-0000-0000-000000000000}"/>
+          </ac:spMkLst>
+        </pc:spChg>
+      </pc:sldChg>
+      <pc:sldChg chg="modSp mod modClrScheme chgLayout">
+        <pc:chgData name="John Tartaglia" userId="7dd1c6642597324d" providerId="Windows Live" clId="Web-{CF33CF63-EF0E-4B55-863F-1A54E5C1B03D}" dt="2020-09-28T14:44:48.211" v="1"/>
+        <pc:sldMkLst>
+          <pc:docMk/>
+          <pc:sldMk cId="469812545" sldId="259"/>
+        </pc:sldMkLst>
+        <pc:spChg chg="mod ord">
+          <ac:chgData name="John Tartaglia" userId="7dd1c6642597324d" providerId="Windows Live" clId="Web-{CF33CF63-EF0E-4B55-863F-1A54E5C1B03D}" dt="2020-09-28T14:44:48.211" v="1"/>
+          <ac:spMkLst>
+            <pc:docMk/>
+            <pc:sldMk cId="469812545" sldId="259"/>
+            <ac:spMk id="2" creationId="{277B3C29-CFC1-44E8-8A7E-71BDBCC65EA3}"/>
+          </ac:spMkLst>
+        </pc:spChg>
+        <pc:spChg chg="mod ord">
+          <ac:chgData name="John Tartaglia" userId="7dd1c6642597324d" providerId="Windows Live" clId="Web-{CF33CF63-EF0E-4B55-863F-1A54E5C1B03D}" dt="2020-09-28T14:44:48.211" v="1"/>
+          <ac:spMkLst>
+            <pc:docMk/>
+            <pc:sldMk cId="469812545" sldId="259"/>
+            <ac:spMk id="3" creationId="{A49CCEAA-3160-4BE6-B3C0-80BF10430FA3}"/>
+          </ac:spMkLst>
+        </pc:spChg>
+        <pc:spChg chg="mod ord">
+          <ac:chgData name="John Tartaglia" userId="7dd1c6642597324d" providerId="Windows Live" clId="Web-{CF33CF63-EF0E-4B55-863F-1A54E5C1B03D}" dt="2020-09-28T14:44:48.211" v="1"/>
+          <ac:spMkLst>
+            <pc:docMk/>
+            <pc:sldMk cId="469812545" sldId="259"/>
+            <ac:spMk id="4" creationId="{16A62D07-DB66-441F-A91C-BC9407A507E6}"/>
+          </ac:spMkLst>
+        </pc:spChg>
+        <pc:spChg chg="mod ord">
+          <ac:chgData name="John Tartaglia" userId="7dd1c6642597324d" providerId="Windows Live" clId="Web-{CF33CF63-EF0E-4B55-863F-1A54E5C1B03D}" dt="2020-09-28T14:44:48.211" v="1"/>
+          <ac:spMkLst>
+            <pc:docMk/>
+            <pc:sldMk cId="469812545" sldId="259"/>
+            <ac:spMk id="5" creationId="{1225B915-8AB8-4E35-B35C-046E225BBCA2}"/>
+          </ac:spMkLst>
+        </pc:spChg>
+      </pc:sldChg>
+      <pc:sldChg chg="modSp mod modClrScheme chgLayout">
+        <pc:chgData name="John Tartaglia" userId="7dd1c6642597324d" providerId="Windows Live" clId="Web-{CF33CF63-EF0E-4B55-863F-1A54E5C1B03D}" dt="2020-09-28T14:44:48.211" v="1"/>
+        <pc:sldMkLst>
+          <pc:docMk/>
+          <pc:sldMk cId="279851604" sldId="260"/>
+        </pc:sldMkLst>
+        <pc:spChg chg="mod ord">
+          <ac:chgData name="John Tartaglia" userId="7dd1c6642597324d" providerId="Windows Live" clId="Web-{CF33CF63-EF0E-4B55-863F-1A54E5C1B03D}" dt="2020-09-28T14:44:48.211" v="1"/>
+          <ac:spMkLst>
+            <pc:docMk/>
+            <pc:sldMk cId="279851604" sldId="260"/>
+            <ac:spMk id="2" creationId="{6EE729B2-20C0-404F-8B0A-0B99FC390D25}"/>
+          </ac:spMkLst>
+        </pc:spChg>
+        <pc:spChg chg="mod ord">
+          <ac:chgData name="John Tartaglia" userId="7dd1c6642597324d" providerId="Windows Live" clId="Web-{CF33CF63-EF0E-4B55-863F-1A54E5C1B03D}" dt="2020-09-28T14:44:48.211" v="1"/>
+          <ac:spMkLst>
+            <pc:docMk/>
+            <pc:sldMk cId="279851604" sldId="260"/>
+            <ac:spMk id="3" creationId="{8918F7B3-D169-4904-9CA1-9FF46F3F54F9}"/>
+          </ac:spMkLst>
+        </pc:spChg>
+        <pc:spChg chg="mod ord">
+          <ac:chgData name="John Tartaglia" userId="7dd1c6642597324d" providerId="Windows Live" clId="Web-{CF33CF63-EF0E-4B55-863F-1A54E5C1B03D}" dt="2020-09-28T14:44:48.211" v="1"/>
+          <ac:spMkLst>
+            <pc:docMk/>
+            <pc:sldMk cId="279851604" sldId="260"/>
+            <ac:spMk id="4" creationId="{61FC2083-25C6-4F0E-A0CD-D1050F957ACA}"/>
+          </ac:spMkLst>
+        </pc:spChg>
+        <pc:spChg chg="mod ord">
+          <ac:chgData name="John Tartaglia" userId="7dd1c6642597324d" providerId="Windows Live" clId="Web-{CF33CF63-EF0E-4B55-863F-1A54E5C1B03D}" dt="2020-09-28T14:44:48.211" v="1"/>
+          <ac:spMkLst>
+            <pc:docMk/>
+            <pc:sldMk cId="279851604" sldId="260"/>
+            <ac:spMk id="5" creationId="{041CDB50-5EF9-4D87-AE27-2158ABB4C9E1}"/>
+          </ac:spMkLst>
+        </pc:spChg>
+      </pc:sldChg>
+      <pc:sldChg chg="modSp mod modClrScheme chgLayout">
+        <pc:chgData name="John Tartaglia" userId="7dd1c6642597324d" providerId="Windows Live" clId="Web-{CF33CF63-EF0E-4B55-863F-1A54E5C1B03D}" dt="2020-09-28T14:44:48.211" v="1"/>
+        <pc:sldMkLst>
+          <pc:docMk/>
+          <pc:sldMk cId="3152875112" sldId="261"/>
+        </pc:sldMkLst>
+        <pc:spChg chg="mod ord">
+          <ac:chgData name="John Tartaglia" userId="7dd1c6642597324d" providerId="Windows Live" clId="Web-{CF33CF63-EF0E-4B55-863F-1A54E5C1B03D}" dt="2020-09-28T14:44:48.211" v="1"/>
+          <ac:spMkLst>
+            <pc:docMk/>
+            <pc:sldMk cId="3152875112" sldId="261"/>
+            <ac:spMk id="2" creationId="{51D0ADD9-DA1A-41D5-8DAF-6EE22C2687B6}"/>
+          </ac:spMkLst>
+        </pc:spChg>
+        <pc:spChg chg="mod ord">
+          <ac:chgData name="John Tartaglia" userId="7dd1c6642597324d" providerId="Windows Live" clId="Web-{CF33CF63-EF0E-4B55-863F-1A54E5C1B03D}" dt="2020-09-28T14:44:48.211" v="1"/>
+          <ac:spMkLst>
+            <pc:docMk/>
+            <pc:sldMk cId="3152875112" sldId="261"/>
+            <ac:spMk id="3" creationId="{D84084E9-9275-4F55-837B-E55B5E7F372D}"/>
+          </ac:spMkLst>
+        </pc:spChg>
+        <pc:spChg chg="mod ord">
+          <ac:chgData name="John Tartaglia" userId="7dd1c6642597324d" providerId="Windows Live" clId="Web-{CF33CF63-EF0E-4B55-863F-1A54E5C1B03D}" dt="2020-09-28T14:44:48.211" v="1"/>
+          <ac:spMkLst>
+            <pc:docMk/>
+            <pc:sldMk cId="3152875112" sldId="261"/>
+            <ac:spMk id="4" creationId="{57CB2A25-BFC8-4CD0-A0F1-D946C5A2AC94}"/>
+          </ac:spMkLst>
+        </pc:spChg>
+        <pc:spChg chg="mod ord">
+          <ac:chgData name="John Tartaglia" userId="7dd1c6642597324d" providerId="Windows Live" clId="Web-{CF33CF63-EF0E-4B55-863F-1A54E5C1B03D}" dt="2020-09-28T14:44:48.211" v="1"/>
+          <ac:spMkLst>
+            <pc:docMk/>
+            <pc:sldMk cId="3152875112" sldId="261"/>
+            <ac:spMk id="5" creationId="{D1F4FE7C-CF92-4557-B860-3F114C2209FF}"/>
+          </ac:spMkLst>
+        </pc:spChg>
+      </pc:sldChg>
+      <pc:sldChg chg="modSp mod modClrScheme chgLayout">
+        <pc:chgData name="John Tartaglia" userId="7dd1c6642597324d" providerId="Windows Live" clId="Web-{CF33CF63-EF0E-4B55-863F-1A54E5C1B03D}" dt="2020-09-28T14:44:48.211" v="1"/>
+        <pc:sldMkLst>
+          <pc:docMk/>
+          <pc:sldMk cId="1221622362" sldId="262"/>
+        </pc:sldMkLst>
+        <pc:spChg chg="mod ord">
+          <ac:chgData name="John Tartaglia" userId="7dd1c6642597324d" providerId="Windows Live" clId="Web-{CF33CF63-EF0E-4B55-863F-1A54E5C1B03D}" dt="2020-09-28T14:44:48.211" v="1"/>
+          <ac:spMkLst>
+            <pc:docMk/>
+            <pc:sldMk cId="1221622362" sldId="262"/>
+            <ac:spMk id="2" creationId="{EA1004FD-2ADB-45F6-A578-4816CB3C98CF}"/>
+          </ac:spMkLst>
+        </pc:spChg>
+        <pc:spChg chg="mod ord">
+          <ac:chgData name="John Tartaglia" userId="7dd1c6642597324d" providerId="Windows Live" clId="Web-{CF33CF63-EF0E-4B55-863F-1A54E5C1B03D}" dt="2020-09-28T14:44:48.211" v="1"/>
+          <ac:spMkLst>
+            <pc:docMk/>
+            <pc:sldMk cId="1221622362" sldId="262"/>
+            <ac:spMk id="3" creationId="{88557AE5-20EE-4E51-B450-56FCB8E4D2D7}"/>
+          </ac:spMkLst>
+        </pc:spChg>
+        <pc:spChg chg="mod ord">
+          <ac:chgData name="John Tartaglia" userId="7dd1c6642597324d" providerId="Windows Live" clId="Web-{CF33CF63-EF0E-4B55-863F-1A54E5C1B03D}" dt="2020-09-28T14:44:48.211" v="1"/>
+          <ac:spMkLst>
+            <pc:docMk/>
+            <pc:sldMk cId="1221622362" sldId="262"/>
+            <ac:spMk id="4" creationId="{777F263E-6F8B-461C-B38B-5D6524A58B72}"/>
+          </ac:spMkLst>
+        </pc:spChg>
+        <pc:spChg chg="mod ord">
+          <ac:chgData name="John Tartaglia" userId="7dd1c6642597324d" providerId="Windows Live" clId="Web-{CF33CF63-EF0E-4B55-863F-1A54E5C1B03D}" dt="2020-09-28T14:44:48.211" v="1"/>
+          <ac:spMkLst>
+            <pc:docMk/>
+            <pc:sldMk cId="1221622362" sldId="262"/>
+            <ac:spMk id="6" creationId="{247A5AA1-BB24-41F2-8443-14755CDA521B}"/>
+          </ac:spMkLst>
+        </pc:spChg>
+      </pc:sldChg>
+      <pc:sldChg chg="modSp mod modClrScheme chgLayout">
+        <pc:chgData name="John Tartaglia" userId="7dd1c6642597324d" providerId="Windows Live" clId="Web-{CF33CF63-EF0E-4B55-863F-1A54E5C1B03D}" dt="2020-09-28T14:47:05.751" v="9" actId="20577"/>
+        <pc:sldMkLst>
+          <pc:docMk/>
+          <pc:sldMk cId="1191925711" sldId="263"/>
+        </pc:sldMkLst>
+        <pc:spChg chg="mod ord">
+          <ac:chgData name="John Tartaglia" userId="7dd1c6642597324d" providerId="Windows Live" clId="Web-{CF33CF63-EF0E-4B55-863F-1A54E5C1B03D}" dt="2020-09-28T14:44:48.211" v="1"/>
+          <ac:spMkLst>
+            <pc:docMk/>
+            <pc:sldMk cId="1191925711" sldId="263"/>
+            <ac:spMk id="2" creationId="{47972B20-C97D-4602-B0E6-795EEE263252}"/>
+          </ac:spMkLst>
+        </pc:spChg>
+        <pc:spChg chg="mod ord">
+          <ac:chgData name="John Tartaglia" userId="7dd1c6642597324d" providerId="Windows Live" clId="Web-{CF33CF63-EF0E-4B55-863F-1A54E5C1B03D}" dt="2020-09-28T14:47:05.751" v="9" actId="20577"/>
+          <ac:spMkLst>
+            <pc:docMk/>
+            <pc:sldMk cId="1191925711" sldId="263"/>
+            <ac:spMk id="3" creationId="{5B3D9F29-29D3-4618-92BB-75CBBD496DE2}"/>
+          </ac:spMkLst>
+        </pc:spChg>
+        <pc:spChg chg="mod ord">
+          <ac:chgData name="John Tartaglia" userId="7dd1c6642597324d" providerId="Windows Live" clId="Web-{CF33CF63-EF0E-4B55-863F-1A54E5C1B03D}" dt="2020-09-28T14:44:48.211" v="1"/>
+          <ac:spMkLst>
+            <pc:docMk/>
+            <pc:sldMk cId="1191925711" sldId="263"/>
+            <ac:spMk id="4" creationId="{215D41F0-CE32-4A79-8F2E-C09450113417}"/>
+          </ac:spMkLst>
+        </pc:spChg>
+        <pc:spChg chg="mod ord">
+          <ac:chgData name="John Tartaglia" userId="7dd1c6642597324d" providerId="Windows Live" clId="Web-{CF33CF63-EF0E-4B55-863F-1A54E5C1B03D}" dt="2020-09-28T14:44:48.211" v="1"/>
+          <ac:spMkLst>
+            <pc:docMk/>
+            <pc:sldMk cId="1191925711" sldId="263"/>
+            <ac:spMk id="5" creationId="{5C170BCE-2656-431D-A097-7F5403695B32}"/>
+          </ac:spMkLst>
+        </pc:spChg>
+      </pc:sldChg>
+      <pc:sldChg chg="modSp mod modClrScheme chgLayout">
+        <pc:chgData name="John Tartaglia" userId="7dd1c6642597324d" providerId="Windows Live" clId="Web-{CF33CF63-EF0E-4B55-863F-1A54E5C1B03D}" dt="2020-09-28T14:44:48.211" v="1"/>
+        <pc:sldMkLst>
+          <pc:docMk/>
+          <pc:sldMk cId="3145204428" sldId="264"/>
+        </pc:sldMkLst>
+        <pc:spChg chg="mod ord">
+          <ac:chgData name="John Tartaglia" userId="7dd1c6642597324d" providerId="Windows Live" clId="Web-{CF33CF63-EF0E-4B55-863F-1A54E5C1B03D}" dt="2020-09-28T14:44:48.211" v="1"/>
+          <ac:spMkLst>
+            <pc:docMk/>
+            <pc:sldMk cId="3145204428" sldId="264"/>
+            <ac:spMk id="2" creationId="{FD3558A5-460A-4B3C-AD4F-D9F67DDA542E}"/>
+          </ac:spMkLst>
+        </pc:spChg>
+        <pc:spChg chg="mod ord">
+          <ac:chgData name="John Tartaglia" userId="7dd1c6642597324d" providerId="Windows Live" clId="Web-{CF33CF63-EF0E-4B55-863F-1A54E5C1B03D}" dt="2020-09-28T14:44:48.211" v="1"/>
+          <ac:spMkLst>
+            <pc:docMk/>
+            <pc:sldMk cId="3145204428" sldId="264"/>
+            <ac:spMk id="3" creationId="{BD46D1C8-1CFA-4EFA-8E84-DF485E10E31F}"/>
+          </ac:spMkLst>
+        </pc:spChg>
+        <pc:spChg chg="mod ord">
+          <ac:chgData name="John Tartaglia" userId="7dd1c6642597324d" providerId="Windows Live" clId="Web-{CF33CF63-EF0E-4B55-863F-1A54E5C1B03D}" dt="2020-09-28T14:44:48.211" v="1"/>
+          <ac:spMkLst>
+            <pc:docMk/>
+            <pc:sldMk cId="3145204428" sldId="264"/>
+            <ac:spMk id="4" creationId="{8C2A5240-178B-48B1-B970-E27F63188D1D}"/>
+          </ac:spMkLst>
+        </pc:spChg>
+        <pc:spChg chg="mod ord">
+          <ac:chgData name="John Tartaglia" userId="7dd1c6642597324d" providerId="Windows Live" clId="Web-{CF33CF63-EF0E-4B55-863F-1A54E5C1B03D}" dt="2020-09-28T14:44:48.211" v="1"/>
+          <ac:spMkLst>
+            <pc:docMk/>
+            <pc:sldMk cId="3145204428" sldId="264"/>
+            <ac:spMk id="5" creationId="{75CF6801-205E-4070-B019-000C731EC81A}"/>
+          </ac:spMkLst>
+        </pc:spChg>
+        <pc:spChg chg="mod ord">
+          <ac:chgData name="John Tartaglia" userId="7dd1c6642597324d" providerId="Windows Live" clId="Web-{CF33CF63-EF0E-4B55-863F-1A54E5C1B03D}" dt="2020-09-28T14:44:48.211" v="1"/>
+          <ac:spMkLst>
+            <pc:docMk/>
+            <pc:sldMk cId="3145204428" sldId="264"/>
+            <ac:spMk id="6" creationId="{1AB3CA1D-0664-4CC0-8806-4BB46197C6BD}"/>
+          </ac:spMkLst>
+        </pc:spChg>
+      </pc:sldChg>
+      <pc:sldChg chg="modSp mod modClrScheme chgLayout">
+        <pc:chgData name="John Tartaglia" userId="7dd1c6642597324d" providerId="Windows Live" clId="Web-{CF33CF63-EF0E-4B55-863F-1A54E5C1B03D}" dt="2020-09-28T14:44:48.211" v="1"/>
+        <pc:sldMkLst>
+          <pc:docMk/>
+          <pc:sldMk cId="3440423750" sldId="265"/>
+        </pc:sldMkLst>
+        <pc:spChg chg="mod ord">
+          <ac:chgData name="John Tartaglia" userId="7dd1c6642597324d" providerId="Windows Live" clId="Web-{CF33CF63-EF0E-4B55-863F-1A54E5C1B03D}" dt="2020-09-28T14:44:48.211" v="1"/>
+          <ac:spMkLst>
+            <pc:docMk/>
+            <pc:sldMk cId="3440423750" sldId="265"/>
+            <ac:spMk id="2" creationId="{510F4CCB-2BC5-49B7-9E69-12CB1A453C0D}"/>
+          </ac:spMkLst>
+        </pc:spChg>
+        <pc:spChg chg="mod ord">
+          <ac:chgData name="John Tartaglia" userId="7dd1c6642597324d" providerId="Windows Live" clId="Web-{CF33CF63-EF0E-4B55-863F-1A54E5C1B03D}" dt="2020-09-28T14:44:48.211" v="1"/>
+          <ac:spMkLst>
+            <pc:docMk/>
+            <pc:sldMk cId="3440423750" sldId="265"/>
+            <ac:spMk id="3" creationId="{94135906-FE03-4457-BFCE-0FEFC51673C8}"/>
+          </ac:spMkLst>
+        </pc:spChg>
+        <pc:spChg chg="mod ord">
+          <ac:chgData name="John Tartaglia" userId="7dd1c6642597324d" providerId="Windows Live" clId="Web-{CF33CF63-EF0E-4B55-863F-1A54E5C1B03D}" dt="2020-09-28T14:44:48.211" v="1"/>
+          <ac:spMkLst>
+            <pc:docMk/>
+            <pc:sldMk cId="3440423750" sldId="265"/>
+            <ac:spMk id="4" creationId="{73CC0759-164E-4494-B00F-F325C964C025}"/>
+          </ac:spMkLst>
+        </pc:spChg>
+        <pc:spChg chg="mod ord">
+          <ac:chgData name="John Tartaglia" userId="7dd1c6642597324d" providerId="Windows Live" clId="Web-{CF33CF63-EF0E-4B55-863F-1A54E5C1B03D}" dt="2020-09-28T14:44:48.211" v="1"/>
+          <ac:spMkLst>
+            <pc:docMk/>
+            <pc:sldMk cId="3440423750" sldId="265"/>
+            <ac:spMk id="5" creationId="{18AEF5FA-285C-4050-958F-25BC8446D1FA}"/>
+          </ac:spMkLst>
+        </pc:spChg>
+        <pc:spChg chg="mod ord">
+          <ac:chgData name="John Tartaglia" userId="7dd1c6642597324d" providerId="Windows Live" clId="Web-{CF33CF63-EF0E-4B55-863F-1A54E5C1B03D}" dt="2020-09-28T14:44:48.211" v="1"/>
+          <ac:spMkLst>
+            <pc:docMk/>
+            <pc:sldMk cId="3440423750" sldId="265"/>
+            <ac:spMk id="6" creationId="{3547E6B6-9F90-421F-86A2-43A6DBE4D0BE}"/>
+          </ac:spMkLst>
+        </pc:spChg>
+      </pc:sldChg>
+      <pc:sldChg chg="modSp mod modClrScheme chgLayout">
+        <pc:chgData name="John Tartaglia" userId="7dd1c6642597324d" providerId="Windows Live" clId="Web-{CF33CF63-EF0E-4B55-863F-1A54E5C1B03D}" dt="2020-09-28T14:44:48.211" v="1"/>
+        <pc:sldMkLst>
+          <pc:docMk/>
+          <pc:sldMk cId="133738774" sldId="266"/>
+        </pc:sldMkLst>
+        <pc:spChg chg="mod ord">
+          <ac:chgData name="John Tartaglia" userId="7dd1c6642597324d" providerId="Windows Live" clId="Web-{CF33CF63-EF0E-4B55-863F-1A54E5C1B03D}" dt="2020-09-28T14:44:48.211" v="1"/>
+          <ac:spMkLst>
+            <pc:docMk/>
+            <pc:sldMk cId="133738774" sldId="266"/>
+            <ac:spMk id="2" creationId="{7488677B-7E28-4E3D-8016-75D0C2E5021F}"/>
+          </ac:spMkLst>
+        </pc:spChg>
+        <pc:spChg chg="mod ord">
+          <ac:chgData name="John Tartaglia" userId="7dd1c6642597324d" providerId="Windows Live" clId="Web-{CF33CF63-EF0E-4B55-863F-1A54E5C1B03D}" dt="2020-09-28T14:44:48.211" v="1"/>
+          <ac:spMkLst>
+            <pc:docMk/>
+            <pc:sldMk cId="133738774" sldId="266"/>
+            <ac:spMk id="3" creationId="{98AE6BBF-9056-4D97-B49F-68763442D7B1}"/>
+          </ac:spMkLst>
+        </pc:spChg>
+        <pc:spChg chg="mod ord">
+          <ac:chgData name="John Tartaglia" userId="7dd1c6642597324d" providerId="Windows Live" clId="Web-{CF33CF63-EF0E-4B55-863F-1A54E5C1B03D}" dt="2020-09-28T14:44:48.211" v="1"/>
+          <ac:spMkLst>
+            <pc:docMk/>
+            <pc:sldMk cId="133738774" sldId="266"/>
+            <ac:spMk id="4" creationId="{9C1A510D-4D65-4B19-AF5C-4506D21BA641}"/>
+          </ac:spMkLst>
+        </pc:spChg>
+        <pc:spChg chg="mod ord">
+          <ac:chgData name="John Tartaglia" userId="7dd1c6642597324d" providerId="Windows Live" clId="Web-{CF33CF63-EF0E-4B55-863F-1A54E5C1B03D}" dt="2020-09-28T14:44:48.211" v="1"/>
+          <ac:spMkLst>
+            <pc:docMk/>
+            <pc:sldMk cId="133738774" sldId="266"/>
+            <ac:spMk id="5" creationId="{F874C169-E09C-4B35-8CCA-EC2137340EF5}"/>
+          </ac:spMkLst>
+        </pc:spChg>
+        <pc:spChg chg="mod ord">
+          <ac:chgData name="John Tartaglia" userId="7dd1c6642597324d" providerId="Windows Live" clId="Web-{CF33CF63-EF0E-4B55-863F-1A54E5C1B03D}" dt="2020-09-28T14:44:48.211" v="1"/>
+          <ac:spMkLst>
+            <pc:docMk/>
+            <pc:sldMk cId="133738774" sldId="266"/>
+            <ac:spMk id="6" creationId="{18EDB671-55D9-4901-9F53-D24305700040}"/>
+          </ac:spMkLst>
+        </pc:spChg>
+      </pc:sldChg>
+      <pc:sldMasterChg chg="add del addSldLayout delSldLayout modSldLayout">
+        <pc:chgData name="John Tartaglia" userId="7dd1c6642597324d" providerId="Windows Live" clId="Web-{CF33CF63-EF0E-4B55-863F-1A54E5C1B03D}" dt="2020-09-28T14:44:48.211" v="1"/>
+        <pc:sldMasterMkLst>
+          <pc:docMk/>
+          <pc:sldMasterMk cId="1557386662" sldId="2147483806"/>
+        </pc:sldMasterMkLst>
+        <pc:sldLayoutChg chg="add del mod replId">
+          <pc:chgData name="John Tartaglia" userId="7dd1c6642597324d" providerId="Windows Live" clId="Web-{CF33CF63-EF0E-4B55-863F-1A54E5C1B03D}" dt="2020-09-28T14:44:48.211" v="1"/>
+          <pc:sldLayoutMkLst>
+            <pc:docMk/>
+            <pc:sldMasterMk cId="1557386662" sldId="2147483806"/>
+            <pc:sldLayoutMk cId="412703585" sldId="2147483807"/>
+          </pc:sldLayoutMkLst>
+        </pc:sldLayoutChg>
+        <pc:sldLayoutChg chg="add del mod replId">
+          <pc:chgData name="John Tartaglia" userId="7dd1c6642597324d" providerId="Windows Live" clId="Web-{CF33CF63-EF0E-4B55-863F-1A54E5C1B03D}" dt="2020-09-28T14:44:48.211" v="1"/>
+          <pc:sldLayoutMkLst>
+            <pc:docMk/>
+            <pc:sldMasterMk cId="1557386662" sldId="2147483806"/>
+            <pc:sldLayoutMk cId="3397521746" sldId="2147483808"/>
+          </pc:sldLayoutMkLst>
+        </pc:sldLayoutChg>
+        <pc:sldLayoutChg chg="add del mod replId">
+          <pc:chgData name="John Tartaglia" userId="7dd1c6642597324d" providerId="Windows Live" clId="Web-{CF33CF63-EF0E-4B55-863F-1A54E5C1B03D}" dt="2020-09-28T14:44:48.211" v="1"/>
+          <pc:sldLayoutMkLst>
+            <pc:docMk/>
+            <pc:sldMasterMk cId="1557386662" sldId="2147483806"/>
+            <pc:sldLayoutMk cId="394132213" sldId="2147483809"/>
+          </pc:sldLayoutMkLst>
+        </pc:sldLayoutChg>
+        <pc:sldLayoutChg chg="add del mod replId">
+          <pc:chgData name="John Tartaglia" userId="7dd1c6642597324d" providerId="Windows Live" clId="Web-{CF33CF63-EF0E-4B55-863F-1A54E5C1B03D}" dt="2020-09-28T14:44:48.211" v="1"/>
+          <pc:sldLayoutMkLst>
+            <pc:docMk/>
+            <pc:sldMasterMk cId="1557386662" sldId="2147483806"/>
+            <pc:sldLayoutMk cId="2303335979" sldId="2147483810"/>
+          </pc:sldLayoutMkLst>
+        </pc:sldLayoutChg>
+        <pc:sldLayoutChg chg="add del mod replId">
+          <pc:chgData name="John Tartaglia" userId="7dd1c6642597324d" providerId="Windows Live" clId="Web-{CF33CF63-EF0E-4B55-863F-1A54E5C1B03D}" dt="2020-09-28T14:44:48.211" v="1"/>
+          <pc:sldLayoutMkLst>
+            <pc:docMk/>
+            <pc:sldMasterMk cId="1557386662" sldId="2147483806"/>
+            <pc:sldLayoutMk cId="1102972260" sldId="2147483811"/>
+          </pc:sldLayoutMkLst>
+        </pc:sldLayoutChg>
+        <pc:sldLayoutChg chg="add del mod replId">
+          <pc:chgData name="John Tartaglia" userId="7dd1c6642597324d" providerId="Windows Live" clId="Web-{CF33CF63-EF0E-4B55-863F-1A54E5C1B03D}" dt="2020-09-28T14:44:48.211" v="1"/>
+          <pc:sldLayoutMkLst>
+            <pc:docMk/>
+            <pc:sldMasterMk cId="1557386662" sldId="2147483806"/>
+            <pc:sldLayoutMk cId="4252130551" sldId="2147483812"/>
+          </pc:sldLayoutMkLst>
+        </pc:sldLayoutChg>
+        <pc:sldLayoutChg chg="add del mod replId">
+          <pc:chgData name="John Tartaglia" userId="7dd1c6642597324d" providerId="Windows Live" clId="Web-{CF33CF63-EF0E-4B55-863F-1A54E5C1B03D}" dt="2020-09-28T14:44:48.211" v="1"/>
+          <pc:sldLayoutMkLst>
+            <pc:docMk/>
+            <pc:sldMasterMk cId="1557386662" sldId="2147483806"/>
+            <pc:sldLayoutMk cId="4121401500" sldId="2147483813"/>
+          </pc:sldLayoutMkLst>
+        </pc:sldLayoutChg>
+        <pc:sldLayoutChg chg="add del mod replId">
+          <pc:chgData name="John Tartaglia" userId="7dd1c6642597324d" providerId="Windows Live" clId="Web-{CF33CF63-EF0E-4B55-863F-1A54E5C1B03D}" dt="2020-09-28T14:44:48.211" v="1"/>
+          <pc:sldLayoutMkLst>
+            <pc:docMk/>
+            <pc:sldMasterMk cId="1557386662" sldId="2147483806"/>
+            <pc:sldLayoutMk cId="2402132908" sldId="2147483814"/>
+          </pc:sldLayoutMkLst>
+        </pc:sldLayoutChg>
+        <pc:sldLayoutChg chg="add del mod replId">
+          <pc:chgData name="John Tartaglia" userId="7dd1c6642597324d" providerId="Windows Live" clId="Web-{CF33CF63-EF0E-4B55-863F-1A54E5C1B03D}" dt="2020-09-28T14:44:48.211" v="1"/>
+          <pc:sldLayoutMkLst>
+            <pc:docMk/>
+            <pc:sldMasterMk cId="1557386662" sldId="2147483806"/>
+            <pc:sldLayoutMk cId="2101081692" sldId="2147483815"/>
+          </pc:sldLayoutMkLst>
+        </pc:sldLayoutChg>
+        <pc:sldLayoutChg chg="add del mod replId">
+          <pc:chgData name="John Tartaglia" userId="7dd1c6642597324d" providerId="Windows Live" clId="Web-{CF33CF63-EF0E-4B55-863F-1A54E5C1B03D}" dt="2020-09-28T14:44:48.211" v="1"/>
+          <pc:sldLayoutMkLst>
+            <pc:docMk/>
+            <pc:sldMasterMk cId="1557386662" sldId="2147483806"/>
+            <pc:sldLayoutMk cId="720791177" sldId="2147483816"/>
+          </pc:sldLayoutMkLst>
+        </pc:sldLayoutChg>
+        <pc:sldLayoutChg chg="add del mod replId">
+          <pc:chgData name="John Tartaglia" userId="7dd1c6642597324d" providerId="Windows Live" clId="Web-{CF33CF63-EF0E-4B55-863F-1A54E5C1B03D}" dt="2020-09-28T14:44:48.211" v="1"/>
+          <pc:sldLayoutMkLst>
+            <pc:docMk/>
+            <pc:sldMasterMk cId="1557386662" sldId="2147483806"/>
+            <pc:sldLayoutMk cId="4215404596" sldId="2147483817"/>
+          </pc:sldLayoutMkLst>
+        </pc:sldLayoutChg>
+        <pc:sldLayoutChg chg="add del mod replId">
+          <pc:chgData name="John Tartaglia" userId="7dd1c6642597324d" providerId="Windows Live" clId="Web-{CF33CF63-EF0E-4B55-863F-1A54E5C1B03D}" dt="2020-09-28T14:44:48.211" v="1"/>
+          <pc:sldLayoutMkLst>
+            <pc:docMk/>
+            <pc:sldMasterMk cId="1557386662" sldId="2147483806"/>
+            <pc:sldLayoutMk cId="71963786" sldId="2147483818"/>
+          </pc:sldLayoutMkLst>
+        </pc:sldLayoutChg>
+        <pc:sldLayoutChg chg="add del mod replId">
+          <pc:chgData name="John Tartaglia" userId="7dd1c6642597324d" providerId="Windows Live" clId="Web-{CF33CF63-EF0E-4B55-863F-1A54E5C1B03D}" dt="2020-09-28T14:44:48.211" v="1"/>
+          <pc:sldLayoutMkLst>
+            <pc:docMk/>
+            <pc:sldMasterMk cId="1557386662" sldId="2147483806"/>
+            <pc:sldLayoutMk cId="1195280455" sldId="2147483819"/>
+          </pc:sldLayoutMkLst>
+        </pc:sldLayoutChg>
+        <pc:sldLayoutChg chg="add del mod replId">
+          <pc:chgData name="John Tartaglia" userId="7dd1c6642597324d" providerId="Windows Live" clId="Web-{CF33CF63-EF0E-4B55-863F-1A54E5C1B03D}" dt="2020-09-28T14:44:48.211" v="1"/>
+          <pc:sldLayoutMkLst>
+            <pc:docMk/>
+            <pc:sldMasterMk cId="1557386662" sldId="2147483806"/>
+            <pc:sldLayoutMk cId="709057087" sldId="2147483820"/>
+          </pc:sldLayoutMkLst>
+        </pc:sldLayoutChg>
+      </pc:sldMasterChg>
+    </pc:docChg>
+  </pc:docChgLst>
 </pc:chgInfo>
 </file>
 
@@ -658,7 +2139,7 @@
           <a:p>
             <a:fld id="{6CA05748-ED2D-D64E-99DF-8786916463A4}" type="datetime1">
               <a:rPr lang="en-US" smtClean="0"/>
-              <a:t>9/27/2020</a:t>
+              <a:t>9/28/2020</a:t>
             </a:fld>
             <a:endParaRPr lang="en-US"/>
           </a:p>
@@ -824,7 +2305,7 @@
           <a:p>
             <a:fld id="{D8DAFACB-FB72-504C-9D79-2AB5728FD867}" type="datetime1">
               <a:rPr lang="en-US" smtClean="0"/>
-              <a:t>9/27/2020</a:t>
+              <a:t>9/28/2020</a:t>
             </a:fld>
             <a:endParaRPr lang="en-US"/>
           </a:p>
@@ -1217,28 +2698,28 @@
               <a:defRPr/>
             </a:pPr>
             <a:r>
-              <a:rPr lang="en-US" dirty="0"/>
+              <a:rPr lang="en-US"/>
               <a:t>Presenter’s Name</a:t>
             </a:r>
             <a:br>
-              <a:rPr lang="en-US" dirty="0"/>
+              <a:rPr lang="en-US"/>
             </a:br>
             <a:r>
-              <a:rPr lang="en-US" dirty="0"/>
+              <a:rPr lang="en-US"/>
               <a:t>Presenter’s Title</a:t>
             </a:r>
             <a:br>
-              <a:rPr lang="en-US" dirty="0"/>
+              <a:rPr lang="en-US"/>
             </a:br>
             <a:r>
-              <a:rPr lang="en-US" dirty="0"/>
+              <a:rPr lang="en-US"/>
               <a:t>Presenter’s Department</a:t>
             </a:r>
             <a:br>
-              <a:rPr lang="en-US" dirty="0"/>
+              <a:rPr lang="en-US"/>
             </a:br>
             <a:r>
-              <a:rPr lang="en-US" dirty="0"/>
+              <a:rPr lang="en-US"/>
               <a:t>Date</a:t>
             </a:r>
           </a:p>
@@ -1260,7 +2741,7 @@
               <a:tabLst/>
               <a:defRPr/>
             </a:pPr>
-            <a:endParaRPr lang="en-US" dirty="0"/>
+            <a:endParaRPr lang="en-US"/>
           </a:p>
         </p:txBody>
       </p:sp>
@@ -1319,7 +2800,7 @@
           <a:p>
             <a:pPr lvl="0"/>
             <a:r>
-              <a:rPr lang="en-US" dirty="0"/>
+              <a:rPr lang="en-US"/>
               <a:t>Subtitle line that can be up to 2 lines of text if it needs to be</a:t>
             </a:r>
           </a:p>
@@ -1364,7 +2845,7 @@
           <a:p>
             <a:pPr lvl="0"/>
             <a:r>
-              <a:rPr lang="en-US" dirty="0">
+              <a:rPr lang="en-US">
                 <a:solidFill>
                   <a:schemeClr val="tx1"/>
                 </a:solidFill>
@@ -1671,7 +3152,7 @@
               <a:pPr/>
               <a:t>‹#›</a:t>
             </a:fld>
-            <a:endParaRPr lang="en-US" dirty="0"/>
+            <a:endParaRPr lang="en-US"/>
           </a:p>
         </p:txBody>
       </p:sp>
@@ -1771,35 +3252,35 @@
           <a:p>
             <a:pPr lvl="0"/>
             <a:r>
-              <a:rPr lang="en-US" dirty="0"/>
+              <a:rPr lang="en-US"/>
               <a:t>Insert Bullets Here</a:t>
             </a:r>
           </a:p>
           <a:p>
             <a:pPr lvl="1"/>
             <a:r>
-              <a:rPr lang="en-US" dirty="0"/>
+              <a:rPr lang="en-US"/>
               <a:t>Second level</a:t>
             </a:r>
           </a:p>
           <a:p>
             <a:pPr lvl="2"/>
             <a:r>
-              <a:rPr lang="en-US" dirty="0"/>
+              <a:rPr lang="en-US"/>
               <a:t>Third level</a:t>
             </a:r>
           </a:p>
           <a:p>
             <a:pPr lvl="3"/>
             <a:r>
-              <a:rPr lang="en-US" dirty="0"/>
+              <a:rPr lang="en-US"/>
               <a:t>Fourth level</a:t>
             </a:r>
           </a:p>
           <a:p>
             <a:pPr lvl="4"/>
             <a:r>
-              <a:rPr lang="en-US" dirty="0"/>
+              <a:rPr lang="en-US"/>
               <a:t>Fifth level</a:t>
             </a:r>
           </a:p>
@@ -1836,7 +3317,7 @@
           </a:lstStyle>
           <a:p>
             <a:r>
-              <a:rPr lang="en-US" dirty="0"/>
+              <a:rPr lang="en-US"/>
               <a:t>Insert Slide Title</a:t>
             </a:r>
           </a:p>
@@ -1889,7 +3370,7 @@
           </a:lstStyle>
           <a:p>
             <a:r>
-              <a:rPr lang="en-US" dirty="0"/>
+              <a:rPr lang="en-US"/>
               <a:t>Insert Subhead</a:t>
             </a:r>
           </a:p>
@@ -1991,35 +3472,35 @@
           <a:p>
             <a:pPr lvl="0"/>
             <a:r>
-              <a:rPr lang="en-US" dirty="0"/>
+              <a:rPr lang="en-US"/>
               <a:t>Insert Bullets Here</a:t>
             </a:r>
           </a:p>
           <a:p>
             <a:pPr lvl="1"/>
             <a:r>
-              <a:rPr lang="en-US" dirty="0"/>
+              <a:rPr lang="en-US"/>
               <a:t>Second level</a:t>
             </a:r>
           </a:p>
           <a:p>
             <a:pPr lvl="2"/>
             <a:r>
-              <a:rPr lang="en-US" dirty="0"/>
+              <a:rPr lang="en-US"/>
               <a:t>Third level</a:t>
             </a:r>
           </a:p>
           <a:p>
             <a:pPr lvl="3"/>
             <a:r>
-              <a:rPr lang="en-US" dirty="0"/>
+              <a:rPr lang="en-US"/>
               <a:t>Fourth level</a:t>
             </a:r>
           </a:p>
           <a:p>
             <a:pPr lvl="4"/>
             <a:r>
-              <a:rPr lang="en-US" dirty="0"/>
+              <a:rPr lang="en-US"/>
               <a:t>Fifth level</a:t>
             </a:r>
           </a:p>
@@ -2151,7 +3632,7 @@
           <a:p>
             <a:pPr lvl="0"/>
             <a:r>
-              <a:rPr lang="en-US" dirty="0"/>
+              <a:rPr lang="en-US"/>
               <a:t>Insert Text Here</a:t>
             </a:r>
           </a:p>
@@ -2188,7 +3669,7 @@
           </a:lstStyle>
           <a:p>
             <a:r>
-              <a:rPr lang="en-US" dirty="0"/>
+              <a:rPr lang="en-US"/>
               <a:t>Insert Slide Title</a:t>
             </a:r>
           </a:p>
@@ -2214,7 +3695,7 @@
               <a:pPr/>
               <a:t>‹#›</a:t>
             </a:fld>
-            <a:endParaRPr lang="en-US" dirty="0"/>
+            <a:endParaRPr lang="en-US"/>
           </a:p>
         </p:txBody>
       </p:sp>
@@ -2265,7 +3746,7 @@
           </a:lstStyle>
           <a:p>
             <a:r>
-              <a:rPr lang="en-US" dirty="0"/>
+              <a:rPr lang="en-US"/>
               <a:t>Insert Subhead</a:t>
             </a:r>
           </a:p>
@@ -2321,7 +3802,7 @@
               <a:pPr/>
               <a:t>‹#›</a:t>
             </a:fld>
-            <a:endParaRPr lang="en-US" dirty="0"/>
+            <a:endParaRPr lang="en-US"/>
           </a:p>
         </p:txBody>
       </p:sp>
@@ -2421,7 +3902,7 @@
           <a:p>
             <a:pPr lvl="0"/>
             <a:r>
-              <a:rPr lang="en-US" dirty="0"/>
+              <a:rPr lang="en-US"/>
               <a:t>Insert Text Here</a:t>
             </a:r>
           </a:p>
@@ -2458,7 +3939,7 @@
           </a:lstStyle>
           <a:p>
             <a:r>
-              <a:rPr lang="en-US" dirty="0"/>
+              <a:rPr lang="en-US"/>
               <a:t>Insert Slide Title</a:t>
             </a:r>
           </a:p>
@@ -2511,7 +3992,7 @@
           </a:lstStyle>
           <a:p>
             <a:r>
-              <a:rPr lang="en-US" dirty="0"/>
+              <a:rPr lang="en-US"/>
               <a:t>Insert Subhead</a:t>
             </a:r>
           </a:p>
@@ -2613,7 +4094,7 @@
           <a:p>
             <a:pPr lvl="0"/>
             <a:r>
-              <a:rPr lang="en-US" dirty="0"/>
+              <a:rPr lang="en-US"/>
               <a:t>Insert Text Here</a:t>
             </a:r>
           </a:p>
@@ -2669,7 +4150,7 @@
               <a:pPr/>
               <a:t>‹#›</a:t>
             </a:fld>
-            <a:endParaRPr lang="en-US" dirty="0"/>
+            <a:endParaRPr lang="en-US"/>
           </a:p>
         </p:txBody>
       </p:sp>
@@ -2769,7 +4250,7 @@
           <a:p>
             <a:pPr lvl="0"/>
             <a:r>
-              <a:rPr lang="en-US" dirty="0"/>
+              <a:rPr lang="en-US"/>
               <a:t>Insert Text Here</a:t>
             </a:r>
           </a:p>
@@ -2806,7 +4287,7 @@
           </a:lstStyle>
           <a:p>
             <a:r>
-              <a:rPr lang="en-US" dirty="0"/>
+              <a:rPr lang="en-US"/>
               <a:t>Insert Slide Title</a:t>
             </a:r>
           </a:p>
@@ -2862,7 +4343,7 @@
               <a:pPr/>
               <a:t>‹#›</a:t>
             </a:fld>
-            <a:endParaRPr lang="en-US" dirty="0"/>
+            <a:endParaRPr lang="en-US"/>
           </a:p>
         </p:txBody>
       </p:sp>
@@ -2962,7 +4443,7 @@
           <a:p>
             <a:pPr lvl="0"/>
             <a:r>
-              <a:rPr lang="en-US" dirty="0"/>
+              <a:rPr lang="en-US"/>
               <a:t>Insert Text Here</a:t>
             </a:r>
           </a:p>
@@ -2999,7 +4480,7 @@
           </a:lstStyle>
           <a:p>
             <a:r>
-              <a:rPr lang="en-US" dirty="0"/>
+              <a:rPr lang="en-US"/>
               <a:t>Insert Slide Title</a:t>
             </a:r>
           </a:p>
@@ -3101,7 +4582,7 @@
           <a:p>
             <a:pPr lvl="0"/>
             <a:r>
-              <a:rPr lang="en-US" dirty="0"/>
+              <a:rPr lang="en-US"/>
               <a:t>Insert Text Here</a:t>
             </a:r>
           </a:p>
@@ -3345,7 +4826,7 @@
               <a:pPr/>
               <a:t>‹#›</a:t>
             </a:fld>
-            <a:endParaRPr lang="en-US" dirty="0"/>
+            <a:endParaRPr lang="en-US"/>
           </a:p>
         </p:txBody>
       </p:sp>
@@ -3445,35 +4926,35 @@
           <a:p>
             <a:pPr lvl="0"/>
             <a:r>
-              <a:rPr lang="en-US" dirty="0"/>
+              <a:rPr lang="en-US"/>
               <a:t>Insert Bullets Here</a:t>
             </a:r>
           </a:p>
           <a:p>
             <a:pPr lvl="1"/>
             <a:r>
-              <a:rPr lang="en-US" dirty="0"/>
+              <a:rPr lang="en-US"/>
               <a:t>Second level</a:t>
             </a:r>
           </a:p>
           <a:p>
             <a:pPr lvl="2"/>
             <a:r>
-              <a:rPr lang="en-US" dirty="0"/>
+              <a:rPr lang="en-US"/>
               <a:t>Third level</a:t>
             </a:r>
           </a:p>
           <a:p>
             <a:pPr lvl="3"/>
             <a:r>
-              <a:rPr lang="en-US" dirty="0"/>
+              <a:rPr lang="en-US"/>
               <a:t>Fourth level</a:t>
             </a:r>
           </a:p>
           <a:p>
             <a:pPr lvl="4"/>
             <a:r>
-              <a:rPr lang="en-US" dirty="0"/>
+              <a:rPr lang="en-US"/>
               <a:t>Fifth level</a:t>
             </a:r>
           </a:p>
@@ -3510,7 +4991,7 @@
           </a:lstStyle>
           <a:p>
             <a:r>
-              <a:rPr lang="en-US" dirty="0"/>
+              <a:rPr lang="en-US"/>
               <a:t>Insert Slide Title</a:t>
             </a:r>
           </a:p>
@@ -3563,7 +5044,7 @@
           </a:lstStyle>
           <a:p>
             <a:r>
-              <a:rPr lang="en-US" dirty="0"/>
+              <a:rPr lang="en-US"/>
               <a:t>Insert Subhead</a:t>
             </a:r>
           </a:p>
@@ -3925,7 +5406,7 @@
               <a:pPr/>
               <a:t>‹#›</a:t>
             </a:fld>
-            <a:endParaRPr lang="en-US" dirty="0"/>
+            <a:endParaRPr lang="en-US"/>
           </a:p>
         </p:txBody>
       </p:sp>
@@ -4025,35 +5506,35 @@
           <a:p>
             <a:pPr lvl="0"/>
             <a:r>
-              <a:rPr lang="en-US" dirty="0"/>
+              <a:rPr lang="en-US"/>
               <a:t>Insert Bullets Here</a:t>
             </a:r>
           </a:p>
           <a:p>
             <a:pPr lvl="1"/>
             <a:r>
-              <a:rPr lang="en-US" dirty="0"/>
+              <a:rPr lang="en-US"/>
               <a:t>Second level</a:t>
             </a:r>
           </a:p>
           <a:p>
             <a:pPr lvl="2"/>
             <a:r>
-              <a:rPr lang="en-US" dirty="0"/>
+              <a:rPr lang="en-US"/>
               <a:t>Third level</a:t>
             </a:r>
           </a:p>
           <a:p>
             <a:pPr lvl="3"/>
             <a:r>
-              <a:rPr lang="en-US" dirty="0"/>
+              <a:rPr lang="en-US"/>
               <a:t>Fourth level</a:t>
             </a:r>
           </a:p>
           <a:p>
             <a:pPr lvl="4"/>
             <a:r>
-              <a:rPr lang="en-US" dirty="0"/>
+              <a:rPr lang="en-US"/>
               <a:t>Fifth level</a:t>
             </a:r>
           </a:p>
@@ -4090,7 +5571,7 @@
           </a:lstStyle>
           <a:p>
             <a:r>
-              <a:rPr lang="en-US" dirty="0"/>
+              <a:rPr lang="en-US"/>
               <a:t>Insert Slide Title</a:t>
             </a:r>
           </a:p>
@@ -4143,7 +5624,7 @@
           </a:lstStyle>
           <a:p>
             <a:r>
-              <a:rPr lang="en-US" dirty="0"/>
+              <a:rPr lang="en-US"/>
               <a:t>Insert Subhead</a:t>
             </a:r>
           </a:p>
@@ -4505,7 +5986,7 @@
               <a:pPr/>
               <a:t>‹#›</a:t>
             </a:fld>
-            <a:endParaRPr lang="en-US" dirty="0"/>
+            <a:endParaRPr lang="en-US"/>
           </a:p>
         </p:txBody>
       </p:sp>
@@ -4605,35 +6086,35 @@
           <a:p>
             <a:pPr lvl="0"/>
             <a:r>
-              <a:rPr lang="en-US" dirty="0"/>
+              <a:rPr lang="en-US"/>
               <a:t>Insert Bullets Here</a:t>
             </a:r>
           </a:p>
           <a:p>
             <a:pPr lvl="1"/>
             <a:r>
-              <a:rPr lang="en-US" dirty="0"/>
+              <a:rPr lang="en-US"/>
               <a:t>Second level</a:t>
             </a:r>
           </a:p>
           <a:p>
             <a:pPr lvl="2"/>
             <a:r>
-              <a:rPr lang="en-US" dirty="0"/>
+              <a:rPr lang="en-US"/>
               <a:t>Third level</a:t>
             </a:r>
           </a:p>
           <a:p>
             <a:pPr lvl="3"/>
             <a:r>
-              <a:rPr lang="en-US" dirty="0"/>
+              <a:rPr lang="en-US"/>
               <a:t>Fourth level</a:t>
             </a:r>
           </a:p>
           <a:p>
             <a:pPr lvl="4"/>
             <a:r>
-              <a:rPr lang="en-US" dirty="0"/>
+              <a:rPr lang="en-US"/>
               <a:t>Fifth level</a:t>
             </a:r>
           </a:p>
@@ -4670,7 +6151,7 @@
           </a:lstStyle>
           <a:p>
             <a:r>
-              <a:rPr lang="en-US" dirty="0"/>
+              <a:rPr lang="en-US"/>
               <a:t>Insert Slide Title</a:t>
             </a:r>
           </a:p>
@@ -4723,7 +6204,7 @@
           </a:lstStyle>
           <a:p>
             <a:r>
-              <a:rPr lang="en-US" dirty="0"/>
+              <a:rPr lang="en-US"/>
               <a:t>Insert Subhead</a:t>
             </a:r>
           </a:p>
@@ -4897,7 +6378,7 @@
               <a:pPr/>
               <a:t>‹#›</a:t>
             </a:fld>
-            <a:endParaRPr lang="en-US" dirty="0"/>
+            <a:endParaRPr lang="en-US"/>
           </a:p>
         </p:txBody>
       </p:sp>
@@ -5101,7 +6582,7 @@
           <a:p>
             <a:pPr lvl="0"/>
             <a:r>
-              <a:rPr lang="en-US" dirty="0">
+              <a:rPr lang="en-US">
                 <a:solidFill>
                   <a:schemeClr val="tx1"/>
                 </a:solidFill>
@@ -5109,21 +6590,21 @@
               <a:t>Section Break Line 1</a:t>
             </a:r>
             <a:br>
-              <a:rPr lang="en-US" dirty="0">
+              <a:rPr lang="en-US">
                 <a:solidFill>
                   <a:schemeClr val="tx1"/>
                 </a:solidFill>
               </a:rPr>
             </a:br>
             <a:r>
-              <a:rPr lang="en-US" dirty="0">
+              <a:rPr lang="en-US">
                 <a:solidFill>
                   <a:schemeClr val="tx1"/>
                 </a:solidFill>
               </a:rPr>
               <a:t>Section Break Line 2</a:t>
             </a:r>
-            <a:endParaRPr lang="en-US" dirty="0"/>
+            <a:endParaRPr lang="en-US"/>
           </a:p>
         </p:txBody>
       </p:sp>
@@ -5384,7 +6865,7 @@
           <a:p>
             <a:pPr lvl="0"/>
             <a:r>
-              <a:rPr lang="en-US" dirty="0"/>
+              <a:rPr lang="en-US"/>
               <a:t>Subtitle line that can be up to 2 lines of text if it needs to be</a:t>
             </a:r>
           </a:p>
@@ -5429,7 +6910,7 @@
           <a:p>
             <a:pPr lvl="0"/>
             <a:r>
-              <a:rPr lang="en-US" dirty="0">
+              <a:rPr lang="en-US">
                 <a:solidFill>
                   <a:schemeClr val="tx1"/>
                 </a:solidFill>
@@ -5517,28 +6998,28 @@
               <a:defRPr/>
             </a:pPr>
             <a:r>
-              <a:rPr lang="en-US" dirty="0"/>
+              <a:rPr lang="en-US"/>
               <a:t>Presenter’s Name</a:t>
             </a:r>
             <a:br>
-              <a:rPr lang="en-US" dirty="0"/>
+              <a:rPr lang="en-US"/>
             </a:br>
             <a:r>
-              <a:rPr lang="en-US" dirty="0"/>
+              <a:rPr lang="en-US"/>
               <a:t>Presenter’s Title</a:t>
             </a:r>
             <a:br>
-              <a:rPr lang="en-US" dirty="0"/>
+              <a:rPr lang="en-US"/>
             </a:br>
             <a:r>
-              <a:rPr lang="en-US" dirty="0"/>
+              <a:rPr lang="en-US"/>
               <a:t>Presenter’s Department</a:t>
             </a:r>
             <a:br>
-              <a:rPr lang="en-US" dirty="0"/>
+              <a:rPr lang="en-US"/>
             </a:br>
             <a:r>
-              <a:rPr lang="en-US" dirty="0"/>
+              <a:rPr lang="en-US"/>
               <a:t>Date</a:t>
             </a:r>
           </a:p>
@@ -5560,7 +7041,7 @@
               <a:tabLst/>
               <a:defRPr/>
             </a:pPr>
-            <a:endParaRPr lang="en-US" dirty="0"/>
+            <a:endParaRPr lang="en-US"/>
           </a:p>
         </p:txBody>
       </p:sp>
@@ -5930,7 +7411,7 @@
           </a:lstStyle>
           <a:p>
             <a:r>
-              <a:rPr lang="en-US" dirty="0"/>
+              <a:rPr lang="en-US"/>
               <a:t>Click to Insert Image</a:t>
             </a:r>
           </a:p>
@@ -5975,14 +7456,14 @@
           <a:p>
             <a:pPr lvl="0"/>
             <a:r>
-              <a:rPr lang="en-US" dirty="0">
+              <a:rPr lang="en-US">
                 <a:solidFill>
                   <a:schemeClr val="tx1"/>
                 </a:solidFill>
               </a:rPr>
               <a:t>Section Break Line</a:t>
             </a:r>
-            <a:endParaRPr lang="en-US" dirty="0"/>
+            <a:endParaRPr lang="en-US"/>
           </a:p>
         </p:txBody>
       </p:sp>
@@ -6207,7 +7688,7 @@
           <a:p>
             <a:pPr lvl="0"/>
             <a:r>
-              <a:rPr lang="en-US" dirty="0"/>
+              <a:rPr lang="en-US"/>
               <a:t>Insert Quote or Excerpt Here</a:t>
             </a:r>
           </a:p>
@@ -6246,7 +7727,7 @@
           <a:p>
             <a:pPr lvl="0"/>
             <a:r>
-              <a:rPr lang="en-US" dirty="0"/>
+              <a:rPr lang="en-US"/>
               <a:t>Insert Quote Attribution Here</a:t>
             </a:r>
           </a:p>
@@ -6343,7 +7824,7 @@
           </a:lstStyle>
           <a:p>
             <a:r>
-              <a:rPr lang="en-US" dirty="0"/>
+              <a:rPr lang="en-US"/>
               <a:t>Insert Slide Title</a:t>
             </a:r>
           </a:p>
@@ -6369,7 +7850,7 @@
               <a:pPr/>
               <a:t>‹#›</a:t>
             </a:fld>
-            <a:endParaRPr lang="en-US" dirty="0"/>
+            <a:endParaRPr lang="en-US"/>
           </a:p>
         </p:txBody>
       </p:sp>
@@ -6435,7 +7916,7 @@
           </a:lstStyle>
           <a:p>
             <a:r>
-              <a:rPr lang="en-US" dirty="0"/>
+              <a:rPr lang="en-US"/>
               <a:t>Click to Insert Image</a:t>
             </a:r>
           </a:p>
@@ -6495,7 +7976,7 @@
           <a:p>
             <a:pPr lvl="0"/>
             <a:r>
-              <a:rPr lang="en-US" dirty="0"/>
+              <a:rPr lang="en-US"/>
               <a:t>Insert photo caption(s) here.</a:t>
             </a:r>
           </a:p>
@@ -6521,7 +8002,7 @@
               <a:pPr/>
               <a:t>‹#›</a:t>
             </a:fld>
-            <a:endParaRPr lang="en-US" dirty="0"/>
+            <a:endParaRPr lang="en-US"/>
           </a:p>
         </p:txBody>
       </p:sp>
@@ -6621,35 +8102,35 @@
           <a:p>
             <a:pPr lvl="0"/>
             <a:r>
-              <a:rPr lang="en-US" dirty="0"/>
+              <a:rPr lang="en-US"/>
               <a:t>Insert Bullets Here</a:t>
             </a:r>
           </a:p>
           <a:p>
             <a:pPr lvl="1"/>
             <a:r>
-              <a:rPr lang="en-US" dirty="0"/>
+              <a:rPr lang="en-US"/>
               <a:t>Second level</a:t>
             </a:r>
           </a:p>
           <a:p>
             <a:pPr lvl="2"/>
             <a:r>
-              <a:rPr lang="en-US" dirty="0"/>
+              <a:rPr lang="en-US"/>
               <a:t>Third level</a:t>
             </a:r>
           </a:p>
           <a:p>
             <a:pPr lvl="3"/>
             <a:r>
-              <a:rPr lang="en-US" dirty="0"/>
+              <a:rPr lang="en-US"/>
               <a:t>Fourth level</a:t>
             </a:r>
           </a:p>
           <a:p>
             <a:pPr lvl="4"/>
             <a:r>
-              <a:rPr lang="en-US" dirty="0"/>
+              <a:rPr lang="en-US"/>
               <a:t>Fifth level</a:t>
             </a:r>
           </a:p>
@@ -6686,7 +8167,7 @@
           </a:lstStyle>
           <a:p>
             <a:r>
-              <a:rPr lang="en-US" dirty="0"/>
+              <a:rPr lang="en-US"/>
               <a:t>Insert Slide Title</a:t>
             </a:r>
           </a:p>
@@ -6739,7 +8220,7 @@
           </a:lstStyle>
           <a:p>
             <a:r>
-              <a:rPr lang="en-US" dirty="0"/>
+              <a:rPr lang="en-US"/>
               <a:t>Insert Subhead</a:t>
             </a:r>
           </a:p>
@@ -6812,7 +8293,7 @@
           </a:lstStyle>
           <a:p>
             <a:r>
-              <a:rPr lang="en-US" dirty="0"/>
+              <a:rPr lang="en-US"/>
               <a:t>Click to Insert Image</a:t>
             </a:r>
           </a:p>
@@ -6855,7 +8336,7 @@
           </a:lstStyle>
           <a:p>
             <a:r>
-              <a:rPr lang="en-US" dirty="0"/>
+              <a:rPr lang="en-US"/>
               <a:t>Click to Insert Image</a:t>
             </a:r>
           </a:p>
@@ -6898,7 +8379,7 @@
           </a:lstStyle>
           <a:p>
             <a:r>
-              <a:rPr lang="en-US" dirty="0"/>
+              <a:rPr lang="en-US"/>
               <a:t>Click to Insert Image</a:t>
             </a:r>
           </a:p>
@@ -6941,7 +8422,7 @@
           </a:lstStyle>
           <a:p>
             <a:r>
-              <a:rPr lang="en-US" dirty="0"/>
+              <a:rPr lang="en-US"/>
               <a:t>Click to Insert Image</a:t>
             </a:r>
           </a:p>
@@ -6967,7 +8448,7 @@
               <a:pPr/>
               <a:t>‹#›</a:t>
             </a:fld>
-            <a:endParaRPr lang="en-US" dirty="0"/>
+            <a:endParaRPr lang="en-US"/>
           </a:p>
         </p:txBody>
       </p:sp>
@@ -7067,35 +8548,35 @@
           <a:p>
             <a:pPr lvl="0"/>
             <a:r>
-              <a:rPr lang="en-US" dirty="0"/>
+              <a:rPr lang="en-US"/>
               <a:t>Insert Bullets Here</a:t>
             </a:r>
           </a:p>
           <a:p>
             <a:pPr lvl="1"/>
             <a:r>
-              <a:rPr lang="en-US" dirty="0"/>
+              <a:rPr lang="en-US"/>
               <a:t>Second level</a:t>
             </a:r>
           </a:p>
           <a:p>
             <a:pPr lvl="2"/>
             <a:r>
-              <a:rPr lang="en-US" dirty="0"/>
+              <a:rPr lang="en-US"/>
               <a:t>Third level</a:t>
             </a:r>
           </a:p>
           <a:p>
             <a:pPr lvl="3"/>
             <a:r>
-              <a:rPr lang="en-US" dirty="0"/>
+              <a:rPr lang="en-US"/>
               <a:t>Fourth level</a:t>
             </a:r>
           </a:p>
           <a:p>
             <a:pPr lvl="4"/>
             <a:r>
-              <a:rPr lang="en-US" dirty="0"/>
+              <a:rPr lang="en-US"/>
               <a:t>Fifth level</a:t>
             </a:r>
           </a:p>
@@ -7132,7 +8613,7 @@
           </a:lstStyle>
           <a:p>
             <a:r>
-              <a:rPr lang="en-US" dirty="0"/>
+              <a:rPr lang="en-US"/>
               <a:t>Insert Slide Title</a:t>
             </a:r>
           </a:p>
@@ -7205,7 +8686,7 @@
           </a:lstStyle>
           <a:p>
             <a:r>
-              <a:rPr lang="en-US" dirty="0"/>
+              <a:rPr lang="en-US"/>
               <a:t>Click to Insert Image</a:t>
             </a:r>
           </a:p>
@@ -7248,7 +8729,7 @@
           </a:lstStyle>
           <a:p>
             <a:r>
-              <a:rPr lang="en-US" dirty="0"/>
+              <a:rPr lang="en-US"/>
               <a:t>Click to Insert Image</a:t>
             </a:r>
           </a:p>
@@ -7291,7 +8772,7 @@
           </a:lstStyle>
           <a:p>
             <a:r>
-              <a:rPr lang="en-US" dirty="0"/>
+              <a:rPr lang="en-US"/>
               <a:t>Click to Insert Image</a:t>
             </a:r>
           </a:p>
@@ -7351,7 +8832,7 @@
           <a:p>
             <a:pPr lvl="0"/>
             <a:r>
-              <a:rPr lang="en-US" dirty="0"/>
+              <a:rPr lang="en-US"/>
               <a:t>Insert photo caption(s) here.</a:t>
             </a:r>
           </a:p>
@@ -7388,7 +8869,7 @@
           </a:lstStyle>
           <a:p>
             <a:r>
-              <a:rPr lang="en-US" dirty="0"/>
+              <a:rPr lang="en-US"/>
               <a:t>Insert Slide Title</a:t>
             </a:r>
           </a:p>
@@ -7414,7 +8895,7 @@
               <a:pPr/>
               <a:t>‹#›</a:t>
             </a:fld>
-            <a:endParaRPr lang="en-US" dirty="0"/>
+            <a:endParaRPr lang="en-US"/>
           </a:p>
         </p:txBody>
       </p:sp>
@@ -7502,7 +8983,7 @@
           <a:p>
             <a:pPr lvl="0"/>
             <a:r>
-              <a:rPr lang="en-US" dirty="0"/>
+              <a:rPr lang="en-US"/>
               <a:t>Insert data caption(s) here.</a:t>
             </a:r>
           </a:p>
@@ -7541,7 +9022,7 @@
           <a:p>
             <a:pPr lvl="0"/>
             <a:r>
-              <a:rPr lang="en-US" dirty="0"/>
+              <a:rPr lang="en-US"/>
               <a:t>Figure Title</a:t>
             </a:r>
           </a:p>
@@ -7605,32 +9086,32 @@
           </a:lstStyle>
           <a:p>
             <a:pPr lvl="0"/>
-            <a:endParaRPr lang="en-US" dirty="0"/>
+            <a:endParaRPr lang="en-US"/>
           </a:p>
           <a:p>
             <a:pPr lvl="0"/>
-            <a:endParaRPr lang="en-US" dirty="0"/>
+            <a:endParaRPr lang="en-US"/>
           </a:p>
           <a:p>
             <a:pPr lvl="0"/>
-            <a:endParaRPr lang="en-US" dirty="0"/>
+            <a:endParaRPr lang="en-US"/>
           </a:p>
           <a:p>
             <a:pPr lvl="0"/>
-            <a:endParaRPr lang="en-US" dirty="0"/>
+            <a:endParaRPr lang="en-US"/>
           </a:p>
           <a:p>
             <a:pPr lvl="0"/>
-            <a:endParaRPr lang="en-US" dirty="0"/>
+            <a:endParaRPr lang="en-US"/>
           </a:p>
           <a:p>
             <a:pPr lvl="0"/>
-            <a:endParaRPr lang="en-US" dirty="0"/>
+            <a:endParaRPr lang="en-US"/>
           </a:p>
           <a:p>
             <a:pPr lvl="0"/>
             <a:r>
-              <a:rPr lang="en-US" dirty="0"/>
+              <a:rPr lang="en-US"/>
               <a:t>Click to Insert Chart or Table</a:t>
             </a:r>
           </a:p>
@@ -7667,7 +9148,7 @@
           </a:lstStyle>
           <a:p>
             <a:r>
-              <a:rPr lang="en-US" dirty="0"/>
+              <a:rPr lang="en-US"/>
               <a:t>Insert Slide Title</a:t>
             </a:r>
           </a:p>
@@ -7693,7 +9174,7 @@
               <a:pPr/>
               <a:t>‹#›</a:t>
             </a:fld>
-            <a:endParaRPr lang="en-US" dirty="0"/>
+            <a:endParaRPr lang="en-US"/>
           </a:p>
         </p:txBody>
       </p:sp>
@@ -7758,7 +9239,7 @@
           </a:lstStyle>
           <a:p>
             <a:r>
-              <a:rPr lang="en-US" dirty="0"/>
+              <a:rPr lang="en-US"/>
               <a:t>Insert Slide Title</a:t>
             </a:r>
           </a:p>
@@ -7784,7 +9265,7 @@
               <a:pPr/>
               <a:t>‹#›</a:t>
             </a:fld>
-            <a:endParaRPr lang="en-US" dirty="0"/>
+            <a:endParaRPr lang="en-US"/>
           </a:p>
         </p:txBody>
       </p:sp>
@@ -7842,7 +9323,7 @@
           <a:p>
             <a:pPr lvl="0"/>
             <a:r>
-              <a:rPr lang="en-US" dirty="0"/>
+              <a:rPr lang="en-US"/>
               <a:t>Insert data caption(s) here.</a:t>
             </a:r>
           </a:p>
@@ -7881,7 +9362,7 @@
           <a:p>
             <a:pPr lvl="0"/>
             <a:r>
-              <a:rPr lang="en-US" dirty="0"/>
+              <a:rPr lang="en-US"/>
               <a:t>Figure Title</a:t>
             </a:r>
           </a:p>
@@ -7945,32 +9426,32 @@
           </a:lstStyle>
           <a:p>
             <a:pPr lvl="0"/>
-            <a:endParaRPr lang="en-US" dirty="0"/>
+            <a:endParaRPr lang="en-US"/>
           </a:p>
           <a:p>
             <a:pPr lvl="0"/>
-            <a:endParaRPr lang="en-US" dirty="0"/>
+            <a:endParaRPr lang="en-US"/>
           </a:p>
           <a:p>
             <a:pPr lvl="0"/>
-            <a:endParaRPr lang="en-US" dirty="0"/>
+            <a:endParaRPr lang="en-US"/>
           </a:p>
           <a:p>
             <a:pPr lvl="0"/>
-            <a:endParaRPr lang="en-US" dirty="0"/>
+            <a:endParaRPr lang="en-US"/>
           </a:p>
           <a:p>
             <a:pPr lvl="0"/>
-            <a:endParaRPr lang="en-US" dirty="0"/>
+            <a:endParaRPr lang="en-US"/>
           </a:p>
           <a:p>
             <a:pPr lvl="0"/>
-            <a:endParaRPr lang="en-US" dirty="0"/>
+            <a:endParaRPr lang="en-US"/>
           </a:p>
           <a:p>
             <a:pPr lvl="0"/>
             <a:r>
-              <a:rPr lang="en-US" dirty="0"/>
+              <a:rPr lang="en-US"/>
               <a:t>Click to Insert Chart or Table</a:t>
             </a:r>
           </a:p>
@@ -8064,32 +9545,32 @@
           </a:lstStyle>
           <a:p>
             <a:pPr lvl="0"/>
-            <a:endParaRPr lang="en-US" dirty="0"/>
+            <a:endParaRPr lang="en-US"/>
           </a:p>
           <a:p>
             <a:pPr lvl="0"/>
-            <a:endParaRPr lang="en-US" dirty="0"/>
+            <a:endParaRPr lang="en-US"/>
           </a:p>
           <a:p>
             <a:pPr lvl="0"/>
-            <a:endParaRPr lang="en-US" dirty="0"/>
+            <a:endParaRPr lang="en-US"/>
           </a:p>
           <a:p>
             <a:pPr lvl="0"/>
-            <a:endParaRPr lang="en-US" dirty="0"/>
+            <a:endParaRPr lang="en-US"/>
           </a:p>
           <a:p>
             <a:pPr lvl="0"/>
-            <a:endParaRPr lang="en-US" dirty="0"/>
+            <a:endParaRPr lang="en-US"/>
           </a:p>
           <a:p>
             <a:pPr lvl="0"/>
-            <a:endParaRPr lang="en-US" dirty="0"/>
+            <a:endParaRPr lang="en-US"/>
           </a:p>
           <a:p>
             <a:pPr lvl="0"/>
             <a:r>
-              <a:rPr lang="en-US" dirty="0"/>
+              <a:rPr lang="en-US"/>
               <a:t>Click to Insert Chart or Table</a:t>
             </a:r>
           </a:p>
@@ -8126,7 +9607,7 @@
           </a:lstStyle>
           <a:p>
             <a:r>
-              <a:rPr lang="en-US" dirty="0"/>
+              <a:rPr lang="en-US"/>
               <a:t>Insert Slide Title</a:t>
             </a:r>
           </a:p>
@@ -8152,7 +9633,7 @@
               <a:pPr/>
               <a:t>‹#›</a:t>
             </a:fld>
-            <a:endParaRPr lang="en-US" dirty="0"/>
+            <a:endParaRPr lang="en-US"/>
           </a:p>
         </p:txBody>
       </p:sp>
@@ -8245,7 +9726,7 @@
           <a:p>
             <a:pPr lvl="0"/>
             <a:r>
-              <a:rPr lang="en-US" dirty="0"/>
+              <a:rPr lang="en-US"/>
               <a:t>Comparative Data 1</a:t>
             </a:r>
           </a:p>
@@ -8305,7 +9786,7 @@
           <a:p>
             <a:pPr lvl="0"/>
             <a:r>
-              <a:rPr lang="en-US" dirty="0"/>
+              <a:rPr lang="en-US"/>
               <a:t>Insert data caption(s) here.</a:t>
             </a:r>
           </a:p>
@@ -8370,7 +9851,7 @@
           <a:p>
             <a:pPr lvl="0"/>
             <a:r>
-              <a:rPr lang="en-US" dirty="0"/>
+              <a:rPr lang="en-US"/>
               <a:t>Comparative Data 2</a:t>
             </a:r>
           </a:p>
@@ -8430,7 +9911,7 @@
           <a:p>
             <a:pPr lvl="0"/>
             <a:r>
-              <a:rPr lang="en-US" dirty="0"/>
+              <a:rPr lang="en-US"/>
               <a:t>Insert data caption(s) here.</a:t>
             </a:r>
           </a:p>
@@ -8467,7 +9948,7 @@
           </a:lstStyle>
           <a:p>
             <a:r>
-              <a:rPr lang="en-US" dirty="0"/>
+              <a:rPr lang="en-US"/>
               <a:t>Insert Slide Title</a:t>
             </a:r>
           </a:p>
@@ -8493,7 +9974,7 @@
               <a:pPr/>
               <a:t>‹#›</a:t>
             </a:fld>
-            <a:endParaRPr lang="en-US" dirty="0"/>
+            <a:endParaRPr lang="en-US"/>
           </a:p>
         </p:txBody>
       </p:sp>
@@ -8786,21 +10267,21 @@
           <a:p>
             <a:pPr lvl="0"/>
             <a:r>
-              <a:rPr lang="en-US" dirty="0"/>
+              <a:rPr lang="en-US"/>
               <a:t>Presenter Name Here</a:t>
             </a:r>
             <a:br>
-              <a:rPr lang="en-US" dirty="0"/>
+              <a:rPr lang="en-US"/>
             </a:br>
             <a:r>
-              <a:rPr lang="en-US" dirty="0"/>
+              <a:rPr lang="en-US"/>
               <a:t>Email Here</a:t>
             </a:r>
             <a:br>
-              <a:rPr lang="en-US" dirty="0"/>
+              <a:rPr lang="en-US"/>
             </a:br>
             <a:r>
-              <a:rPr lang="en-US" dirty="0"/>
+              <a:rPr lang="en-US"/>
               <a:t>Phone Here</a:t>
             </a:r>
           </a:p>
@@ -8975,7 +10456,7 @@
           <a:p>
             <a:pPr lvl="0"/>
             <a:r>
-              <a:rPr lang="en-US" dirty="0"/>
+              <a:rPr lang="en-US"/>
               <a:t>Subtitle line that can be up to 2 lines of text if it needs to be</a:t>
             </a:r>
           </a:p>
@@ -9020,7 +10501,7 @@
           <a:p>
             <a:pPr lvl="0"/>
             <a:r>
-              <a:rPr lang="en-US" dirty="0">
+              <a:rPr lang="en-US">
                 <a:solidFill>
                   <a:schemeClr val="tx1"/>
                 </a:solidFill>
@@ -9108,28 +10589,28 @@
               <a:defRPr/>
             </a:pPr>
             <a:r>
-              <a:rPr lang="en-US" dirty="0"/>
+              <a:rPr lang="en-US"/>
               <a:t>Presenter’s Name</a:t>
             </a:r>
             <a:br>
-              <a:rPr lang="en-US" dirty="0"/>
+              <a:rPr lang="en-US"/>
             </a:br>
             <a:r>
-              <a:rPr lang="en-US" dirty="0"/>
+              <a:rPr lang="en-US"/>
               <a:t>Presenter’s Title</a:t>
             </a:r>
             <a:br>
-              <a:rPr lang="en-US" dirty="0"/>
+              <a:rPr lang="en-US"/>
             </a:br>
             <a:r>
-              <a:rPr lang="en-US" dirty="0"/>
+              <a:rPr lang="en-US"/>
               <a:t>Presenter’s Department</a:t>
             </a:r>
             <a:br>
-              <a:rPr lang="en-US" dirty="0"/>
+              <a:rPr lang="en-US"/>
             </a:br>
             <a:r>
-              <a:rPr lang="en-US" dirty="0"/>
+              <a:rPr lang="en-US"/>
               <a:t>Date</a:t>
             </a:r>
           </a:p>
@@ -9151,7 +10632,7 @@
               <a:tabLst/>
               <a:defRPr/>
             </a:pPr>
-            <a:endParaRPr lang="en-US" dirty="0"/>
+            <a:endParaRPr lang="en-US"/>
           </a:p>
         </p:txBody>
       </p:sp>
@@ -9523,7 +11004,7 @@
           <a:p>
             <a:pPr lvl="0"/>
             <a:r>
-              <a:rPr lang="en-US" dirty="0"/>
+              <a:rPr lang="en-US"/>
               <a:t>Subtitle line that can be up to 2 lines of text if it needs to be</a:t>
             </a:r>
           </a:p>
@@ -9568,7 +11049,7 @@
           <a:p>
             <a:pPr lvl="0"/>
             <a:r>
-              <a:rPr lang="en-US" dirty="0">
+              <a:rPr lang="en-US">
                 <a:solidFill>
                   <a:schemeClr val="tx1"/>
                 </a:solidFill>
@@ -9656,28 +11137,28 @@
               <a:defRPr/>
             </a:pPr>
             <a:r>
-              <a:rPr lang="en-US" dirty="0"/>
+              <a:rPr lang="en-US"/>
               <a:t>Presenter’s Name</a:t>
             </a:r>
             <a:br>
-              <a:rPr lang="en-US" dirty="0"/>
+              <a:rPr lang="en-US"/>
             </a:br>
             <a:r>
-              <a:rPr lang="en-US" dirty="0"/>
+              <a:rPr lang="en-US"/>
               <a:t>Presenter’s Title</a:t>
             </a:r>
             <a:br>
-              <a:rPr lang="en-US" dirty="0"/>
+              <a:rPr lang="en-US"/>
             </a:br>
             <a:r>
-              <a:rPr lang="en-US" dirty="0"/>
+              <a:rPr lang="en-US"/>
               <a:t>Presenter’s Department</a:t>
             </a:r>
             <a:br>
-              <a:rPr lang="en-US" dirty="0"/>
+              <a:rPr lang="en-US"/>
             </a:br>
             <a:r>
-              <a:rPr lang="en-US" dirty="0"/>
+              <a:rPr lang="en-US"/>
               <a:t>Date</a:t>
             </a:r>
           </a:p>
@@ -9699,7 +11180,7 @@
               <a:tabLst/>
               <a:defRPr/>
             </a:pPr>
-            <a:endParaRPr lang="en-US" dirty="0"/>
+            <a:endParaRPr lang="en-US"/>
           </a:p>
         </p:txBody>
       </p:sp>
@@ -10090,28 +11571,28 @@
               <a:defRPr/>
             </a:pPr>
             <a:r>
-              <a:rPr lang="en-US" dirty="0"/>
+              <a:rPr lang="en-US"/>
               <a:t>Presenter’s Name</a:t>
             </a:r>
             <a:br>
-              <a:rPr lang="en-US" dirty="0"/>
+              <a:rPr lang="en-US"/>
             </a:br>
             <a:r>
-              <a:rPr lang="en-US" dirty="0"/>
+              <a:rPr lang="en-US"/>
               <a:t>Presenter’s Title</a:t>
             </a:r>
             <a:br>
-              <a:rPr lang="en-US" dirty="0"/>
+              <a:rPr lang="en-US"/>
             </a:br>
             <a:r>
-              <a:rPr lang="en-US" dirty="0"/>
+              <a:rPr lang="en-US"/>
               <a:t>Presenter’s Department</a:t>
             </a:r>
             <a:br>
-              <a:rPr lang="en-US" dirty="0"/>
+              <a:rPr lang="en-US"/>
             </a:br>
             <a:r>
-              <a:rPr lang="en-US" dirty="0"/>
+              <a:rPr lang="en-US"/>
               <a:t>Date</a:t>
             </a:r>
           </a:p>
@@ -10172,7 +11653,7 @@
           <a:p>
             <a:pPr lvl="0"/>
             <a:r>
-              <a:rPr lang="en-US" dirty="0"/>
+              <a:rPr lang="en-US"/>
               <a:t>Subtitle line that can be up to 2 lines of text if it needs to be</a:t>
             </a:r>
           </a:p>
@@ -10217,7 +11698,7 @@
           <a:p>
             <a:pPr lvl="0"/>
             <a:r>
-              <a:rPr lang="en-US" dirty="0">
+              <a:rPr lang="en-US">
                 <a:solidFill>
                   <a:schemeClr val="tx1"/>
                 </a:solidFill>
@@ -10595,7 +12076,7 @@
           <a:p>
             <a:pPr lvl="0"/>
             <a:r>
-              <a:rPr lang="en-US" dirty="0"/>
+              <a:rPr lang="en-US"/>
               <a:t>Subtitle line that can be up to 2 lines of text if it needs to be</a:t>
             </a:r>
           </a:p>
@@ -10640,7 +12121,7 @@
           <a:p>
             <a:pPr lvl="0"/>
             <a:r>
-              <a:rPr lang="en-US" dirty="0">
+              <a:rPr lang="en-US">
                 <a:solidFill>
                   <a:schemeClr val="tx1"/>
                 </a:solidFill>
@@ -10728,28 +12209,28 @@
               <a:defRPr/>
             </a:pPr>
             <a:r>
-              <a:rPr lang="en-US" dirty="0"/>
+              <a:rPr lang="en-US"/>
               <a:t>Presenter’s Name</a:t>
             </a:r>
             <a:br>
-              <a:rPr lang="en-US" dirty="0"/>
+              <a:rPr lang="en-US"/>
             </a:br>
             <a:r>
-              <a:rPr lang="en-US" dirty="0"/>
+              <a:rPr lang="en-US"/>
               <a:t>Presenter’s Title</a:t>
             </a:r>
             <a:br>
-              <a:rPr lang="en-US" dirty="0"/>
+              <a:rPr lang="en-US"/>
             </a:br>
             <a:r>
-              <a:rPr lang="en-US" dirty="0"/>
+              <a:rPr lang="en-US"/>
               <a:t>Presenter’s Department</a:t>
             </a:r>
             <a:br>
-              <a:rPr lang="en-US" dirty="0"/>
+              <a:rPr lang="en-US"/>
             </a:br>
             <a:r>
-              <a:rPr lang="en-US" dirty="0"/>
+              <a:rPr lang="en-US"/>
               <a:t>Date</a:t>
             </a:r>
           </a:p>
@@ -10771,7 +12252,7 @@
               <a:tabLst/>
               <a:defRPr/>
             </a:pPr>
-            <a:endParaRPr lang="en-US" dirty="0"/>
+            <a:endParaRPr lang="en-US"/>
           </a:p>
         </p:txBody>
       </p:sp>
@@ -11162,28 +12643,28 @@
               <a:defRPr/>
             </a:pPr>
             <a:r>
-              <a:rPr lang="en-US" dirty="0"/>
+              <a:rPr lang="en-US"/>
               <a:t>Presenter’s Name</a:t>
             </a:r>
             <a:br>
-              <a:rPr lang="en-US" dirty="0"/>
+              <a:rPr lang="en-US"/>
             </a:br>
             <a:r>
-              <a:rPr lang="en-US" dirty="0"/>
+              <a:rPr lang="en-US"/>
               <a:t>Presenter’s Title</a:t>
             </a:r>
             <a:br>
-              <a:rPr lang="en-US" dirty="0"/>
+              <a:rPr lang="en-US"/>
             </a:br>
             <a:r>
-              <a:rPr lang="en-US" dirty="0"/>
+              <a:rPr lang="en-US"/>
               <a:t>Presenter’s Department</a:t>
             </a:r>
             <a:br>
-              <a:rPr lang="en-US" dirty="0"/>
+              <a:rPr lang="en-US"/>
             </a:br>
             <a:r>
-              <a:rPr lang="en-US" dirty="0"/>
+              <a:rPr lang="en-US"/>
               <a:t>Date</a:t>
             </a:r>
           </a:p>
@@ -11260,7 +12741,7 @@
               <a:defRPr/>
             </a:pPr>
             <a:r>
-              <a:rPr lang="en-US" dirty="0"/>
+              <a:rPr lang="en-US"/>
               <a:t>Subtitle line that can be up to 2 lines of text if it needs to be</a:t>
             </a:r>
           </a:p>
@@ -11305,7 +12786,7 @@
           <a:p>
             <a:pPr lvl="0"/>
             <a:r>
-              <a:rPr lang="en-US" dirty="0">
+              <a:rPr lang="en-US">
                 <a:solidFill>
                   <a:schemeClr val="tx1"/>
                 </a:solidFill>
@@ -11683,7 +13164,7 @@
           <a:p>
             <a:pPr lvl="0"/>
             <a:r>
-              <a:rPr lang="en-US" dirty="0"/>
+              <a:rPr lang="en-US"/>
               <a:t>Subtitle line that can be up to 2 lines of text if it needs to be</a:t>
             </a:r>
           </a:p>
@@ -11728,7 +13209,7 @@
           <a:p>
             <a:pPr lvl="0"/>
             <a:r>
-              <a:rPr lang="en-US" dirty="0">
+              <a:rPr lang="en-US">
                 <a:solidFill>
                   <a:schemeClr val="tx1"/>
                 </a:solidFill>
@@ -11816,28 +13297,28 @@
               <a:defRPr/>
             </a:pPr>
             <a:r>
-              <a:rPr lang="en-US" dirty="0"/>
+              <a:rPr lang="en-US"/>
               <a:t>Presenter’s Name</a:t>
             </a:r>
             <a:br>
-              <a:rPr lang="en-US" dirty="0"/>
+              <a:rPr lang="en-US"/>
             </a:br>
             <a:r>
-              <a:rPr lang="en-US" dirty="0"/>
+              <a:rPr lang="en-US"/>
               <a:t>Presenter’s Title</a:t>
             </a:r>
             <a:br>
-              <a:rPr lang="en-US" dirty="0"/>
+              <a:rPr lang="en-US"/>
             </a:br>
             <a:r>
-              <a:rPr lang="en-US" dirty="0"/>
+              <a:rPr lang="en-US"/>
               <a:t>Presenter’s Department</a:t>
             </a:r>
             <a:br>
-              <a:rPr lang="en-US" dirty="0"/>
+              <a:rPr lang="en-US"/>
             </a:br>
             <a:r>
-              <a:rPr lang="en-US" dirty="0"/>
+              <a:rPr lang="en-US"/>
               <a:t>Date</a:t>
             </a:r>
           </a:p>
@@ -11859,7 +13340,7 @@
               <a:tabLst/>
               <a:defRPr/>
             </a:pPr>
-            <a:endParaRPr lang="en-US" dirty="0"/>
+            <a:endParaRPr lang="en-US"/>
           </a:p>
         </p:txBody>
       </p:sp>
@@ -12242,35 +13723,35 @@
           <a:p>
             <a:pPr lvl="0"/>
             <a:r>
-              <a:rPr lang="en-US" dirty="0"/>
+              <a:rPr lang="en-US"/>
               <a:t>Insert Bullets Here</a:t>
             </a:r>
           </a:p>
           <a:p>
             <a:pPr lvl="1"/>
             <a:r>
-              <a:rPr lang="en-US" dirty="0"/>
+              <a:rPr lang="en-US"/>
               <a:t>Second level</a:t>
             </a:r>
           </a:p>
           <a:p>
             <a:pPr lvl="2"/>
             <a:r>
-              <a:rPr lang="en-US" dirty="0"/>
+              <a:rPr lang="en-US"/>
               <a:t>Third level</a:t>
             </a:r>
           </a:p>
           <a:p>
             <a:pPr lvl="3"/>
             <a:r>
-              <a:rPr lang="en-US" dirty="0"/>
+              <a:rPr lang="en-US"/>
               <a:t>Fourth level</a:t>
             </a:r>
           </a:p>
           <a:p>
             <a:pPr lvl="4"/>
             <a:r>
-              <a:rPr lang="en-US" dirty="0"/>
+              <a:rPr lang="en-US"/>
               <a:t>Fifth level</a:t>
             </a:r>
           </a:p>
@@ -12296,7 +13777,7 @@
               <a:pPr/>
               <a:t>‹#›</a:t>
             </a:fld>
-            <a:endParaRPr lang="en-US" dirty="0"/>
+            <a:endParaRPr lang="en-US"/>
           </a:p>
         </p:txBody>
       </p:sp>
@@ -12331,7 +13812,7 @@
           </a:lstStyle>
           <a:p>
             <a:r>
-              <a:rPr lang="en-US" dirty="0"/>
+              <a:rPr lang="en-US"/>
               <a:t>Insert Slide Title</a:t>
             </a:r>
           </a:p>
@@ -12384,7 +13865,7 @@
           </a:lstStyle>
           <a:p>
             <a:r>
-              <a:rPr lang="en-US" dirty="0"/>
+              <a:rPr lang="en-US"/>
               <a:t>Insert Subhead</a:t>
             </a:r>
           </a:p>
@@ -12902,7 +14383,7 @@
               <a:pPr/>
               <a:t>‹#›</a:t>
             </a:fld>
-            <a:endParaRPr lang="en-US" dirty="0"/>
+            <a:endParaRPr lang="en-US"/>
           </a:p>
         </p:txBody>
       </p:sp>
@@ -13356,7 +14837,7 @@
               <a:pPr/>
               <a:t>‹#›</a:t>
             </a:fld>
-            <a:endParaRPr lang="en-US" dirty="0"/>
+            <a:endParaRPr lang="en-US"/>
           </a:p>
         </p:txBody>
       </p:sp>
@@ -13847,7 +15328,7 @@
               <a:pPr/>
               <a:t>‹#›</a:t>
             </a:fld>
-            <a:endParaRPr lang="en-US" dirty="0"/>
+            <a:endParaRPr lang="en-US"/>
           </a:p>
         </p:txBody>
       </p:sp>
@@ -14742,7 +16223,7 @@
               <a:pPr/>
               <a:t>‹#›</a:t>
             </a:fld>
-            <a:endParaRPr lang="en-US" dirty="0"/>
+            <a:endParaRPr lang="en-US"/>
           </a:p>
         </p:txBody>
       </p:sp>
@@ -15349,7 +16830,7 @@
               <a:pPr/>
               <a:t>‹#›</a:t>
             </a:fld>
-            <a:endParaRPr lang="en-US" dirty="0"/>
+            <a:endParaRPr lang="en-US"/>
           </a:p>
         </p:txBody>
       </p:sp>
@@ -15958,7 +17439,7 @@
               <a:pPr/>
               <a:t>‹#›</a:t>
             </a:fld>
-            <a:endParaRPr lang="en-US" dirty="0"/>
+            <a:endParaRPr lang="en-US"/>
           </a:p>
         </p:txBody>
       </p:sp>
@@ -16668,7 +18149,7 @@
           <a:lstStyle/>
           <a:p>
             <a:r>
-              <a:rPr lang="en-US" dirty="0"/>
+              <a:rPr lang="en-US"/>
               <a:t>MGT-411 Proposal</a:t>
             </a:r>
           </a:p>
@@ -16691,7 +18172,7 @@
           <a:p>
             <a:pPr algn="ctr"/>
             <a:r>
-              <a:rPr lang="en-US" dirty="0"/>
+              <a:rPr lang="en-US"/>
               <a:t>Option Volatility Trading Strategies</a:t>
             </a:r>
           </a:p>
@@ -16718,39 +18199,23 @@
           <a:lstStyle/>
           <a:p>
             <a:r>
-              <a:rPr lang="en-US" b="1" dirty="0"/>
-              <a:t>Team Members: Gregory Giordano, Vincent 				Cortese, Matthew </a:t>
+              <a:rPr lang="en-US" b="1"/>
+              <a:t>Team Members: Gregory Giordano, Vincent 				Cortese, Matthew Selvaggi, 				Scott Caratozzolo, John Tartaglia</a:t>
             </a:r>
+          </a:p>
+          <a:p>
+            <a:endParaRPr lang="en-US" b="1"/>
+          </a:p>
+          <a:p>
             <a:r>
-              <a:rPr lang="en-US" b="1" dirty="0" err="1"/>
-              <a:t>Selvaggi</a:t>
-            </a:r>
-            <a:r>
-              <a:rPr lang="en-US" b="1" dirty="0"/>
-              <a:t>, 				Scott </a:t>
-            </a:r>
-            <a:r>
-              <a:rPr lang="en-US" b="1" dirty="0" err="1"/>
-              <a:t>Caratozzolo</a:t>
-            </a:r>
-            <a:r>
-              <a:rPr lang="en-US" b="1" dirty="0"/>
-              <a:t>, John Tartaglia</a:t>
-            </a:r>
-          </a:p>
-          <a:p>
-            <a:endParaRPr lang="en-US" b="1" dirty="0"/>
-          </a:p>
-          <a:p>
-            <a:r>
-              <a:rPr lang="en-US" b="1" dirty="0"/>
+              <a:rPr lang="en-US" b="1"/>
               <a:t>Advisor: Hamed </a:t>
             </a:r>
             <a:r>
-              <a:rPr lang="en-US" b="1" dirty="0" err="1"/>
+              <a:rPr lang="en-US" b="1" err="1"/>
               <a:t>Ghoddusi</a:t>
             </a:r>
-            <a:endParaRPr lang="en-US" b="1" dirty="0"/>
+            <a:endParaRPr lang="en-US" b="1"/>
           </a:p>
         </p:txBody>
       </p:sp>
@@ -16810,7 +18275,7 @@
               <a:pPr/>
               <a:t>10</a:t>
             </a:fld>
-            <a:endParaRPr lang="en-US" dirty="0"/>
+            <a:endParaRPr lang="en-US"/>
           </a:p>
         </p:txBody>
       </p:sp>
@@ -16858,7 +18323,7 @@
           <a:p>
             <a:r>
               <a:rPr lang="en-US"/>
-              <a:t>Ultimately, we are looking to improve upon </a:t>
+              <a:t>Ultimately, we are looking to improve upon investor’s portfolios with volatility treated as a separate asset class</a:t>
             </a:r>
           </a:p>
           <a:p>
@@ -16894,7 +18359,7 @@
           <a:lstStyle/>
           <a:p>
             <a:r>
-              <a:rPr lang="en-US" dirty="0"/>
+              <a:rPr lang="en-US"/>
               <a:t>Conclusion and Next Steps</a:t>
             </a:r>
           </a:p>
@@ -16987,55 +18452,6 @@
     <p:extLst>
       <p:ext uri="{BB962C8B-B14F-4D97-AF65-F5344CB8AC3E}">
         <p14:creationId xmlns:p14="http://schemas.microsoft.com/office/powerpoint/2010/main" val="133738774"/>
-      </p:ext>
-    </p:extLst>
-  </p:cSld>
-  <p:clrMapOvr>
-    <a:masterClrMapping/>
-  </p:clrMapOvr>
-</p:sld>
-</file>
-
-<file path=ppt/slides/slide11.xml><?xml version="1.0" encoding="utf-8"?>
-<p:sld xmlns:a="http://schemas.openxmlformats.org/drawingml/2006/main" xmlns:r="http://schemas.openxmlformats.org/officeDocument/2006/relationships" xmlns:p="http://schemas.openxmlformats.org/presentationml/2006/main">
-  <p:cSld>
-    <p:spTree>
-      <p:nvGrpSpPr>
-        <p:cNvPr id="1" name=""/>
-        <p:cNvGrpSpPr/>
-        <p:nvPr/>
-      </p:nvGrpSpPr>
-      <p:grpSpPr>
-        <a:xfrm>
-          <a:off x="0" y="0"/>
-          <a:ext cx="0" cy="0"/>
-          <a:chOff x="0" y="0"/>
-          <a:chExt cx="0" cy="0"/>
-        </a:xfrm>
-      </p:grpSpPr>
-      <p:sp>
-        <p:nvSpPr>
-          <p:cNvPr id="2" name="Subtitle 1"/>
-          <p:cNvSpPr>
-            <a:spLocks noGrp="1"/>
-          </p:cNvSpPr>
-          <p:nvPr>
-            <p:ph type="subTitle" idx="1"/>
-          </p:nvPr>
-        </p:nvSpPr>
-        <p:spPr/>
-        <p:txBody>
-          <a:bodyPr/>
-          <a:lstStyle/>
-          <a:p>
-            <a:endParaRPr lang="en-US"/>
-          </a:p>
-        </p:txBody>
-      </p:sp>
-    </p:spTree>
-    <p:extLst>
-      <p:ext uri="{BB962C8B-B14F-4D97-AF65-F5344CB8AC3E}">
-        <p14:creationId xmlns:p14="http://schemas.microsoft.com/office/powerpoint/2010/main" val="2029764053"/>
       </p:ext>
     </p:extLst>
   </p:cSld>
@@ -17074,23 +18490,23 @@
         </p:nvSpPr>
         <p:spPr/>
         <p:txBody>
-          <a:bodyPr/>
+          <a:bodyPr vert="horz" lIns="91440" tIns="45720" rIns="91440" bIns="45720" anchor="t"/>
           <a:lstStyle/>
           <a:p>
             <a:r>
-              <a:rPr lang="en-US" dirty="0"/>
+              <a:rPr lang="en-US" sz="1800"/>
               <a:t>Is there a benefit of incorporating option volatility trading strategies into standard investor portfolios?</a:t>
             </a:r>
           </a:p>
           <a:p>
             <a:r>
-              <a:rPr lang="en-US" dirty="0"/>
+              <a:rPr lang="en-US" sz="1800"/>
               <a:t>Can volatility strategies help produce uncorrelated returns?</a:t>
             </a:r>
           </a:p>
           <a:p>
             <a:r>
-              <a:rPr lang="en-US" dirty="0"/>
+              <a:rPr lang="en-US" sz="1800"/>
               <a:t>How do volatility strategies perform in different market regimes (high vol vs low vol markets)?</a:t>
             </a:r>
           </a:p>
@@ -17116,7 +18532,7 @@
               <a:pPr/>
               <a:t>2</a:t>
             </a:fld>
-            <a:endParaRPr lang="en-US" dirty="0"/>
+            <a:endParaRPr lang="en-US"/>
           </a:p>
         </p:txBody>
       </p:sp>
@@ -17130,34 +18546,20 @@
             <p:ph type="title"/>
           </p:nvPr>
         </p:nvSpPr>
-        <p:spPr/>
+        <p:spPr>
+          <a:xfrm>
+            <a:off x="227013" y="625387"/>
+            <a:ext cx="7303340" cy="535863"/>
+          </a:xfrm>
+        </p:spPr>
         <p:txBody>
           <a:bodyPr/>
           <a:lstStyle/>
           <a:p>
             <a:r>
-              <a:rPr lang="en-US" dirty="0"/>
+              <a:rPr lang="en-US"/>
               <a:t>Research Questions</a:t>
             </a:r>
-          </a:p>
-        </p:txBody>
-      </p:sp>
-      <p:sp>
-        <p:nvSpPr>
-          <p:cNvPr id="5" name="Text Placeholder 4"/>
-          <p:cNvSpPr>
-            <a:spLocks noGrp="1"/>
-          </p:cNvSpPr>
-          <p:nvPr>
-            <p:ph type="body" sz="quarter" idx="13"/>
-          </p:nvPr>
-        </p:nvSpPr>
-        <p:spPr/>
-        <p:txBody>
-          <a:bodyPr/>
-          <a:lstStyle/>
-          <a:p>
-            <a:endParaRPr lang="en-US"/>
           </a:p>
         </p:txBody>
       </p:sp>
@@ -17217,7 +18619,7 @@
               <a:pPr/>
               <a:t>3</a:t>
             </a:fld>
-            <a:endParaRPr lang="en-US" dirty="0"/>
+            <a:endParaRPr lang="en-US"/>
           </a:p>
         </p:txBody>
       </p:sp>
@@ -17248,25 +18650,25 @@
           <a:lstStyle/>
           <a:p>
             <a:r>
-              <a:rPr lang="en-US" dirty="0"/>
+              <a:rPr lang="en-US" sz="1800"/>
               <a:t>General investors are aware of the benefits standard puts/calls can provide their portfolio.</a:t>
             </a:r>
           </a:p>
           <a:p>
             <a:r>
-              <a:rPr lang="en-US" dirty="0"/>
+              <a:rPr lang="en-US" sz="1800"/>
               <a:t>Can we expand on using vanilla puts/calls to more advanced vol trading strategies to help provide investors uncorrelated returns?</a:t>
             </a:r>
           </a:p>
           <a:p>
             <a:r>
-              <a:rPr lang="en-US" dirty="0"/>
+              <a:rPr lang="en-US" sz="1800"/>
               <a:t>The option market provides opportunities to profit regardless of the direction of the overall market.</a:t>
             </a:r>
           </a:p>
           <a:p>
             <a:r>
-              <a:rPr lang="en-US" dirty="0"/>
+              <a:rPr lang="en-US" sz="1800"/>
               <a:t>The case for trading volatility as another asset class is well documented in literature. </a:t>
             </a:r>
           </a:p>
@@ -17294,7 +18696,7 @@
           <a:lstStyle/>
           <a:p>
             <a:r>
-              <a:rPr lang="en-US" dirty="0"/>
+              <a:rPr lang="en-US"/>
               <a:t>Problem Background</a:t>
             </a:r>
           </a:p>
@@ -17318,10 +18720,13 @@
         </p:nvSpPr>
         <p:spPr/>
         <p:txBody>
-          <a:bodyPr/>
+          <a:bodyPr vert="horz" wrap="none" lIns="91440" tIns="45720" rIns="91440" bIns="45720" anchor="t" anchorCtr="0"/>
           <a:lstStyle/>
           <a:p>
-            <a:endParaRPr lang="en-US"/>
+            <a:r>
+              <a:rPr lang="en-US"/>
+              <a:t>Scope and Purpose</a:t>
+            </a:r>
           </a:p>
         </p:txBody>
       </p:sp>
@@ -17381,7 +18786,7 @@
               <a:pPr/>
               <a:t>4</a:t>
             </a:fld>
-            <a:endParaRPr lang="en-US" dirty="0"/>
+            <a:endParaRPr lang="en-US"/>
           </a:p>
         </p:txBody>
       </p:sp>
@@ -17412,77 +18817,69 @@
           <a:lstStyle/>
           <a:p>
             <a:r>
-              <a:rPr lang="en-US" i="1" dirty="0"/>
-              <a:t>Volatility Dispersion Trading: </a:t>
-            </a:r>
-            <a:r>
-              <a:rPr lang="en-US" i="1" dirty="0" err="1"/>
-              <a:t>Qiang</a:t>
-            </a:r>
-            <a:r>
-              <a:rPr lang="en-US" i="1" dirty="0"/>
-              <a:t> Deng </a:t>
+              <a:rPr lang="en-US" i="1"/>
+              <a:t>Volatility Dispersion Trading: Qiang Deng </a:t>
             </a:r>
           </a:p>
           <a:p>
             <a:pPr lvl="1"/>
             <a:r>
-              <a:rPr lang="en-US" dirty="0"/>
+              <a:rPr lang="en-US"/>
               <a:t>Dispersion trading is a hedged strategy designed to take advantage of relative value differences in implied volatility between an index and a basked of component stocks</a:t>
             </a:r>
           </a:p>
           <a:p>
             <a:pPr lvl="1"/>
             <a:r>
-              <a:rPr lang="en-US" dirty="0"/>
+              <a:rPr lang="en-US"/>
               <a:t>This paper analyzes where dispersion profits are derived from and how to enhance them</a:t>
             </a:r>
-            <a:endParaRPr lang="en-US" i="1" dirty="0"/>
+            <a:endParaRPr lang="en-US" i="1"/>
           </a:p>
           <a:p>
             <a:r>
-              <a:rPr lang="en-US" i="1" dirty="0"/>
+              <a:rPr lang="en-US" i="1"/>
               <a:t>Trading the Volatility Skew of the Options on the S&amp;P Index: Juan Bueno</a:t>
             </a:r>
           </a:p>
           <a:p>
             <a:pPr lvl="1"/>
             <a:r>
-              <a:rPr lang="en-US" dirty="0"/>
+              <a:rPr lang="en-US"/>
               <a:t>OTM Index puts can be overpriced due to investor’s wanting downside protection</a:t>
             </a:r>
           </a:p>
           <a:p>
             <a:pPr lvl="1"/>
             <a:r>
-              <a:rPr lang="en-US" dirty="0"/>
+              <a:rPr lang="en-US"/>
               <a:t> Implied volatility on lower strike options can be inflated leading to trading opportunities </a:t>
             </a:r>
           </a:p>
           <a:p>
             <a:r>
-              <a:rPr lang="en-US" i="1" dirty="0"/>
+              <a:rPr lang="en-US" i="1"/>
               <a:t>Trading Volatility: Colin Bennet</a:t>
             </a:r>
           </a:p>
           <a:p>
             <a:pPr lvl="1"/>
             <a:r>
-              <a:rPr lang="en-US" dirty="0"/>
+              <a:rPr lang="en-US"/>
               <a:t>Textbook that outlines advanced options trading strategies including dispersion, skew, and exotics</a:t>
             </a:r>
             <a:r>
-              <a:rPr lang="en-US" i="1" dirty="0"/>
+              <a:rPr lang="en-US" i="1"/>
               <a:t> </a:t>
             </a:r>
           </a:p>
           <a:p>
             <a:pPr lvl="1"/>
-            <a:endParaRPr lang="en-US" dirty="0"/>
+            <a:endParaRPr lang="en-US"/>
           </a:p>
           <a:p>
             <a:pPr lvl="1"/>
-            <a:endParaRPr lang="en-US" dirty="0"/>
+            <a:endParaRPr lang="en-US"/>
           </a:p>
         </p:txBody>
       </p:sp>
@@ -17508,7 +18905,7 @@
           <a:lstStyle/>
           <a:p>
             <a:r>
-              <a:rPr lang="en-US" dirty="0"/>
+              <a:rPr lang="en-US"/>
               <a:t>Literature Review</a:t>
             </a:r>
           </a:p>
@@ -17532,10 +18929,13 @@
         </p:nvSpPr>
         <p:spPr/>
         <p:txBody>
-          <a:bodyPr/>
+          <a:bodyPr vert="horz" wrap="none" lIns="91440" tIns="45720" rIns="91440" bIns="45720" anchor="t" anchorCtr="0"/>
           <a:lstStyle/>
           <a:p>
-            <a:endParaRPr lang="en-US"/>
+            <a:r>
+              <a:rPr lang="en-US"/>
+              <a:t>Prefatory Readings</a:t>
+            </a:r>
           </a:p>
         </p:txBody>
       </p:sp>
@@ -17595,7 +18995,7 @@
               <a:pPr/>
               <a:t>5</a:t>
             </a:fld>
-            <a:endParaRPr lang="en-US" dirty="0"/>
+            <a:endParaRPr lang="en-US"/>
           </a:p>
         </p:txBody>
       </p:sp>
@@ -17626,32 +19026,46 @@
           <a:lstStyle/>
           <a:p>
             <a:r>
-              <a:rPr lang="en-US" dirty="0"/>
+              <a:rPr lang="en-US"/>
               <a:t>We plan to conduct most of the project in Python</a:t>
             </a:r>
           </a:p>
           <a:p>
             <a:r>
-              <a:rPr lang="en-US" dirty="0"/>
+              <a:rPr lang="en-US"/>
               <a:t>We have a shared GitHub to allow group collaboration on any code we produce </a:t>
             </a:r>
           </a:p>
           <a:p>
             <a:r>
-              <a:rPr lang="en-US" dirty="0"/>
-              <a:t>To implement, we plan to back test the strategies by simulating buys and sells of various options and underlying securities and then tracking the performance of the options and underliers </a:t>
-            </a:r>
-          </a:p>
-          <a:p>
-            <a:r>
-              <a:rPr lang="en-US" dirty="0"/>
-              <a:t>To analyze the performance compared to the overall market/equity portfolios, we will run regressions and other statistical analysis to compare the option trading strategies to the equity market</a:t>
+              <a:rPr lang="en-US"/>
+              <a:t>Back test the strategies by simulating buys and sells of various options </a:t>
             </a:r>
           </a:p>
           <a:p>
             <a:pPr lvl="1"/>
             <a:r>
-              <a:rPr lang="en-US" dirty="0"/>
+              <a:rPr lang="en-US"/>
+              <a:t>Buy and sell underlying securities as well (hedging) and track the performance</a:t>
+            </a:r>
+          </a:p>
+          <a:p>
+            <a:r>
+              <a:rPr lang="en-US"/>
+              <a:t>Analyze the performance of strategies compared to the overall market/equity portfolios, </a:t>
+            </a:r>
+          </a:p>
+          <a:p>
+            <a:pPr lvl="1"/>
+            <a:r>
+              <a:rPr lang="en-US"/>
+              <a:t>Run regressions and other statistical analysis to compare the option trading strategies to the equity market</a:t>
+            </a:r>
+          </a:p>
+          <a:p>
+            <a:pPr lvl="1"/>
+            <a:r>
+              <a:rPr lang="en-US"/>
               <a:t>The analysis will include cost-benefit scenarios that outline if investing in volatility as an asset class is worthwhile for diversification (or in what market regimes is it beneficial)</a:t>
             </a:r>
           </a:p>
@@ -17660,7 +19074,7 @@
               <a:buNone/>
             </a:pPr>
             <a:r>
-              <a:rPr lang="en-US" dirty="0"/>
+              <a:rPr lang="en-US"/>
               <a:t> </a:t>
             </a:r>
           </a:p>
@@ -17688,7 +19102,7 @@
           <a:lstStyle/>
           <a:p>
             <a:r>
-              <a:rPr lang="en-US" dirty="0"/>
+              <a:rPr lang="en-US"/>
               <a:t>Initial Ideas on Implementation</a:t>
             </a:r>
           </a:p>
@@ -17712,10 +19126,13 @@
         </p:nvSpPr>
         <p:spPr/>
         <p:txBody>
-          <a:bodyPr/>
+          <a:bodyPr vert="horz" wrap="none" lIns="91440" tIns="45720" rIns="91440" bIns="45720" anchor="t" anchorCtr="0"/>
           <a:lstStyle/>
           <a:p>
-            <a:endParaRPr lang="en-US"/>
+            <a:r>
+              <a:rPr lang="en-US"/>
+              <a:t>Software and Methodology</a:t>
+            </a:r>
           </a:p>
         </p:txBody>
       </p:sp>
@@ -17775,7 +19192,7 @@
               <a:pPr/>
               <a:t>6</a:t>
             </a:fld>
-            <a:endParaRPr lang="en-US" dirty="0"/>
+            <a:endParaRPr lang="en-US"/>
           </a:p>
         </p:txBody>
       </p:sp>
@@ -17795,19 +19212,24 @@
             <p:ph type="body" sz="quarter" idx="12"/>
           </p:nvPr>
         </p:nvSpPr>
-        <p:spPr/>
+        <p:spPr>
+          <a:xfrm>
+            <a:off x="201134" y="1295283"/>
+            <a:ext cx="4242014" cy="4384542"/>
+          </a:xfrm>
+        </p:spPr>
         <p:txBody>
           <a:bodyPr/>
           <a:lstStyle/>
           <a:p>
             <a:r>
-              <a:rPr lang="en-US" dirty="0"/>
+              <a:rPr lang="en-US"/>
               <a:t>We will be using Bloomberg to gather historical option pricing data</a:t>
             </a:r>
           </a:p>
           <a:p>
             <a:r>
-              <a:rPr lang="en-US" dirty="0"/>
+              <a:rPr lang="en-US"/>
               <a:t>The Excel add-in gives us access to any historical option data</a:t>
             </a:r>
           </a:p>
@@ -17829,40 +19251,20 @@
             <p:ph type="title"/>
           </p:nvPr>
         </p:nvSpPr>
-        <p:spPr/>
+        <p:spPr>
+          <a:xfrm>
+            <a:off x="201134" y="478738"/>
+            <a:ext cx="7303340" cy="535863"/>
+          </a:xfrm>
+        </p:spPr>
         <p:txBody>
           <a:bodyPr/>
           <a:lstStyle/>
           <a:p>
             <a:r>
-              <a:rPr lang="en-US" dirty="0"/>
+              <a:rPr lang="en-US"/>
               <a:t>Introduction to Data Sources</a:t>
             </a:r>
-          </a:p>
-        </p:txBody>
-      </p:sp>
-      <p:sp>
-        <p:nvSpPr>
-          <p:cNvPr id="5" name="Text Placeholder 4">
-            <a:extLst>
-              <a:ext uri="{FF2B5EF4-FFF2-40B4-BE49-F238E27FC236}">
-                <a16:creationId xmlns:a16="http://schemas.microsoft.com/office/drawing/2014/main" id="{532F56CE-359B-4712-A234-3640BA0BEFC1}"/>
-              </a:ext>
-            </a:extLst>
-          </p:cNvPr>
-          <p:cNvSpPr>
-            <a:spLocks noGrp="1"/>
-          </p:cNvSpPr>
-          <p:nvPr>
-            <p:ph type="body" sz="quarter" idx="13"/>
-          </p:nvPr>
-        </p:nvSpPr>
-        <p:spPr/>
-        <p:txBody>
-          <a:bodyPr/>
-          <a:lstStyle/>
-          <a:p>
-            <a:endParaRPr lang="en-US"/>
           </a:p>
         </p:txBody>
       </p:sp>
@@ -17882,13 +19284,18 @@
             <p:ph type="body" sz="quarter" idx="16"/>
           </p:nvPr>
         </p:nvSpPr>
-        <p:spPr/>
+        <p:spPr>
+          <a:xfrm>
+            <a:off x="4575632" y="1295283"/>
+            <a:ext cx="4242014" cy="4384542"/>
+          </a:xfrm>
+        </p:spPr>
         <p:txBody>
           <a:bodyPr/>
           <a:lstStyle/>
           <a:p>
             <a:r>
-              <a:rPr lang="en-US" dirty="0"/>
+              <a:rPr lang="en-US"/>
               <a:t>We will use a Python script to communicate with Excel to download the specific options we want and read back to Python</a:t>
             </a:r>
           </a:p>
@@ -17916,7 +19323,7 @@
         </p:blipFill>
         <p:spPr>
           <a:xfrm>
-            <a:off x="1313105" y="3022576"/>
+            <a:off x="1494260" y="2737904"/>
             <a:ext cx="5592654" cy="3071317"/>
           </a:xfrm>
           <a:prstGeom prst="rect">
@@ -17980,7 +19387,7 @@
               <a:pPr/>
               <a:t>7</a:t>
             </a:fld>
-            <a:endParaRPr lang="en-US" dirty="0"/>
+            <a:endParaRPr lang="en-US"/>
           </a:p>
         </p:txBody>
       </p:sp>
@@ -18000,11 +19407,43 @@
             <p:ph type="body" sz="quarter" idx="12"/>
           </p:nvPr>
         </p:nvSpPr>
-        <p:spPr/>
+        <p:spPr>
+          <a:xfrm>
+            <a:off x="227013" y="1717977"/>
+            <a:ext cx="7839229" cy="4375916"/>
+          </a:xfrm>
+        </p:spPr>
         <p:txBody>
-          <a:bodyPr/>
+          <a:bodyPr vert="horz" lIns="91440" tIns="45720" rIns="91440" bIns="45720" anchor="t"/>
           <a:lstStyle/>
           <a:p>
+            <a:r>
+              <a:rPr lang="en-US"/>
+              <a:t>A determination of which trading strategies can be used to attain beta-neutral returns that are competitive with equity-only portfolios over a long timeframe.</a:t>
+            </a:r>
+          </a:p>
+          <a:p>
+            <a:r>
+              <a:rPr lang="en-US"/>
+              <a:t>A quantifiable risk-reduction from diversifying a typical portfolio by implementing various option strategies; treating volatility as an additional asset class.</a:t>
+            </a:r>
+          </a:p>
+          <a:p>
+            <a:r>
+              <a:rPr lang="en-US"/>
+              <a:t>Thorough backtesting analysis to determine which strategies consistently perform well out-of-sample.</a:t>
+            </a:r>
+          </a:p>
+          <a:p>
+            <a:r>
+              <a:rPr lang="en-US"/>
+              <a:t>A greater understanding of developing automated option trading strategies and incorporating them into a portfolio.</a:t>
+            </a:r>
+          </a:p>
+          <a:p>
+            <a:pPr marL="0" indent="0">
+              <a:buNone/>
+            </a:pPr>
             <a:endParaRPr lang="en-US"/>
           </a:p>
         </p:txBody>
@@ -18027,12 +19466,12 @@
         </p:nvSpPr>
         <p:spPr/>
         <p:txBody>
-          <a:bodyPr/>
+          <a:bodyPr lIns="91440" tIns="45720" rIns="91440" bIns="45720" anchor="t"/>
           <a:lstStyle/>
           <a:p>
             <a:r>
-              <a:rPr lang="en-US" dirty="0"/>
-              <a:t>Expected Outcomes</a:t>
+              <a:rPr lang="en-US"/>
+              <a:t>Project Outcomes</a:t>
             </a:r>
           </a:p>
         </p:txBody>
@@ -18055,35 +19494,13 @@
         </p:nvSpPr>
         <p:spPr/>
         <p:txBody>
-          <a:bodyPr/>
+          <a:bodyPr vert="horz" wrap="none" lIns="91440" tIns="45720" rIns="91440" bIns="45720" anchor="t" anchorCtr="0"/>
           <a:lstStyle/>
           <a:p>
-            <a:endParaRPr lang="en-US"/>
-          </a:p>
-        </p:txBody>
-      </p:sp>
-      <p:sp>
-        <p:nvSpPr>
-          <p:cNvPr id="6" name="Text Placeholder 5">
-            <a:extLst>
-              <a:ext uri="{FF2B5EF4-FFF2-40B4-BE49-F238E27FC236}">
-                <a16:creationId xmlns:a16="http://schemas.microsoft.com/office/drawing/2014/main" id="{BEB7D9D2-5367-4A13-8106-730EDF44ECFD}"/>
-              </a:ext>
-            </a:extLst>
-          </p:cNvPr>
-          <p:cNvSpPr>
-            <a:spLocks noGrp="1"/>
-          </p:cNvSpPr>
-          <p:nvPr>
-            <p:ph type="body" sz="quarter" idx="16"/>
-          </p:nvPr>
-        </p:nvSpPr>
-        <p:spPr/>
-        <p:txBody>
-          <a:bodyPr/>
-          <a:lstStyle/>
-          <a:p>
-            <a:endParaRPr lang="en-US"/>
+            <a:r>
+              <a:rPr lang="en-US"/>
+              <a:t>Initial Expectations</a:t>
+            </a:r>
           </a:p>
         </p:txBody>
       </p:sp>
@@ -18143,7 +19560,7 @@
               <a:pPr/>
               <a:t>8</a:t>
             </a:fld>
-            <a:endParaRPr lang="en-US" dirty="0"/>
+            <a:endParaRPr lang="en-US"/>
           </a:p>
         </p:txBody>
       </p:sp>
@@ -18179,7 +19596,7 @@
           <a:p>
             <a:r>
               <a:rPr lang="en-US"/>
-              <a:t>First steps are really considering what data we need to get, such as which assets we will look into for options</a:t>
+              <a:t>First steps are really considering what data we need to get, such as which assets we will consider for options</a:t>
             </a:r>
           </a:p>
           <a:p>
@@ -18224,7 +19641,7 @@
           <a:lstStyle/>
           <a:p>
             <a:r>
-              <a:rPr lang="en-US" dirty="0"/>
+              <a:rPr lang="en-US"/>
               <a:t>Work Plan</a:t>
             </a:r>
           </a:p>
@@ -18276,7 +19693,7 @@
         </p:nvSpPr>
         <p:spPr/>
         <p:txBody>
-          <a:bodyPr/>
+          <a:bodyPr vert="horz" lIns="91440" tIns="45720" rIns="91440" bIns="45720" anchor="t"/>
           <a:lstStyle/>
           <a:p>
             <a:pPr marL="0" indent="0">
@@ -18290,29 +19707,13 @@
           <a:p>
             <a:r>
               <a:rPr lang="en-US"/>
-              <a:t>Now we will </a:t>
+              <a:t>Now we will backtest our strategies, there are different ways we can approach this, so we need to discuss ways to construct portfolios/asset allocations</a:t>
             </a:r>
-            <a:r>
-              <a:rPr lang="en-US" err="1"/>
-              <a:t>backtest</a:t>
-            </a:r>
+          </a:p>
+          <a:p>
             <a:r>
               <a:rPr lang="en-US"/>
-              <a:t> our strategies, there are different ways we can approach this, so we need to discuss ways to construct portfolios/asset allocations</a:t>
-            </a:r>
-          </a:p>
-          <a:p>
-            <a:r>
-              <a:rPr lang="en-US"/>
-              <a:t>First step of </a:t>
-            </a:r>
-            <a:r>
-              <a:rPr lang="en-US" err="1"/>
-              <a:t>backtesting</a:t>
-            </a:r>
-            <a:r>
-              <a:rPr lang="en-US"/>
-              <a:t> is to test the various option strategies, once we find which ones are viable then we can implement those into typical investor portfolios</a:t>
+              <a:t>First step of backtesting is to test the various option strategies, once we find which ones are viable then we can implement those into typical investor portfolios</a:t>
             </a:r>
           </a:p>
           <a:p>
@@ -18382,7 +19783,7 @@
               <a:pPr/>
               <a:t>9</a:t>
             </a:fld>
-            <a:endParaRPr lang="en-US" dirty="0"/>
+            <a:endParaRPr lang="en-US"/>
           </a:p>
         </p:txBody>
       </p:sp>
@@ -18407,28 +19808,7 @@
           <a:bodyPr vert="horz" lIns="91440" tIns="45720" rIns="91440" bIns="45720" anchor="t"/>
           <a:lstStyle/>
           <a:p>
-            <a:r>
-              <a:rPr lang="en-US"/>
-              <a:t>Metrics to measure how certain option trading strategies perform in various market regimes.</a:t>
-            </a:r>
-          </a:p>
-          <a:p>
-            <a:r>
-              <a:rPr lang="en-US"/>
-              <a:t>Beta neutral strategies</a:t>
-            </a:r>
-          </a:p>
-          <a:p>
-            <a:r>
-              <a:rPr lang="en-US"/>
-              <a:t>Impact on portfolio</a:t>
-            </a:r>
-          </a:p>
-          <a:p>
-            <a:r>
-              <a:rPr lang="en-US"/>
-              <a:t>Backtesting analysis </a:t>
-            </a:r>
+            <a:endParaRPr lang="en-US"/>
           </a:p>
           <a:p>
             <a:endParaRPr lang="en-US"/>
@@ -18457,7 +19837,7 @@
           <a:lstStyle/>
           <a:p>
             <a:r>
-              <a:rPr lang="en-US" dirty="0"/>
+              <a:rPr lang="en-US"/>
               <a:t>Risk Analysis</a:t>
             </a:r>
           </a:p>
@@ -18481,10 +19861,13 @@
         </p:nvSpPr>
         <p:spPr/>
         <p:txBody>
-          <a:bodyPr/>
+          <a:bodyPr vert="horz" wrap="none" lIns="91440" tIns="45720" rIns="91440" bIns="45720" anchor="t" anchorCtr="0"/>
           <a:lstStyle/>
           <a:p>
-            <a:endParaRPr lang="en-US"/>
+            <a:r>
+              <a:rPr lang="en-US"/>
+              <a:t>Possible Challenges and Risks</a:t>
+            </a:r>
           </a:p>
         </p:txBody>
       </p:sp>
@@ -18504,11 +19887,97 @@
             <p:ph type="body" sz="quarter" idx="16"/>
           </p:nvPr>
         </p:nvSpPr>
-        <p:spPr/>
+        <p:spPr>
+          <a:xfrm>
+            <a:off x="227919" y="1717977"/>
+            <a:ext cx="8684617" cy="4375916"/>
+          </a:xfrm>
+        </p:spPr>
         <p:txBody>
-          <a:bodyPr/>
+          <a:bodyPr vert="horz" lIns="91440" tIns="45720" rIns="91440" bIns="45720" anchor="t"/>
           <a:lstStyle/>
           <a:p>
+            <a:r>
+              <a:rPr lang="en-US"/>
+              <a:t>Data Collection Issues</a:t>
+            </a:r>
+          </a:p>
+          <a:p>
+            <a:pPr lvl="1">
+              <a:buFont typeface="Arial" panose="020B0604020202020204" pitchFamily="34" charset="0"/>
+            </a:pPr>
+            <a:r>
+              <a:rPr lang="en-US"/>
+              <a:t>Missing data from Bloomberg (tickers, dates, strikes).</a:t>
+            </a:r>
+          </a:p>
+          <a:p>
+            <a:pPr lvl="1">
+              <a:buFont typeface="Arial" panose="020B0604020202020204" pitchFamily="34" charset="0"/>
+            </a:pPr>
+            <a:r>
+              <a:rPr lang="en-US"/>
+              <a:t>Difficulties automating data collection through python using the Bloomberg-Excel API (time/memory).</a:t>
+            </a:r>
+          </a:p>
+          <a:p>
+            <a:r>
+              <a:rPr lang="en-US"/>
+              <a:t>Unrealistic Backtesting Results</a:t>
+            </a:r>
+          </a:p>
+          <a:p>
+            <a:pPr lvl="1">
+              <a:buFont typeface="Arial" panose="020B0604020202020204" pitchFamily="34" charset="0"/>
+            </a:pPr>
+            <a:r>
+              <a:rPr lang="en-US"/>
+              <a:t>Observing unusual option prices due to illiquidity.</a:t>
+            </a:r>
+          </a:p>
+          <a:p>
+            <a:pPr lvl="1">
+              <a:buFont typeface="Arial" panose="020B0604020202020204" pitchFamily="34" charset="0"/>
+            </a:pPr>
+            <a:r>
+              <a:rPr lang="en-US"/>
+              <a:t>Large bid-ask spreads.</a:t>
+            </a:r>
+          </a:p>
+          <a:p>
+            <a:r>
+              <a:rPr lang="en-US"/>
+              <a:t>Poor Out-of-Sample Strategy Performance</a:t>
+            </a:r>
+          </a:p>
+          <a:p>
+            <a:pPr lvl="1">
+              <a:buFont typeface="Arial" panose="020B0604020202020204" pitchFamily="34" charset="0"/>
+            </a:pPr>
+            <a:r>
+              <a:rPr lang="en-US" sz="1200"/>
+              <a:t>Market regime changes (Covid, rapid growth of retail investor participation in option trading).</a:t>
+            </a:r>
+          </a:p>
+          <a:p>
+            <a:pPr lvl="1">
+              <a:buFont typeface="Arial" panose="020B0604020202020204" pitchFamily="34" charset="0"/>
+            </a:pPr>
+            <a:r>
+              <a:rPr lang="en-US" sz="1200"/>
+              <a:t>Overfitting our trading models.</a:t>
+            </a:r>
+          </a:p>
+          <a:p>
+            <a:pPr marL="0" indent="0">
+              <a:buNone/>
+            </a:pPr>
+            <a:endParaRPr lang="en-US"/>
+          </a:p>
+          <a:p>
+            <a:pPr lvl="1">
+              <a:buFont typeface="Arial" panose="020B0604020202020204" pitchFamily="34" charset="0"/>
+            </a:pPr>
             <a:endParaRPr lang="en-US"/>
           </a:p>
         </p:txBody>
